--- a/2015-2016/clases/informatica_basica/clase_6/firewall/clase_6_firewall.pptx
+++ b/2015-2016/clases/informatica_basica/clase_6/firewall/clase_6_firewall.pptx
@@ -2,8 +2,25 @@
 <file path=ppt/presentation.xml><?xml version="1.0" encoding="utf-8"?>
 <p:presentation xmlns:a="http://schemas.openxmlformats.org/drawingml/2006/main" xmlns:r="http://schemas.openxmlformats.org/officeDocument/2006/relationships" xmlns:p="http://schemas.openxmlformats.org/presentationml/2006/main" saveSubsetFonts="1">
   <p:sldMasterIdLst>
-    <p:sldMasterId id="2147483648" r:id="rId1"/>
+    <p:sldMasterId id="2147483672" r:id="rId1"/>
   </p:sldMasterIdLst>
+  <p:sldIdLst>
+    <p:sldId id="256" r:id="rId2"/>
+    <p:sldId id="257" r:id="rId3"/>
+    <p:sldId id="258" r:id="rId4"/>
+    <p:sldId id="259" r:id="rId5"/>
+    <p:sldId id="260" r:id="rId6"/>
+    <p:sldId id="261" r:id="rId7"/>
+    <p:sldId id="262" r:id="rId8"/>
+    <p:sldId id="263" r:id="rId9"/>
+    <p:sldId id="264" r:id="rId10"/>
+    <p:sldId id="265" r:id="rId11"/>
+    <p:sldId id="268" r:id="rId12"/>
+    <p:sldId id="266" r:id="rId13"/>
+    <p:sldId id="267" r:id="rId14"/>
+    <p:sldId id="269" r:id="rId15"/>
+    <p:sldId id="270" r:id="rId16"/>
+  </p:sldIdLst>
   <p:sldSz cx="9144000" cy="6858000" type="screen4x3"/>
   <p:notesSz cx="6858000" cy="9144000"/>
   <p:defaultTextStyle>
@@ -105,7 +122,7 @@
 </file>
 
 <file path=ppt/slideLayouts/slideLayout1.xml><?xml version="1.0" encoding="utf-8"?>
-<p:sldLayout xmlns:a="http://schemas.openxmlformats.org/drawingml/2006/main" xmlns:r="http://schemas.openxmlformats.org/officeDocument/2006/relationships" xmlns:p="http://schemas.openxmlformats.org/presentationml/2006/main" type="title" preserve="1">
+<p:sldLayout xmlns:a="http://schemas.openxmlformats.org/drawingml/2006/main" xmlns:r="http://schemas.openxmlformats.org/officeDocument/2006/relationships" xmlns:p="http://schemas.openxmlformats.org/presentationml/2006/main" showMasterSp="0" type="title" preserve="1">
   <p:cSld name="Diapositiva de título">
     <p:spTree>
       <p:nvGrpSpPr>
@@ -123,7 +140,57 @@
       </p:grpSpPr>
       <p:sp>
         <p:nvSpPr>
-          <p:cNvPr id="2" name="1 Título"/>
+          <p:cNvPr id="7" name="6 Conector recto"/>
+          <p:cNvSpPr>
+            <a:spLocks noChangeShapeType="1"/>
+          </p:cNvSpPr>
+          <p:nvPr/>
+        </p:nvSpPr>
+        <p:spPr bwMode="auto">
+          <a:xfrm>
+            <a:off x="514350" y="5349902"/>
+            <a:ext cx="8629650" cy="2381"/>
+          </a:xfrm>
+          <a:prstGeom prst="line">
+            <a:avLst/>
+          </a:prstGeom>
+          <a:noFill/>
+          <a:ln w="9525" cap="flat" cmpd="sng" algn="ctr">
+            <a:gradFill flip="none" rotWithShape="1">
+              <a:gsLst>
+                <a:gs pos="0">
+                  <a:schemeClr val="accent1">
+                    <a:alpha val="0"/>
+                  </a:schemeClr>
+                </a:gs>
+                <a:gs pos="17000">
+                  <a:schemeClr val="accent1"/>
+                </a:gs>
+                <a:gs pos="100000">
+                  <a:schemeClr val="accent1"/>
+                </a:gs>
+              </a:gsLst>
+              <a:lin ang="0" scaled="1"/>
+              <a:tileRect/>
+            </a:gradFill>
+            <a:prstDash val="solid"/>
+            <a:round/>
+            <a:headEnd type="none" w="med" len="med"/>
+            <a:tailEnd type="none" w="med" len="med"/>
+          </a:ln>
+          <a:effectLst/>
+        </p:spPr>
+        <p:txBody>
+          <a:bodyPr vert="horz" wrap="square" lIns="91440" tIns="45720" rIns="91440" bIns="45720" anchor="t" compatLnSpc="1"/>
+          <a:lstStyle/>
+          <a:p>
+            <a:endParaRPr kumimoji="0" lang="en-US"/>
+          </a:p>
+        </p:txBody>
+      </p:sp>
+      <p:sp>
+        <p:nvSpPr>
+          <p:cNvPr id="29" name="28 Título"/>
           <p:cNvSpPr>
             <a:spLocks noGrp="1"/>
           </p:cNvSpPr>
@@ -133,25 +200,25 @@
         </p:nvSpPr>
         <p:spPr>
           <a:xfrm>
-            <a:off x="685800" y="2130425"/>
-            <a:ext cx="7772400" cy="1470025"/>
-          </a:xfrm>
-        </p:spPr>
-        <p:txBody>
-          <a:bodyPr/>
-          <a:lstStyle/>
-          <a:p>
-            <a:r>
-              <a:rPr lang="es-ES" smtClean="0"/>
+            <a:off x="381000" y="4853411"/>
+            <a:ext cx="8458200" cy="1222375"/>
+          </a:xfrm>
+        </p:spPr>
+        <p:txBody>
+          <a:bodyPr anchor="t"/>
+          <a:lstStyle/>
+          <a:p>
+            <a:r>
+              <a:rPr kumimoji="0" lang="es-ES" smtClean="0"/>
               <a:t>Haga clic para modificar el estilo de título del patrón</a:t>
             </a:r>
-            <a:endParaRPr lang="es-ES"/>
-          </a:p>
-        </p:txBody>
-      </p:sp>
-      <p:sp>
-        <p:nvSpPr>
-          <p:cNvPr id="3" name="2 Subtítulo"/>
+            <a:endParaRPr kumimoji="0" lang="en-US"/>
+          </a:p>
+        </p:txBody>
+      </p:sp>
+      <p:sp>
+        <p:nvSpPr>
+          <p:cNvPr id="9" name="8 Subtítulo"/>
           <p:cNvSpPr>
             <a:spLocks noGrp="1"/>
           </p:cNvSpPr>
@@ -161,116 +228,60 @@
         </p:nvSpPr>
         <p:spPr>
           <a:xfrm>
-            <a:off x="1371600" y="3886200"/>
-            <a:ext cx="6400800" cy="1752600"/>
-          </a:xfrm>
-        </p:spPr>
-        <p:txBody>
-          <a:bodyPr/>
+            <a:off x="381000" y="3886200"/>
+            <a:ext cx="8458200" cy="914400"/>
+          </a:xfrm>
+        </p:spPr>
+        <p:txBody>
+          <a:bodyPr anchor="b"/>
           <a:lstStyle>
-            <a:lvl1pPr marL="0" indent="0" algn="ctr">
+            <a:lvl1pPr marL="0" indent="0" algn="l">
               <a:buNone/>
-              <a:defRPr>
+              <a:defRPr sz="2400">
                 <a:solidFill>
-                  <a:schemeClr val="tx1">
-                    <a:tint val="75000"/>
+                  <a:schemeClr val="tx2">
+                    <a:shade val="75000"/>
                   </a:schemeClr>
                 </a:solidFill>
               </a:defRPr>
             </a:lvl1pPr>
             <a:lvl2pPr marL="457200" indent="0" algn="ctr">
               <a:buNone/>
-              <a:defRPr>
-                <a:solidFill>
-                  <a:schemeClr val="tx1">
-                    <a:tint val="75000"/>
-                  </a:schemeClr>
-                </a:solidFill>
-              </a:defRPr>
             </a:lvl2pPr>
             <a:lvl3pPr marL="914400" indent="0" algn="ctr">
               <a:buNone/>
-              <a:defRPr>
-                <a:solidFill>
-                  <a:schemeClr val="tx1">
-                    <a:tint val="75000"/>
-                  </a:schemeClr>
-                </a:solidFill>
-              </a:defRPr>
             </a:lvl3pPr>
             <a:lvl4pPr marL="1371600" indent="0" algn="ctr">
               <a:buNone/>
-              <a:defRPr>
-                <a:solidFill>
-                  <a:schemeClr val="tx1">
-                    <a:tint val="75000"/>
-                  </a:schemeClr>
-                </a:solidFill>
-              </a:defRPr>
             </a:lvl4pPr>
             <a:lvl5pPr marL="1828800" indent="0" algn="ctr">
               <a:buNone/>
-              <a:defRPr>
-                <a:solidFill>
-                  <a:schemeClr val="tx1">
-                    <a:tint val="75000"/>
-                  </a:schemeClr>
-                </a:solidFill>
-              </a:defRPr>
             </a:lvl5pPr>
             <a:lvl6pPr marL="2286000" indent="0" algn="ctr">
               <a:buNone/>
-              <a:defRPr>
-                <a:solidFill>
-                  <a:schemeClr val="tx1">
-                    <a:tint val="75000"/>
-                  </a:schemeClr>
-                </a:solidFill>
-              </a:defRPr>
             </a:lvl6pPr>
             <a:lvl7pPr marL="2743200" indent="0" algn="ctr">
               <a:buNone/>
-              <a:defRPr>
-                <a:solidFill>
-                  <a:schemeClr val="tx1">
-                    <a:tint val="75000"/>
-                  </a:schemeClr>
-                </a:solidFill>
-              </a:defRPr>
             </a:lvl7pPr>
             <a:lvl8pPr marL="3200400" indent="0" algn="ctr">
               <a:buNone/>
-              <a:defRPr>
-                <a:solidFill>
-                  <a:schemeClr val="tx1">
-                    <a:tint val="75000"/>
-                  </a:schemeClr>
-                </a:solidFill>
-              </a:defRPr>
             </a:lvl8pPr>
             <a:lvl9pPr marL="3657600" indent="0" algn="ctr">
               <a:buNone/>
-              <a:defRPr>
-                <a:solidFill>
-                  <a:schemeClr val="tx1">
-                    <a:tint val="75000"/>
-                  </a:schemeClr>
-                </a:solidFill>
-              </a:defRPr>
             </a:lvl9pPr>
           </a:lstStyle>
           <a:p>
             <a:r>
-              <a:rPr lang="es-ES" smtClean="0"/>
+              <a:rPr kumimoji="0" lang="es-ES" smtClean="0"/>
               <a:t>Haga clic para modificar el estilo de subtítulo del patrón</a:t>
             </a:r>
-            <a:endParaRPr lang="es-ES"/>
-          </a:p>
-        </p:txBody>
-      </p:sp>
-      <p:sp>
-        <p:nvSpPr>
-          <p:cNvPr id="4" name="3 Marcador de fecha"/>
+            <a:endParaRPr kumimoji="0" lang="en-US"/>
+          </a:p>
+        </p:txBody>
+      </p:sp>
+      <p:sp>
+        <p:nvSpPr>
+          <p:cNvPr id="16" name="15 Marcador de fecha"/>
           <p:cNvSpPr>
             <a:spLocks noGrp="1"/>
           </p:cNvSpPr>
@@ -285,7 +296,7 @@
           <a:p>
             <a:fld id="{7A847CFC-816F-41D0-AAC0-9BF4FEBC753E}" type="datetimeFigureOut">
               <a:rPr lang="es-ES" smtClean="0"/>
-              <a:t>06/10/2006</a:t>
+              <a:t>27/05/2015</a:t>
             </a:fld>
             <a:endParaRPr lang="es-ES"/>
           </a:p>
@@ -293,7 +304,7 @@
       </p:sp>
       <p:sp>
         <p:nvSpPr>
-          <p:cNvPr id="5" name="4 Marcador de pie de página"/>
+          <p:cNvPr id="2" name="1 Marcador de pie de página"/>
           <p:cNvSpPr>
             <a:spLocks noGrp="1"/>
           </p:cNvSpPr>
@@ -312,7 +323,7 @@
       </p:sp>
       <p:sp>
         <p:nvSpPr>
-          <p:cNvPr id="6" name="5 Marcador de número de diapositiva"/>
+          <p:cNvPr id="15" name="14 Marcador de número de diapositiva"/>
           <p:cNvSpPr>
             <a:spLocks noGrp="1"/>
           </p:cNvSpPr>
@@ -320,7 +331,12 @@
             <p:ph type="sldNum" sz="quarter" idx="12"/>
           </p:nvPr>
         </p:nvSpPr>
-        <p:spPr/>
+        <p:spPr>
+          <a:xfrm>
+            <a:off x="8229600" y="6473952"/>
+            <a:ext cx="758952" cy="246888"/>
+          </a:xfrm>
+        </p:spPr>
         <p:txBody>
           <a:bodyPr/>
           <a:lstStyle/>
@@ -374,10 +390,10 @@
           <a:lstStyle/>
           <a:p>
             <a:r>
-              <a:rPr lang="es-ES" smtClean="0"/>
+              <a:rPr kumimoji="0" lang="es-ES" smtClean="0"/>
               <a:t>Haga clic para modificar el estilo de título del patrón</a:t>
             </a:r>
-            <a:endParaRPr lang="es-ES"/>
+            <a:endParaRPr kumimoji="0" lang="en-US"/>
           </a:p>
         </p:txBody>
       </p:sp>
@@ -396,40 +412,40 @@
           <a:bodyPr vert="eaVert"/>
           <a:lstStyle/>
           <a:p>
-            <a:pPr lvl="0"/>
+            <a:pPr lvl="0" eaLnBrk="1" latinLnBrk="0" hangingPunct="1"/>
             <a:r>
               <a:rPr lang="es-ES" smtClean="0"/>
               <a:t>Haga clic para modificar el estilo de texto del patrón</a:t>
             </a:r>
           </a:p>
           <a:p>
-            <a:pPr lvl="1"/>
+            <a:pPr lvl="1" eaLnBrk="1" latinLnBrk="0" hangingPunct="1"/>
             <a:r>
               <a:rPr lang="es-ES" smtClean="0"/>
               <a:t>Segundo nivel</a:t>
             </a:r>
           </a:p>
           <a:p>
-            <a:pPr lvl="2"/>
+            <a:pPr lvl="2" eaLnBrk="1" latinLnBrk="0" hangingPunct="1"/>
             <a:r>
               <a:rPr lang="es-ES" smtClean="0"/>
               <a:t>Tercer nivel</a:t>
             </a:r>
           </a:p>
           <a:p>
-            <a:pPr lvl="3"/>
+            <a:pPr lvl="3" eaLnBrk="1" latinLnBrk="0" hangingPunct="1"/>
             <a:r>
               <a:rPr lang="es-ES" smtClean="0"/>
               <a:t>Cuarto nivel</a:t>
             </a:r>
           </a:p>
           <a:p>
-            <a:pPr lvl="4"/>
+            <a:pPr lvl="4" eaLnBrk="1" latinLnBrk="0" hangingPunct="1"/>
             <a:r>
               <a:rPr lang="es-ES" smtClean="0"/>
               <a:t>Quinto nivel</a:t>
             </a:r>
-            <a:endParaRPr lang="es-ES"/>
+            <a:endParaRPr kumimoji="0" lang="en-US"/>
           </a:p>
         </p:txBody>
       </p:sp>
@@ -450,7 +466,7 @@
           <a:p>
             <a:fld id="{7A847CFC-816F-41D0-AAC0-9BF4FEBC753E}" type="datetimeFigureOut">
               <a:rPr lang="es-ES" smtClean="0"/>
-              <a:t>06/10/2006</a:t>
+              <a:t>27/05/2015</a:t>
             </a:fld>
             <a:endParaRPr lang="es-ES"/>
           </a:p>
@@ -507,7 +523,7 @@
 </file>
 
 <file path=ppt/slideLayouts/slideLayout11.xml><?xml version="1.0" encoding="utf-8"?>
-<p:sldLayout xmlns:a="http://schemas.openxmlformats.org/drawingml/2006/main" xmlns:r="http://schemas.openxmlformats.org/officeDocument/2006/relationships" xmlns:p="http://schemas.openxmlformats.org/presentationml/2006/main" type="vertTitleAndTx" preserve="1">
+<p:sldLayout xmlns:a="http://schemas.openxmlformats.org/drawingml/2006/main" xmlns:r="http://schemas.openxmlformats.org/officeDocument/2006/relationships" xmlns:p="http://schemas.openxmlformats.org/presentationml/2006/main" showMasterSp="0" type="vertTitleAndTx" preserve="1">
   <p:cSld name="Título vertical y texto">
     <p:spTree>
       <p:nvGrpSpPr>
@@ -535,8 +551,8 @@
         </p:nvSpPr>
         <p:spPr>
           <a:xfrm>
-            <a:off x="6629400" y="274638"/>
-            <a:ext cx="2057400" cy="5851525"/>
+            <a:off x="6858000" y="549276"/>
+            <a:ext cx="1828800" cy="5851525"/>
           </a:xfrm>
         </p:spPr>
         <p:txBody>
@@ -544,10 +560,10 @@
           <a:lstStyle/>
           <a:p>
             <a:r>
-              <a:rPr lang="es-ES" smtClean="0"/>
+              <a:rPr kumimoji="0" lang="es-ES" smtClean="0"/>
               <a:t>Haga clic para modificar el estilo de título del patrón</a:t>
             </a:r>
-            <a:endParaRPr lang="es-ES"/>
+            <a:endParaRPr kumimoji="0" lang="en-US"/>
           </a:p>
         </p:txBody>
       </p:sp>
@@ -563,48 +579,48 @@
         </p:nvSpPr>
         <p:spPr>
           <a:xfrm>
-            <a:off x="457200" y="274638"/>
-            <a:ext cx="6019800" cy="5851525"/>
+            <a:off x="457200" y="549276"/>
+            <a:ext cx="6248400" cy="5851525"/>
           </a:xfrm>
         </p:spPr>
         <p:txBody>
           <a:bodyPr vert="eaVert"/>
           <a:lstStyle/>
           <a:p>
-            <a:pPr lvl="0"/>
+            <a:pPr lvl="0" eaLnBrk="1" latinLnBrk="0" hangingPunct="1"/>
             <a:r>
               <a:rPr lang="es-ES" smtClean="0"/>
               <a:t>Haga clic para modificar el estilo de texto del patrón</a:t>
             </a:r>
           </a:p>
           <a:p>
-            <a:pPr lvl="1"/>
+            <a:pPr lvl="1" eaLnBrk="1" latinLnBrk="0" hangingPunct="1"/>
             <a:r>
               <a:rPr lang="es-ES" smtClean="0"/>
               <a:t>Segundo nivel</a:t>
             </a:r>
           </a:p>
           <a:p>
-            <a:pPr lvl="2"/>
+            <a:pPr lvl="2" eaLnBrk="1" latinLnBrk="0" hangingPunct="1"/>
             <a:r>
               <a:rPr lang="es-ES" smtClean="0"/>
               <a:t>Tercer nivel</a:t>
             </a:r>
           </a:p>
           <a:p>
-            <a:pPr lvl="3"/>
+            <a:pPr lvl="3" eaLnBrk="1" latinLnBrk="0" hangingPunct="1"/>
             <a:r>
               <a:rPr lang="es-ES" smtClean="0"/>
               <a:t>Cuarto nivel</a:t>
             </a:r>
           </a:p>
           <a:p>
-            <a:pPr lvl="4"/>
+            <a:pPr lvl="4" eaLnBrk="1" latinLnBrk="0" hangingPunct="1"/>
             <a:r>
               <a:rPr lang="es-ES" smtClean="0"/>
               <a:t>Quinto nivel</a:t>
             </a:r>
-            <a:endParaRPr lang="es-ES"/>
+            <a:endParaRPr kumimoji="0" lang="en-US"/>
           </a:p>
         </p:txBody>
       </p:sp>
@@ -625,7 +641,7 @@
           <a:p>
             <a:fld id="{7A847CFC-816F-41D0-AAC0-9BF4FEBC753E}" type="datetimeFigureOut">
               <a:rPr lang="es-ES" smtClean="0"/>
-              <a:t>06/10/2006</a:t>
+              <a:t>27/05/2015</a:t>
             </a:fld>
             <a:endParaRPr lang="es-ES"/>
           </a:p>
@@ -700,7 +716,7 @@
       </p:grpSpPr>
       <p:sp>
         <p:nvSpPr>
-          <p:cNvPr id="2" name="1 Título"/>
+          <p:cNvPr id="22" name="21 Título"/>
           <p:cNvSpPr>
             <a:spLocks noGrp="1"/>
           </p:cNvSpPr>
@@ -714,16 +730,16 @@
           <a:lstStyle/>
           <a:p>
             <a:r>
-              <a:rPr lang="es-ES" smtClean="0"/>
+              <a:rPr kumimoji="0" lang="es-ES" smtClean="0"/>
               <a:t>Haga clic para modificar el estilo de título del patrón</a:t>
             </a:r>
-            <a:endParaRPr lang="es-ES"/>
-          </a:p>
-        </p:txBody>
-      </p:sp>
-      <p:sp>
-        <p:nvSpPr>
-          <p:cNvPr id="3" name="2 Marcador de contenido"/>
+            <a:endParaRPr kumimoji="0" lang="en-US"/>
+          </a:p>
+        </p:txBody>
+      </p:sp>
+      <p:sp>
+        <p:nvSpPr>
+          <p:cNvPr id="27" name="26 Marcador de contenido"/>
           <p:cNvSpPr>
             <a:spLocks noGrp="1"/>
           </p:cNvSpPr>
@@ -736,46 +752,46 @@
           <a:bodyPr/>
           <a:lstStyle/>
           <a:p>
-            <a:pPr lvl="0"/>
+            <a:pPr lvl="0" eaLnBrk="1" latinLnBrk="0" hangingPunct="1"/>
             <a:r>
               <a:rPr lang="es-ES" smtClean="0"/>
               <a:t>Haga clic para modificar el estilo de texto del patrón</a:t>
             </a:r>
           </a:p>
           <a:p>
-            <a:pPr lvl="1"/>
+            <a:pPr lvl="1" eaLnBrk="1" latinLnBrk="0" hangingPunct="1"/>
             <a:r>
               <a:rPr lang="es-ES" smtClean="0"/>
               <a:t>Segundo nivel</a:t>
             </a:r>
           </a:p>
           <a:p>
-            <a:pPr lvl="2"/>
+            <a:pPr lvl="2" eaLnBrk="1" latinLnBrk="0" hangingPunct="1"/>
             <a:r>
               <a:rPr lang="es-ES" smtClean="0"/>
               <a:t>Tercer nivel</a:t>
             </a:r>
           </a:p>
           <a:p>
-            <a:pPr lvl="3"/>
+            <a:pPr lvl="3" eaLnBrk="1" latinLnBrk="0" hangingPunct="1"/>
             <a:r>
               <a:rPr lang="es-ES" smtClean="0"/>
               <a:t>Cuarto nivel</a:t>
             </a:r>
           </a:p>
           <a:p>
-            <a:pPr lvl="4"/>
+            <a:pPr lvl="4" eaLnBrk="1" latinLnBrk="0" hangingPunct="1"/>
             <a:r>
               <a:rPr lang="es-ES" smtClean="0"/>
               <a:t>Quinto nivel</a:t>
             </a:r>
-            <a:endParaRPr lang="es-ES"/>
-          </a:p>
-        </p:txBody>
-      </p:sp>
-      <p:sp>
-        <p:nvSpPr>
-          <p:cNvPr id="4" name="3 Marcador de fecha"/>
+            <a:endParaRPr kumimoji="0" lang="en-US"/>
+          </a:p>
+        </p:txBody>
+      </p:sp>
+      <p:sp>
+        <p:nvSpPr>
+          <p:cNvPr id="25" name="24 Marcador de fecha"/>
           <p:cNvSpPr>
             <a:spLocks noGrp="1"/>
           </p:cNvSpPr>
@@ -790,7 +806,7 @@
           <a:p>
             <a:fld id="{7A847CFC-816F-41D0-AAC0-9BF4FEBC753E}" type="datetimeFigureOut">
               <a:rPr lang="es-ES" smtClean="0"/>
-              <a:t>06/10/2006</a:t>
+              <a:t>27/05/2015</a:t>
             </a:fld>
             <a:endParaRPr lang="es-ES"/>
           </a:p>
@@ -798,7 +814,7 @@
       </p:sp>
       <p:sp>
         <p:nvSpPr>
-          <p:cNvPr id="5" name="4 Marcador de pie de página"/>
+          <p:cNvPr id="19" name="18 Marcador de pie de página"/>
           <p:cNvSpPr>
             <a:spLocks noGrp="1"/>
           </p:cNvSpPr>
@@ -806,7 +822,12 @@
             <p:ph type="ftr" sz="quarter" idx="11"/>
           </p:nvPr>
         </p:nvSpPr>
-        <p:spPr/>
+        <p:spPr>
+          <a:xfrm>
+            <a:off x="3581400" y="76200"/>
+            <a:ext cx="2895600" cy="288925"/>
+          </a:xfrm>
+        </p:spPr>
         <p:txBody>
           <a:bodyPr/>
           <a:lstStyle/>
@@ -817,7 +838,7 @@
       </p:sp>
       <p:sp>
         <p:nvSpPr>
-          <p:cNvPr id="6" name="5 Marcador de número de diapositiva"/>
+          <p:cNvPr id="16" name="15 Marcador de número de diapositiva"/>
           <p:cNvSpPr>
             <a:spLocks noGrp="1"/>
           </p:cNvSpPr>
@@ -825,7 +846,12 @@
             <p:ph type="sldNum" sz="quarter" idx="12"/>
           </p:nvPr>
         </p:nvSpPr>
-        <p:spPr/>
+        <p:spPr>
+          <a:xfrm>
+            <a:off x="8229600" y="6473952"/>
+            <a:ext cx="758952" cy="246888"/>
+          </a:xfrm>
+        </p:spPr>
         <p:txBody>
           <a:bodyPr/>
           <a:lstStyle/>
@@ -847,8 +873,13 @@
 </file>
 
 <file path=ppt/slideLayouts/slideLayout3.xml><?xml version="1.0" encoding="utf-8"?>
-<p:sldLayout xmlns:a="http://schemas.openxmlformats.org/drawingml/2006/main" xmlns:r="http://schemas.openxmlformats.org/officeDocument/2006/relationships" xmlns:p="http://schemas.openxmlformats.org/presentationml/2006/main" type="secHead" preserve="1">
+<p:sldLayout xmlns:a="http://schemas.openxmlformats.org/drawingml/2006/main" xmlns:r="http://schemas.openxmlformats.org/officeDocument/2006/relationships" xmlns:p="http://schemas.openxmlformats.org/presentationml/2006/main" showMasterSp="0" type="secHead" preserve="1">
   <p:cSld name="Encabezado de sección">
+    <p:bg>
+      <p:bgRef idx="1003">
+        <a:schemeClr val="bg2"/>
+      </p:bgRef>
+    </p:bg>
     <p:spTree>
       <p:nvGrpSpPr>
         <p:cNvPr id="1" name=""/>
@@ -865,66 +896,84 @@
       </p:grpSpPr>
       <p:sp>
         <p:nvSpPr>
-          <p:cNvPr id="2" name="1 Título"/>
-          <p:cNvSpPr>
-            <a:spLocks noGrp="1"/>
-          </p:cNvSpPr>
-          <p:nvPr>
-            <p:ph type="title"/>
+          <p:cNvPr id="7" name="6 Conector recto"/>
+          <p:cNvSpPr>
+            <a:spLocks noChangeShapeType="1"/>
+          </p:cNvSpPr>
+          <p:nvPr/>
+        </p:nvSpPr>
+        <p:spPr bwMode="auto">
+          <a:xfrm>
+            <a:off x="514350" y="3444902"/>
+            <a:ext cx="8629650" cy="2381"/>
+          </a:xfrm>
+          <a:prstGeom prst="line">
+            <a:avLst/>
+          </a:prstGeom>
+          <a:noFill/>
+          <a:ln w="9525" cap="flat" cmpd="sng" algn="ctr">
+            <a:gradFill flip="none" rotWithShape="1">
+              <a:gsLst>
+                <a:gs pos="0">
+                  <a:schemeClr val="accent1">
+                    <a:alpha val="0"/>
+                  </a:schemeClr>
+                </a:gs>
+                <a:gs pos="17000">
+                  <a:schemeClr val="accent1"/>
+                </a:gs>
+                <a:gs pos="100000">
+                  <a:schemeClr val="accent1"/>
+                </a:gs>
+              </a:gsLst>
+              <a:lin ang="0" scaled="1"/>
+              <a:tileRect/>
+            </a:gradFill>
+            <a:prstDash val="solid"/>
+            <a:round/>
+            <a:headEnd type="none" w="med" len="med"/>
+            <a:tailEnd type="none" w="med" len="med"/>
+          </a:ln>
+          <a:effectLst/>
+        </p:spPr>
+        <p:txBody>
+          <a:bodyPr vert="horz" wrap="square" lIns="91440" tIns="45720" rIns="91440" bIns="45720" anchor="t" compatLnSpc="1"/>
+          <a:lstStyle/>
+          <a:p>
+            <a:endParaRPr kumimoji="0" lang="en-US"/>
+          </a:p>
+        </p:txBody>
+      </p:sp>
+      <p:sp>
+        <p:nvSpPr>
+          <p:cNvPr id="6" name="5 Marcador de texto"/>
+          <p:cNvSpPr>
+            <a:spLocks noGrp="1"/>
+          </p:cNvSpPr>
+          <p:nvPr>
+            <p:ph type="body" idx="1"/>
           </p:nvPr>
         </p:nvSpPr>
         <p:spPr>
           <a:xfrm>
-            <a:off x="722313" y="4406900"/>
-            <a:ext cx="7772400" cy="1362075"/>
-          </a:xfrm>
-        </p:spPr>
-        <p:txBody>
-          <a:bodyPr anchor="t"/>
-          <a:lstStyle>
-            <a:lvl1pPr algn="l">
-              <a:defRPr sz="4000" b="1" cap="all"/>
-            </a:lvl1pPr>
-          </a:lstStyle>
-          <a:p>
-            <a:r>
-              <a:rPr lang="es-ES" smtClean="0"/>
-              <a:t>Haga clic para modificar el estilo de título del patrón</a:t>
-            </a:r>
-            <a:endParaRPr lang="es-ES"/>
-          </a:p>
-        </p:txBody>
-      </p:sp>
-      <p:sp>
-        <p:nvSpPr>
-          <p:cNvPr id="3" name="2 Marcador de texto"/>
-          <p:cNvSpPr>
-            <a:spLocks noGrp="1"/>
-          </p:cNvSpPr>
-          <p:nvPr>
-            <p:ph type="body" idx="1"/>
-          </p:nvPr>
-        </p:nvSpPr>
-        <p:spPr>
-          <a:xfrm>
-            <a:off x="722313" y="2906713"/>
-            <a:ext cx="7772400" cy="1500187"/>
+            <a:off x="381000" y="1676400"/>
+            <a:ext cx="8458200" cy="1219200"/>
           </a:xfrm>
         </p:spPr>
         <p:txBody>
           <a:bodyPr anchor="b"/>
           <a:lstStyle>
-            <a:lvl1pPr marL="0" indent="0">
+            <a:lvl1pPr marL="0" indent="0" algn="r">
               <a:buNone/>
               <a:defRPr sz="2000">
                 <a:solidFill>
-                  <a:schemeClr val="tx1">
-                    <a:tint val="75000"/>
+                  <a:schemeClr val="tx2">
+                    <a:shade val="75000"/>
                   </a:schemeClr>
                 </a:solidFill>
               </a:defRPr>
             </a:lvl1pPr>
-            <a:lvl2pPr marL="457200" indent="0">
+            <a:lvl2pPr>
               <a:buNone/>
               <a:defRPr sz="1800">
                 <a:solidFill>
@@ -934,7 +983,7 @@
                 </a:solidFill>
               </a:defRPr>
             </a:lvl2pPr>
-            <a:lvl3pPr marL="914400" indent="0">
+            <a:lvl3pPr>
               <a:buNone/>
               <a:defRPr sz="1600">
                 <a:solidFill>
@@ -944,7 +993,7 @@
                 </a:solidFill>
               </a:defRPr>
             </a:lvl3pPr>
-            <a:lvl4pPr marL="1371600" indent="0">
+            <a:lvl4pPr>
               <a:buNone/>
               <a:defRPr sz="1400">
                 <a:solidFill>
@@ -954,7 +1003,7 @@
                 </a:solidFill>
               </a:defRPr>
             </a:lvl4pPr>
-            <a:lvl5pPr marL="1828800" indent="0">
+            <a:lvl5pPr>
               <a:buNone/>
               <a:defRPr sz="1400">
                 <a:solidFill>
@@ -964,51 +1013,11 @@
                 </a:solidFill>
               </a:defRPr>
             </a:lvl5pPr>
-            <a:lvl6pPr marL="2286000" indent="0">
-              <a:buNone/>
-              <a:defRPr sz="1400">
-                <a:solidFill>
-                  <a:schemeClr val="tx1">
-                    <a:tint val="75000"/>
-                  </a:schemeClr>
-                </a:solidFill>
-              </a:defRPr>
-            </a:lvl6pPr>
-            <a:lvl7pPr marL="2743200" indent="0">
-              <a:buNone/>
-              <a:defRPr sz="1400">
-                <a:solidFill>
-                  <a:schemeClr val="tx1">
-                    <a:tint val="75000"/>
-                  </a:schemeClr>
-                </a:solidFill>
-              </a:defRPr>
-            </a:lvl7pPr>
-            <a:lvl8pPr marL="3200400" indent="0">
-              <a:buNone/>
-              <a:defRPr sz="1400">
-                <a:solidFill>
-                  <a:schemeClr val="tx1">
-                    <a:tint val="75000"/>
-                  </a:schemeClr>
-                </a:solidFill>
-              </a:defRPr>
-            </a:lvl8pPr>
-            <a:lvl9pPr marL="3657600" indent="0">
-              <a:buNone/>
-              <a:defRPr sz="1400">
-                <a:solidFill>
-                  <a:schemeClr val="tx1">
-                    <a:tint val="75000"/>
-                  </a:schemeClr>
-                </a:solidFill>
-              </a:defRPr>
-            </a:lvl9pPr>
           </a:lstStyle>
           <a:p>
-            <a:pPr lvl="0"/>
-            <a:r>
-              <a:rPr lang="es-ES" smtClean="0"/>
+            <a:pPr lvl="0" eaLnBrk="1" latinLnBrk="0" hangingPunct="1"/>
+            <a:r>
+              <a:rPr kumimoji="0" lang="es-ES" smtClean="0"/>
               <a:t>Haga clic para modificar el estilo de texto del patrón</a:t>
             </a:r>
           </a:p>
@@ -1016,7 +1025,7 @@
       </p:sp>
       <p:sp>
         <p:nvSpPr>
-          <p:cNvPr id="4" name="3 Marcador de fecha"/>
+          <p:cNvPr id="19" name="18 Marcador de fecha"/>
           <p:cNvSpPr>
             <a:spLocks noGrp="1"/>
           </p:cNvSpPr>
@@ -1031,7 +1040,7 @@
           <a:p>
             <a:fld id="{7A847CFC-816F-41D0-AAC0-9BF4FEBC753E}" type="datetimeFigureOut">
               <a:rPr lang="es-ES" smtClean="0"/>
-              <a:t>06/10/2006</a:t>
+              <a:t>27/05/2015</a:t>
             </a:fld>
             <a:endParaRPr lang="es-ES"/>
           </a:p>
@@ -1039,7 +1048,7 @@
       </p:sp>
       <p:sp>
         <p:nvSpPr>
-          <p:cNvPr id="5" name="4 Marcador de pie de página"/>
+          <p:cNvPr id="11" name="10 Marcador de pie de página"/>
           <p:cNvSpPr>
             <a:spLocks noGrp="1"/>
           </p:cNvSpPr>
@@ -1058,7 +1067,7 @@
       </p:sp>
       <p:sp>
         <p:nvSpPr>
-          <p:cNvPr id="6" name="5 Marcador de número de diapositiva"/>
+          <p:cNvPr id="16" name="15 Marcador de número de diapositiva"/>
           <p:cNvSpPr>
             <a:spLocks noGrp="1"/>
           </p:cNvSpPr>
@@ -1079,10 +1088,42 @@
           </a:p>
         </p:txBody>
       </p:sp>
+      <p:sp>
+        <p:nvSpPr>
+          <p:cNvPr id="8" name="7 Título"/>
+          <p:cNvSpPr>
+            <a:spLocks noGrp="1"/>
+          </p:cNvSpPr>
+          <p:nvPr>
+            <p:ph type="title"/>
+          </p:nvPr>
+        </p:nvSpPr>
+        <p:spPr>
+          <a:xfrm>
+            <a:off x="180475" y="2947085"/>
+            <a:ext cx="8686800" cy="1184825"/>
+          </a:xfrm>
+        </p:spPr>
+        <p:txBody>
+          <a:bodyPr rtlCol="0" anchor="t"/>
+          <a:lstStyle>
+            <a:lvl1pPr algn="r">
+              <a:defRPr/>
+            </a:lvl1pPr>
+          </a:lstStyle>
+          <a:p>
+            <a:r>
+              <a:rPr kumimoji="0" lang="es-ES" smtClean="0"/>
+              <a:t>Haga clic para modificar el estilo de título del patrón</a:t>
+            </a:r>
+            <a:endParaRPr kumimoji="0" lang="en-US"/>
+          </a:p>
+        </p:txBody>
+      </p:sp>
     </p:spTree>
   </p:cSld>
   <p:clrMapOvr>
-    <a:masterClrMapping/>
+    <a:overrideClrMapping bg1="dk1" tx1="lt1" bg2="dk2" tx2="lt2" accent1="accent1" accent2="accent2" accent3="accent3" accent4="accent4" accent5="accent5" accent6="accent6" hlink="hlink" folHlink="folHlink"/>
   </p:clrMapOvr>
 </p:sldLayout>
 </file>
@@ -1106,7 +1147,7 @@
       </p:grpSpPr>
       <p:sp>
         <p:nvSpPr>
-          <p:cNvPr id="2" name="1 Título"/>
+          <p:cNvPr id="20" name="19 Título"/>
           <p:cNvSpPr>
             <a:spLocks noGrp="1"/>
           </p:cNvSpPr>
@@ -1114,22 +1155,27 @@
             <p:ph type="title"/>
           </p:nvPr>
         </p:nvSpPr>
-        <p:spPr/>
+        <p:spPr>
+          <a:xfrm>
+            <a:off x="301752" y="457200"/>
+            <a:ext cx="8686800" cy="841248"/>
+          </a:xfrm>
+        </p:spPr>
         <p:txBody>
           <a:bodyPr/>
           <a:lstStyle/>
           <a:p>
             <a:r>
-              <a:rPr lang="es-ES" smtClean="0"/>
+              <a:rPr kumimoji="0" lang="es-ES" smtClean="0"/>
               <a:t>Haga clic para modificar el estilo de título del patrón</a:t>
             </a:r>
-            <a:endParaRPr lang="es-ES"/>
-          </a:p>
-        </p:txBody>
-      </p:sp>
-      <p:sp>
-        <p:nvSpPr>
-          <p:cNvPr id="3" name="2 Marcador de contenido"/>
+            <a:endParaRPr kumimoji="0" lang="en-US"/>
+          </a:p>
+        </p:txBody>
+      </p:sp>
+      <p:sp>
+        <p:nvSpPr>
+          <p:cNvPr id="14" name="13 Marcador de contenido"/>
           <p:cNvSpPr>
             <a:spLocks noGrp="1"/>
           </p:cNvSpPr>
@@ -1139,8 +1185,8 @@
         </p:nvSpPr>
         <p:spPr>
           <a:xfrm>
-            <a:off x="457200" y="1600200"/>
-            <a:ext cx="4038600" cy="4525963"/>
+            <a:off x="304800" y="1600200"/>
+            <a:ext cx="4191000" cy="4724400"/>
           </a:xfrm>
         </p:spPr>
         <p:txBody>
@@ -1161,60 +1207,48 @@
             <a:lvl5pPr>
               <a:defRPr sz="1800"/>
             </a:lvl5pPr>
-            <a:lvl6pPr>
-              <a:defRPr sz="1800"/>
-            </a:lvl6pPr>
-            <a:lvl7pPr>
-              <a:defRPr sz="1800"/>
-            </a:lvl7pPr>
-            <a:lvl8pPr>
-              <a:defRPr sz="1800"/>
-            </a:lvl8pPr>
-            <a:lvl9pPr>
-              <a:defRPr sz="1800"/>
-            </a:lvl9pPr>
           </a:lstStyle>
           <a:p>
-            <a:pPr lvl="0"/>
+            <a:pPr lvl="0" eaLnBrk="1" latinLnBrk="0" hangingPunct="1"/>
             <a:r>
               <a:rPr lang="es-ES" smtClean="0"/>
               <a:t>Haga clic para modificar el estilo de texto del patrón</a:t>
             </a:r>
           </a:p>
           <a:p>
-            <a:pPr lvl="1"/>
+            <a:pPr lvl="1" eaLnBrk="1" latinLnBrk="0" hangingPunct="1"/>
             <a:r>
               <a:rPr lang="es-ES" smtClean="0"/>
               <a:t>Segundo nivel</a:t>
             </a:r>
           </a:p>
           <a:p>
-            <a:pPr lvl="2"/>
+            <a:pPr lvl="2" eaLnBrk="1" latinLnBrk="0" hangingPunct="1"/>
             <a:r>
               <a:rPr lang="es-ES" smtClean="0"/>
               <a:t>Tercer nivel</a:t>
             </a:r>
           </a:p>
           <a:p>
-            <a:pPr lvl="3"/>
+            <a:pPr lvl="3" eaLnBrk="1" latinLnBrk="0" hangingPunct="1"/>
             <a:r>
               <a:rPr lang="es-ES" smtClean="0"/>
               <a:t>Cuarto nivel</a:t>
             </a:r>
           </a:p>
           <a:p>
-            <a:pPr lvl="4"/>
+            <a:pPr lvl="4" eaLnBrk="1" latinLnBrk="0" hangingPunct="1"/>
             <a:r>
               <a:rPr lang="es-ES" smtClean="0"/>
               <a:t>Quinto nivel</a:t>
             </a:r>
-            <a:endParaRPr lang="es-ES"/>
-          </a:p>
-        </p:txBody>
-      </p:sp>
-      <p:sp>
-        <p:nvSpPr>
-          <p:cNvPr id="4" name="3 Marcador de contenido"/>
+            <a:endParaRPr kumimoji="0" lang="en-US"/>
+          </a:p>
+        </p:txBody>
+      </p:sp>
+      <p:sp>
+        <p:nvSpPr>
+          <p:cNvPr id="13" name="12 Marcador de contenido"/>
           <p:cNvSpPr>
             <a:spLocks noGrp="1"/>
           </p:cNvSpPr>
@@ -1225,7 +1259,7 @@
         <p:spPr>
           <a:xfrm>
             <a:off x="4648200" y="1600200"/>
-            <a:ext cx="4038600" cy="4525963"/>
+            <a:ext cx="4343400" cy="4724400"/>
           </a:xfrm>
         </p:spPr>
         <p:txBody>
@@ -1246,60 +1280,48 @@
             <a:lvl5pPr>
               <a:defRPr sz="1800"/>
             </a:lvl5pPr>
-            <a:lvl6pPr>
-              <a:defRPr sz="1800"/>
-            </a:lvl6pPr>
-            <a:lvl7pPr>
-              <a:defRPr sz="1800"/>
-            </a:lvl7pPr>
-            <a:lvl8pPr>
-              <a:defRPr sz="1800"/>
-            </a:lvl8pPr>
-            <a:lvl9pPr>
-              <a:defRPr sz="1800"/>
-            </a:lvl9pPr>
           </a:lstStyle>
           <a:p>
-            <a:pPr lvl="0"/>
+            <a:pPr lvl="0" eaLnBrk="1" latinLnBrk="0" hangingPunct="1"/>
             <a:r>
               <a:rPr lang="es-ES" smtClean="0"/>
               <a:t>Haga clic para modificar el estilo de texto del patrón</a:t>
             </a:r>
           </a:p>
           <a:p>
-            <a:pPr lvl="1"/>
+            <a:pPr lvl="1" eaLnBrk="1" latinLnBrk="0" hangingPunct="1"/>
             <a:r>
               <a:rPr lang="es-ES" smtClean="0"/>
               <a:t>Segundo nivel</a:t>
             </a:r>
           </a:p>
           <a:p>
-            <a:pPr lvl="2"/>
+            <a:pPr lvl="2" eaLnBrk="1" latinLnBrk="0" hangingPunct="1"/>
             <a:r>
               <a:rPr lang="es-ES" smtClean="0"/>
               <a:t>Tercer nivel</a:t>
             </a:r>
           </a:p>
           <a:p>
-            <a:pPr lvl="3"/>
+            <a:pPr lvl="3" eaLnBrk="1" latinLnBrk="0" hangingPunct="1"/>
             <a:r>
               <a:rPr lang="es-ES" smtClean="0"/>
               <a:t>Cuarto nivel</a:t>
             </a:r>
           </a:p>
           <a:p>
-            <a:pPr lvl="4"/>
+            <a:pPr lvl="4" eaLnBrk="1" latinLnBrk="0" hangingPunct="1"/>
             <a:r>
               <a:rPr lang="es-ES" smtClean="0"/>
               <a:t>Quinto nivel</a:t>
             </a:r>
-            <a:endParaRPr lang="es-ES"/>
-          </a:p>
-        </p:txBody>
-      </p:sp>
-      <p:sp>
-        <p:nvSpPr>
-          <p:cNvPr id="5" name="4 Marcador de fecha"/>
+            <a:endParaRPr kumimoji="0" lang="en-US"/>
+          </a:p>
+        </p:txBody>
+      </p:sp>
+      <p:sp>
+        <p:nvSpPr>
+          <p:cNvPr id="21" name="20 Marcador de fecha"/>
           <p:cNvSpPr>
             <a:spLocks noGrp="1"/>
           </p:cNvSpPr>
@@ -1314,7 +1336,7 @@
           <a:p>
             <a:fld id="{7A847CFC-816F-41D0-AAC0-9BF4FEBC753E}" type="datetimeFigureOut">
               <a:rPr lang="es-ES" smtClean="0"/>
-              <a:t>06/10/2006</a:t>
+              <a:t>27/05/2015</a:t>
             </a:fld>
             <a:endParaRPr lang="es-ES"/>
           </a:p>
@@ -1322,7 +1344,7 @@
       </p:sp>
       <p:sp>
         <p:nvSpPr>
-          <p:cNvPr id="6" name="5 Marcador de pie de página"/>
+          <p:cNvPr id="10" name="9 Marcador de pie de página"/>
           <p:cNvSpPr>
             <a:spLocks noGrp="1"/>
           </p:cNvSpPr>
@@ -1341,7 +1363,7 @@
       </p:sp>
       <p:sp>
         <p:nvSpPr>
-          <p:cNvPr id="7" name="6 Marcador de número de diapositiva"/>
+          <p:cNvPr id="31" name="30 Marcador de número de diapositiva"/>
           <p:cNvSpPr>
             <a:spLocks noGrp="1"/>
           </p:cNvSpPr>
@@ -1371,7 +1393,7 @@
 </file>
 
 <file path=ppt/slideLayouts/slideLayout5.xml><?xml version="1.0" encoding="utf-8"?>
-<p:sldLayout xmlns:a="http://schemas.openxmlformats.org/drawingml/2006/main" xmlns:r="http://schemas.openxmlformats.org/officeDocument/2006/relationships" xmlns:p="http://schemas.openxmlformats.org/presentationml/2006/main" type="twoTxTwoObj" preserve="1">
+<p:sldLayout xmlns:a="http://schemas.openxmlformats.org/drawingml/2006/main" xmlns:r="http://schemas.openxmlformats.org/officeDocument/2006/relationships" xmlns:p="http://schemas.openxmlformats.org/presentationml/2006/main" showMasterSp="0" type="twoTxTwoObj" preserve="1">
   <p:cSld name="Comparación">
     <p:spTree>
       <p:nvGrpSpPr>
@@ -1389,7 +1411,7 @@
       </p:grpSpPr>
       <p:sp>
         <p:nvSpPr>
-          <p:cNvPr id="2" name="1 Título"/>
+          <p:cNvPr id="29" name="28 Título"/>
           <p:cNvSpPr>
             <a:spLocks noGrp="1"/>
           </p:cNvSpPr>
@@ -1397,9 +1419,14 @@
             <p:ph type="title"/>
           </p:nvPr>
         </p:nvSpPr>
-        <p:spPr/>
-        <p:txBody>
-          <a:bodyPr/>
+        <p:spPr>
+          <a:xfrm>
+            <a:off x="304800" y="5410200"/>
+            <a:ext cx="8610600" cy="882650"/>
+          </a:xfrm>
+        </p:spPr>
+        <p:txBody>
+          <a:bodyPr anchor="ctr"/>
           <a:lstStyle>
             <a:lvl1pPr>
               <a:defRPr/>
@@ -1407,16 +1434,16 @@
           </a:lstStyle>
           <a:p>
             <a:r>
-              <a:rPr lang="es-ES" smtClean="0"/>
+              <a:rPr kumimoji="0" lang="es-ES" smtClean="0"/>
               <a:t>Haga clic para modificar el estilo de título del patrón</a:t>
             </a:r>
-            <a:endParaRPr lang="es-ES"/>
-          </a:p>
-        </p:txBody>
-      </p:sp>
-      <p:sp>
-        <p:nvSpPr>
-          <p:cNvPr id="3" name="2 Marcador de texto"/>
+            <a:endParaRPr kumimoji="0" lang="en-US"/>
+          </a:p>
+        </p:txBody>
+      </p:sp>
+      <p:sp>
+        <p:nvSpPr>
+          <p:cNvPr id="13" name="12 Marcador de texto"/>
           <p:cNvSpPr>
             <a:spLocks noGrp="1"/>
           </p:cNvSpPr>
@@ -1426,54 +1453,105 @@
         </p:nvSpPr>
         <p:spPr>
           <a:xfrm>
-            <a:off x="457200" y="1535113"/>
-            <a:ext cx="4040188" cy="639762"/>
-          </a:xfrm>
-        </p:spPr>
-        <p:txBody>
-          <a:bodyPr anchor="b"/>
+            <a:off x="281444" y="666750"/>
+            <a:ext cx="4290556" cy="639762"/>
+          </a:xfrm>
+        </p:spPr>
+        <p:txBody>
+          <a:bodyPr anchor="ctr"/>
           <a:lstStyle>
             <a:lvl1pPr marL="0" indent="0">
               <a:buNone/>
-              <a:defRPr sz="2400" b="1"/>
+              <a:defRPr sz="1800" b="0" cap="all" baseline="0">
+                <a:solidFill>
+                  <a:schemeClr val="accent1">
+                    <a:shade val="50000"/>
+                  </a:schemeClr>
+                </a:solidFill>
+                <a:latin typeface="+mj-lt"/>
+                <a:ea typeface="+mj-ea"/>
+                <a:cs typeface="+mj-cs"/>
+              </a:defRPr>
             </a:lvl1pPr>
-            <a:lvl2pPr marL="457200" indent="0">
+            <a:lvl2pPr>
               <a:buNone/>
               <a:defRPr sz="2000" b="1"/>
             </a:lvl2pPr>
-            <a:lvl3pPr marL="914400" indent="0">
+            <a:lvl3pPr>
               <a:buNone/>
               <a:defRPr sz="1800" b="1"/>
             </a:lvl3pPr>
-            <a:lvl4pPr marL="1371600" indent="0">
+            <a:lvl4pPr>
               <a:buNone/>
               <a:defRPr sz="1600" b="1"/>
             </a:lvl4pPr>
-            <a:lvl5pPr marL="1828800" indent="0">
+            <a:lvl5pPr>
               <a:buNone/>
               <a:defRPr sz="1600" b="1"/>
             </a:lvl5pPr>
-            <a:lvl6pPr marL="2286000" indent="0">
+          </a:lstStyle>
+          <a:p>
+            <a:pPr lvl="0" eaLnBrk="1" latinLnBrk="0" hangingPunct="1"/>
+            <a:r>
+              <a:rPr kumimoji="0" lang="es-ES" smtClean="0"/>
+              <a:t>Haga clic para modificar el estilo de texto del patrón</a:t>
+            </a:r>
+          </a:p>
+        </p:txBody>
+      </p:sp>
+      <p:sp>
+        <p:nvSpPr>
+          <p:cNvPr id="25" name="24 Marcador de texto"/>
+          <p:cNvSpPr>
+            <a:spLocks noGrp="1"/>
+          </p:cNvSpPr>
+          <p:nvPr>
+            <p:ph type="body" sz="half" idx="3"/>
+          </p:nvPr>
+        </p:nvSpPr>
+        <p:spPr>
+          <a:xfrm>
+            <a:off x="4645025" y="666750"/>
+            <a:ext cx="4292241" cy="639762"/>
+          </a:xfrm>
+        </p:spPr>
+        <p:txBody>
+          <a:bodyPr anchor="ctr"/>
+          <a:lstStyle>
+            <a:lvl1pPr marL="0" indent="0">
+              <a:buNone/>
+              <a:defRPr sz="1800" b="0" cap="all" baseline="0">
+                <a:solidFill>
+                  <a:schemeClr val="accent1">
+                    <a:shade val="50000"/>
+                  </a:schemeClr>
+                </a:solidFill>
+                <a:latin typeface="+mj-lt"/>
+                <a:ea typeface="+mj-ea"/>
+                <a:cs typeface="+mj-cs"/>
+              </a:defRPr>
+            </a:lvl1pPr>
+            <a:lvl2pPr>
+              <a:buNone/>
+              <a:defRPr sz="2000" b="1"/>
+            </a:lvl2pPr>
+            <a:lvl3pPr>
+              <a:buNone/>
+              <a:defRPr sz="1800" b="1"/>
+            </a:lvl3pPr>
+            <a:lvl4pPr>
               <a:buNone/>
               <a:defRPr sz="1600" b="1"/>
-            </a:lvl6pPr>
-            <a:lvl7pPr marL="2743200" indent="0">
+            </a:lvl4pPr>
+            <a:lvl5pPr>
               <a:buNone/>
               <a:defRPr sz="1600" b="1"/>
-            </a:lvl7pPr>
-            <a:lvl8pPr marL="3200400" indent="0">
-              <a:buNone/>
-              <a:defRPr sz="1600" b="1"/>
-            </a:lvl8pPr>
-            <a:lvl9pPr marL="3657600" indent="0">
-              <a:buNone/>
-              <a:defRPr sz="1600" b="1"/>
-            </a:lvl9pPr>
+            </a:lvl5pPr>
           </a:lstStyle>
           <a:p>
-            <a:pPr lvl="0"/>
-            <a:r>
-              <a:rPr lang="es-ES" smtClean="0"/>
+            <a:pPr lvl="0" eaLnBrk="1" latinLnBrk="0" hangingPunct="1"/>
+            <a:r>
+              <a:rPr kumimoji="0" lang="es-ES" smtClean="0"/>
               <a:t>Haga clic para modificar el estilo de texto del patrón</a:t>
             </a:r>
           </a:p>
@@ -1486,13 +1564,13 @@
             <a:spLocks noGrp="1"/>
           </p:cNvSpPr>
           <p:nvPr>
-            <p:ph sz="half" idx="2"/>
+            <p:ph sz="quarter" idx="2"/>
           </p:nvPr>
         </p:nvSpPr>
         <p:spPr>
           <a:xfrm>
-            <a:off x="457200" y="2174875"/>
-            <a:ext cx="4040188" cy="3951288"/>
+            <a:off x="281444" y="1316037"/>
+            <a:ext cx="4290556" cy="3941763"/>
           </a:xfrm>
         </p:spPr>
         <p:txBody>
@@ -1513,136 +1591,59 @@
             <a:lvl5pPr>
               <a:defRPr sz="1600"/>
             </a:lvl5pPr>
-            <a:lvl6pPr>
-              <a:defRPr sz="1600"/>
-            </a:lvl6pPr>
-            <a:lvl7pPr>
-              <a:defRPr sz="1600"/>
-            </a:lvl7pPr>
-            <a:lvl8pPr>
-              <a:defRPr sz="1600"/>
-            </a:lvl8pPr>
-            <a:lvl9pPr>
-              <a:defRPr sz="1600"/>
-            </a:lvl9pPr>
           </a:lstStyle>
           <a:p>
-            <a:pPr lvl="0"/>
+            <a:pPr lvl="0" eaLnBrk="1" latinLnBrk="0" hangingPunct="1"/>
             <a:r>
               <a:rPr lang="es-ES" smtClean="0"/>
               <a:t>Haga clic para modificar el estilo de texto del patrón</a:t>
             </a:r>
           </a:p>
           <a:p>
-            <a:pPr lvl="1"/>
+            <a:pPr lvl="1" eaLnBrk="1" latinLnBrk="0" hangingPunct="1"/>
             <a:r>
               <a:rPr lang="es-ES" smtClean="0"/>
               <a:t>Segundo nivel</a:t>
             </a:r>
           </a:p>
           <a:p>
-            <a:pPr lvl="2"/>
+            <a:pPr lvl="2" eaLnBrk="1" latinLnBrk="0" hangingPunct="1"/>
             <a:r>
               <a:rPr lang="es-ES" smtClean="0"/>
               <a:t>Tercer nivel</a:t>
             </a:r>
           </a:p>
           <a:p>
-            <a:pPr lvl="3"/>
+            <a:pPr lvl="3" eaLnBrk="1" latinLnBrk="0" hangingPunct="1"/>
             <a:r>
               <a:rPr lang="es-ES" smtClean="0"/>
               <a:t>Cuarto nivel</a:t>
             </a:r>
           </a:p>
           <a:p>
-            <a:pPr lvl="4"/>
+            <a:pPr lvl="4" eaLnBrk="1" latinLnBrk="0" hangingPunct="1"/>
             <a:r>
               <a:rPr lang="es-ES" smtClean="0"/>
               <a:t>Quinto nivel</a:t>
             </a:r>
-            <a:endParaRPr lang="es-ES"/>
-          </a:p>
-        </p:txBody>
-      </p:sp>
-      <p:sp>
-        <p:nvSpPr>
-          <p:cNvPr id="5" name="4 Marcador de texto"/>
-          <p:cNvSpPr>
-            <a:spLocks noGrp="1"/>
-          </p:cNvSpPr>
-          <p:nvPr>
-            <p:ph type="body" sz="quarter" idx="3"/>
+            <a:endParaRPr kumimoji="0" lang="en-US"/>
+          </a:p>
+        </p:txBody>
+      </p:sp>
+      <p:sp>
+        <p:nvSpPr>
+          <p:cNvPr id="28" name="27 Marcador de contenido"/>
+          <p:cNvSpPr>
+            <a:spLocks noGrp="1"/>
+          </p:cNvSpPr>
+          <p:nvPr>
+            <p:ph sz="quarter" idx="4"/>
           </p:nvPr>
         </p:nvSpPr>
         <p:spPr>
           <a:xfrm>
-            <a:off x="4645025" y="1535113"/>
-            <a:ext cx="4041775" cy="639762"/>
-          </a:xfrm>
-        </p:spPr>
-        <p:txBody>
-          <a:bodyPr anchor="b"/>
-          <a:lstStyle>
-            <a:lvl1pPr marL="0" indent="0">
-              <a:buNone/>
-              <a:defRPr sz="2400" b="1"/>
-            </a:lvl1pPr>
-            <a:lvl2pPr marL="457200" indent="0">
-              <a:buNone/>
-              <a:defRPr sz="2000" b="1"/>
-            </a:lvl2pPr>
-            <a:lvl3pPr marL="914400" indent="0">
-              <a:buNone/>
-              <a:defRPr sz="1800" b="1"/>
-            </a:lvl3pPr>
-            <a:lvl4pPr marL="1371600" indent="0">
-              <a:buNone/>
-              <a:defRPr sz="1600" b="1"/>
-            </a:lvl4pPr>
-            <a:lvl5pPr marL="1828800" indent="0">
-              <a:buNone/>
-              <a:defRPr sz="1600" b="1"/>
-            </a:lvl5pPr>
-            <a:lvl6pPr marL="2286000" indent="0">
-              <a:buNone/>
-              <a:defRPr sz="1600" b="1"/>
-            </a:lvl6pPr>
-            <a:lvl7pPr marL="2743200" indent="0">
-              <a:buNone/>
-              <a:defRPr sz="1600" b="1"/>
-            </a:lvl7pPr>
-            <a:lvl8pPr marL="3200400" indent="0">
-              <a:buNone/>
-              <a:defRPr sz="1600" b="1"/>
-            </a:lvl8pPr>
-            <a:lvl9pPr marL="3657600" indent="0">
-              <a:buNone/>
-              <a:defRPr sz="1600" b="1"/>
-            </a:lvl9pPr>
-          </a:lstStyle>
-          <a:p>
-            <a:pPr lvl="0"/>
-            <a:r>
-              <a:rPr lang="es-ES" smtClean="0"/>
-              <a:t>Haga clic para modificar el estilo de texto del patrón</a:t>
-            </a:r>
-          </a:p>
-        </p:txBody>
-      </p:sp>
-      <p:sp>
-        <p:nvSpPr>
-          <p:cNvPr id="6" name="5 Marcador de contenido"/>
-          <p:cNvSpPr>
-            <a:spLocks noGrp="1"/>
-          </p:cNvSpPr>
-          <p:nvPr>
-            <p:ph sz="quarter" idx="4"/>
-          </p:nvPr>
-        </p:nvSpPr>
-        <p:spPr>
-          <a:xfrm>
-            <a:off x="4645025" y="2174875"/>
-            <a:ext cx="4041775" cy="3951288"/>
+            <a:off x="4648730" y="1316037"/>
+            <a:ext cx="4288536" cy="3941763"/>
           </a:xfrm>
         </p:spPr>
         <p:txBody>
@@ -1663,60 +1664,48 @@
             <a:lvl5pPr>
               <a:defRPr sz="1600"/>
             </a:lvl5pPr>
-            <a:lvl6pPr>
-              <a:defRPr sz="1600"/>
-            </a:lvl6pPr>
-            <a:lvl7pPr>
-              <a:defRPr sz="1600"/>
-            </a:lvl7pPr>
-            <a:lvl8pPr>
-              <a:defRPr sz="1600"/>
-            </a:lvl8pPr>
-            <a:lvl9pPr>
-              <a:defRPr sz="1600"/>
-            </a:lvl9pPr>
           </a:lstStyle>
           <a:p>
-            <a:pPr lvl="0"/>
+            <a:pPr lvl="0" eaLnBrk="1" latinLnBrk="0" hangingPunct="1"/>
             <a:r>
               <a:rPr lang="es-ES" smtClean="0"/>
               <a:t>Haga clic para modificar el estilo de texto del patrón</a:t>
             </a:r>
           </a:p>
           <a:p>
-            <a:pPr lvl="1"/>
+            <a:pPr lvl="1" eaLnBrk="1" latinLnBrk="0" hangingPunct="1"/>
             <a:r>
               <a:rPr lang="es-ES" smtClean="0"/>
               <a:t>Segundo nivel</a:t>
             </a:r>
           </a:p>
           <a:p>
-            <a:pPr lvl="2"/>
+            <a:pPr lvl="2" eaLnBrk="1" latinLnBrk="0" hangingPunct="1"/>
             <a:r>
               <a:rPr lang="es-ES" smtClean="0"/>
               <a:t>Tercer nivel</a:t>
             </a:r>
           </a:p>
           <a:p>
-            <a:pPr lvl="3"/>
+            <a:pPr lvl="3" eaLnBrk="1" latinLnBrk="0" hangingPunct="1"/>
             <a:r>
               <a:rPr lang="es-ES" smtClean="0"/>
               <a:t>Cuarto nivel</a:t>
             </a:r>
           </a:p>
           <a:p>
-            <a:pPr lvl="4"/>
+            <a:pPr lvl="4" eaLnBrk="1" latinLnBrk="0" hangingPunct="1"/>
             <a:r>
               <a:rPr lang="es-ES" smtClean="0"/>
               <a:t>Quinto nivel</a:t>
             </a:r>
-            <a:endParaRPr lang="es-ES"/>
-          </a:p>
-        </p:txBody>
-      </p:sp>
-      <p:sp>
-        <p:nvSpPr>
-          <p:cNvPr id="7" name="6 Marcador de fecha"/>
+            <a:endParaRPr kumimoji="0" lang="en-US"/>
+          </a:p>
+        </p:txBody>
+      </p:sp>
+      <p:sp>
+        <p:nvSpPr>
+          <p:cNvPr id="10" name="9 Marcador de fecha"/>
           <p:cNvSpPr>
             <a:spLocks noGrp="1"/>
           </p:cNvSpPr>
@@ -1731,7 +1720,7 @@
           <a:p>
             <a:fld id="{7A847CFC-816F-41D0-AAC0-9BF4FEBC753E}" type="datetimeFigureOut">
               <a:rPr lang="es-ES" smtClean="0"/>
-              <a:t>06/10/2006</a:t>
+              <a:t>27/05/2015</a:t>
             </a:fld>
             <a:endParaRPr lang="es-ES"/>
           </a:p>
@@ -1739,7 +1728,7 @@
       </p:sp>
       <p:sp>
         <p:nvSpPr>
-          <p:cNvPr id="8" name="7 Marcador de pie de página"/>
+          <p:cNvPr id="6" name="5 Marcador de pie de página"/>
           <p:cNvSpPr>
             <a:spLocks noGrp="1"/>
           </p:cNvSpPr>
@@ -1758,7 +1747,7 @@
       </p:sp>
       <p:sp>
         <p:nvSpPr>
-          <p:cNvPr id="9" name="8 Marcador de número de diapositiva"/>
+          <p:cNvPr id="7" name="6 Marcador de número de diapositiva"/>
           <p:cNvSpPr>
             <a:spLocks noGrp="1"/>
           </p:cNvSpPr>
@@ -1766,7 +1755,12 @@
             <p:ph type="sldNum" sz="quarter" idx="12"/>
           </p:nvPr>
         </p:nvSpPr>
-        <p:spPr/>
+        <p:spPr>
+          <a:xfrm>
+            <a:off x="8229600" y="6477000"/>
+            <a:ext cx="762000" cy="246888"/>
+          </a:xfrm>
+        </p:spPr>
         <p:txBody>
           <a:bodyPr/>
           <a:lstStyle/>
@@ -1776,6 +1770,56 @@
               <a:t>‹Nº›</a:t>
             </a:fld>
             <a:endParaRPr lang="es-ES"/>
+          </a:p>
+        </p:txBody>
+      </p:sp>
+      <p:sp>
+        <p:nvSpPr>
+          <p:cNvPr id="11" name="10 Conector recto"/>
+          <p:cNvSpPr>
+            <a:spLocks noChangeShapeType="1"/>
+          </p:cNvSpPr>
+          <p:nvPr/>
+        </p:nvSpPr>
+        <p:spPr bwMode="auto">
+          <a:xfrm>
+            <a:off x="514350" y="6019800"/>
+            <a:ext cx="8629650" cy="2381"/>
+          </a:xfrm>
+          <a:prstGeom prst="line">
+            <a:avLst/>
+          </a:prstGeom>
+          <a:noFill/>
+          <a:ln w="9525" cap="flat" cmpd="sng" algn="ctr">
+            <a:gradFill flip="none" rotWithShape="1">
+              <a:gsLst>
+                <a:gs pos="0">
+                  <a:schemeClr val="accent1">
+                    <a:alpha val="0"/>
+                  </a:schemeClr>
+                </a:gs>
+                <a:gs pos="17000">
+                  <a:schemeClr val="accent1"/>
+                </a:gs>
+                <a:gs pos="100000">
+                  <a:schemeClr val="accent1"/>
+                </a:gs>
+              </a:gsLst>
+              <a:lin ang="0" scaled="1"/>
+              <a:tileRect/>
+            </a:gradFill>
+            <a:prstDash val="solid"/>
+            <a:round/>
+            <a:headEnd type="none" w="med" len="med"/>
+            <a:tailEnd type="none" w="med" len="med"/>
+          </a:ln>
+          <a:effectLst/>
+        </p:spPr>
+        <p:txBody>
+          <a:bodyPr vert="horz" wrap="square" lIns="91440" tIns="45720" rIns="91440" bIns="45720" anchor="t" compatLnSpc="1"/>
+          <a:lstStyle/>
+          <a:p>
+            <a:endParaRPr kumimoji="0" lang="en-US"/>
           </a:p>
         </p:txBody>
       </p:sp>
@@ -1806,7 +1850,7 @@
       </p:grpSpPr>
       <p:sp>
         <p:nvSpPr>
-          <p:cNvPr id="2" name="1 Título"/>
+          <p:cNvPr id="30" name="29 Título"/>
           <p:cNvSpPr>
             <a:spLocks noGrp="1"/>
           </p:cNvSpPr>
@@ -1814,37 +1858,42 @@
             <p:ph type="title"/>
           </p:nvPr>
         </p:nvSpPr>
+        <p:spPr>
+          <a:xfrm>
+            <a:off x="301752" y="457200"/>
+            <a:ext cx="8686800" cy="841248"/>
+          </a:xfrm>
+        </p:spPr>
+        <p:txBody>
+          <a:bodyPr/>
+          <a:lstStyle/>
+          <a:p>
+            <a:r>
+              <a:rPr kumimoji="0" lang="es-ES" smtClean="0"/>
+              <a:t>Haga clic para modificar el estilo de título del patrón</a:t>
+            </a:r>
+            <a:endParaRPr kumimoji="0" lang="en-US"/>
+          </a:p>
+        </p:txBody>
+      </p:sp>
+      <p:sp>
+        <p:nvSpPr>
+          <p:cNvPr id="12" name="11 Marcador de fecha"/>
+          <p:cNvSpPr>
+            <a:spLocks noGrp="1"/>
+          </p:cNvSpPr>
+          <p:nvPr>
+            <p:ph type="dt" sz="half" idx="10"/>
+          </p:nvPr>
+        </p:nvSpPr>
         <p:spPr/>
         <p:txBody>
           <a:bodyPr/>
           <a:lstStyle/>
           <a:p>
-            <a:r>
-              <a:rPr lang="es-ES" smtClean="0"/>
-              <a:t>Haga clic para modificar el estilo de título del patrón</a:t>
-            </a:r>
-            <a:endParaRPr lang="es-ES"/>
-          </a:p>
-        </p:txBody>
-      </p:sp>
-      <p:sp>
-        <p:nvSpPr>
-          <p:cNvPr id="3" name="2 Marcador de fecha"/>
-          <p:cNvSpPr>
-            <a:spLocks noGrp="1"/>
-          </p:cNvSpPr>
-          <p:nvPr>
-            <p:ph type="dt" sz="half" idx="10"/>
-          </p:nvPr>
-        </p:nvSpPr>
-        <p:spPr/>
-        <p:txBody>
-          <a:bodyPr/>
-          <a:lstStyle/>
-          <a:p>
             <a:fld id="{7A847CFC-816F-41D0-AAC0-9BF4FEBC753E}" type="datetimeFigureOut">
               <a:rPr lang="es-ES" smtClean="0"/>
-              <a:t>06/10/2006</a:t>
+              <a:t>27/05/2015</a:t>
             </a:fld>
             <a:endParaRPr lang="es-ES"/>
           </a:p>
@@ -1852,7 +1901,7 @@
       </p:sp>
       <p:sp>
         <p:nvSpPr>
-          <p:cNvPr id="4" name="3 Marcador de pie de página"/>
+          <p:cNvPr id="21" name="20 Marcador de pie de página"/>
           <p:cNvSpPr>
             <a:spLocks noGrp="1"/>
           </p:cNvSpPr>
@@ -1871,7 +1920,7 @@
       </p:sp>
       <p:sp>
         <p:nvSpPr>
-          <p:cNvPr id="5" name="4 Marcador de número de diapositiva"/>
+          <p:cNvPr id="6" name="5 Marcador de número de diapositiva"/>
           <p:cNvSpPr>
             <a:spLocks noGrp="1"/>
           </p:cNvSpPr>
@@ -1901,7 +1950,7 @@
 </file>
 
 <file path=ppt/slideLayouts/slideLayout7.xml><?xml version="1.0" encoding="utf-8"?>
-<p:sldLayout xmlns:a="http://schemas.openxmlformats.org/drawingml/2006/main" xmlns:r="http://schemas.openxmlformats.org/officeDocument/2006/relationships" xmlns:p="http://schemas.openxmlformats.org/presentationml/2006/main" type="blank" preserve="1">
+<p:sldLayout xmlns:a="http://schemas.openxmlformats.org/drawingml/2006/main" xmlns:r="http://schemas.openxmlformats.org/officeDocument/2006/relationships" xmlns:p="http://schemas.openxmlformats.org/presentationml/2006/main" showMasterSp="0" type="blank" preserve="1">
   <p:cSld name="En blanco">
     <p:spTree>
       <p:nvGrpSpPr>
@@ -1919,7 +1968,7 @@
       </p:grpSpPr>
       <p:sp>
         <p:nvSpPr>
-          <p:cNvPr id="2" name="1 Marcador de fecha"/>
+          <p:cNvPr id="3" name="2 Marcador de fecha"/>
           <p:cNvSpPr>
             <a:spLocks noGrp="1"/>
           </p:cNvSpPr>
@@ -1934,7 +1983,7 @@
           <a:p>
             <a:fld id="{7A847CFC-816F-41D0-AAC0-9BF4FEBC753E}" type="datetimeFigureOut">
               <a:rPr lang="es-ES" smtClean="0"/>
-              <a:t>06/10/2006</a:t>
+              <a:t>27/05/2015</a:t>
             </a:fld>
             <a:endParaRPr lang="es-ES"/>
           </a:p>
@@ -1942,7 +1991,7 @@
       </p:sp>
       <p:sp>
         <p:nvSpPr>
-          <p:cNvPr id="3" name="2 Marcador de pie de página"/>
+          <p:cNvPr id="24" name="23 Marcador de pie de página"/>
           <p:cNvSpPr>
             <a:spLocks noGrp="1"/>
           </p:cNvSpPr>
@@ -1961,7 +2010,7 @@
       </p:sp>
       <p:sp>
         <p:nvSpPr>
-          <p:cNvPr id="4" name="3 Marcador de número de diapositiva"/>
+          <p:cNvPr id="7" name="6 Marcador de número de diapositiva"/>
           <p:cNvSpPr>
             <a:spLocks noGrp="1"/>
           </p:cNvSpPr>
@@ -1991,7 +2040,7 @@
 </file>
 
 <file path=ppt/slideLayouts/slideLayout8.xml><?xml version="1.0" encoding="utf-8"?>
-<p:sldLayout xmlns:a="http://schemas.openxmlformats.org/drawingml/2006/main" xmlns:r="http://schemas.openxmlformats.org/officeDocument/2006/relationships" xmlns:p="http://schemas.openxmlformats.org/presentationml/2006/main" type="objTx" preserve="1">
+<p:sldLayout xmlns:a="http://schemas.openxmlformats.org/drawingml/2006/main" xmlns:r="http://schemas.openxmlformats.org/officeDocument/2006/relationships" xmlns:p="http://schemas.openxmlformats.org/presentationml/2006/main" showMasterSp="0" type="objTx" preserve="1">
   <p:cSld name="Contenido con título">
     <p:spTree>
       <p:nvGrpSpPr>
@@ -2009,7 +2058,57 @@
       </p:grpSpPr>
       <p:sp>
         <p:nvSpPr>
-          <p:cNvPr id="2" name="1 Título"/>
+          <p:cNvPr id="8" name="7 Conector recto"/>
+          <p:cNvSpPr>
+            <a:spLocks noChangeShapeType="1"/>
+          </p:cNvSpPr>
+          <p:nvPr/>
+        </p:nvSpPr>
+        <p:spPr bwMode="auto">
+          <a:xfrm>
+            <a:off x="514350" y="5849117"/>
+            <a:ext cx="8629650" cy="2381"/>
+          </a:xfrm>
+          <a:prstGeom prst="line">
+            <a:avLst/>
+          </a:prstGeom>
+          <a:noFill/>
+          <a:ln w="9525" cap="flat" cmpd="sng" algn="ctr">
+            <a:gradFill flip="none" rotWithShape="1">
+              <a:gsLst>
+                <a:gs pos="0">
+                  <a:schemeClr val="accent1">
+                    <a:alpha val="0"/>
+                  </a:schemeClr>
+                </a:gs>
+                <a:gs pos="17000">
+                  <a:schemeClr val="accent1"/>
+                </a:gs>
+                <a:gs pos="100000">
+                  <a:schemeClr val="accent1"/>
+                </a:gs>
+              </a:gsLst>
+              <a:lin ang="0" scaled="1"/>
+              <a:tileRect/>
+            </a:gradFill>
+            <a:prstDash val="solid"/>
+            <a:round/>
+            <a:headEnd type="none" w="med" len="med"/>
+            <a:tailEnd type="none" w="med" len="med"/>
+          </a:ln>
+          <a:effectLst/>
+        </p:spPr>
+        <p:txBody>
+          <a:bodyPr vert="horz" wrap="square" lIns="91440" tIns="45720" rIns="91440" bIns="45720" anchor="t" compatLnSpc="1"/>
+          <a:lstStyle/>
+          <a:p>
+            <a:endParaRPr kumimoji="0" lang="en-US"/>
+          </a:p>
+        </p:txBody>
+      </p:sp>
+      <p:sp>
+        <p:nvSpPr>
+          <p:cNvPr id="12" name="11 Título"/>
           <p:cNvSpPr>
             <a:spLocks noGrp="1"/>
           </p:cNvSpPr>
@@ -2019,40 +2118,90 @@
         </p:nvSpPr>
         <p:spPr>
           <a:xfrm>
-            <a:off x="457200" y="273050"/>
-            <a:ext cx="3008313" cy="1162050"/>
-          </a:xfrm>
-        </p:spPr>
-        <p:txBody>
-          <a:bodyPr anchor="b"/>
+            <a:off x="457200" y="5486400"/>
+            <a:ext cx="8458200" cy="520700"/>
+          </a:xfrm>
+        </p:spPr>
+        <p:txBody>
+          <a:bodyPr anchor="ctr"/>
           <a:lstStyle>
             <a:lvl1pPr algn="l">
+              <a:buNone/>
               <a:defRPr sz="2000" b="1"/>
             </a:lvl1pPr>
           </a:lstStyle>
           <a:p>
             <a:r>
-              <a:rPr lang="es-ES" smtClean="0"/>
+              <a:rPr kumimoji="0" lang="es-ES" smtClean="0"/>
               <a:t>Haga clic para modificar el estilo de título del patrón</a:t>
             </a:r>
-            <a:endParaRPr lang="es-ES"/>
-          </a:p>
-        </p:txBody>
-      </p:sp>
-      <p:sp>
-        <p:nvSpPr>
-          <p:cNvPr id="3" name="2 Marcador de contenido"/>
-          <p:cNvSpPr>
-            <a:spLocks noGrp="1"/>
-          </p:cNvSpPr>
-          <p:nvPr>
-            <p:ph idx="1"/>
+            <a:endParaRPr kumimoji="0" lang="en-US"/>
+          </a:p>
+        </p:txBody>
+      </p:sp>
+      <p:sp>
+        <p:nvSpPr>
+          <p:cNvPr id="26" name="25 Marcador de texto"/>
+          <p:cNvSpPr>
+            <a:spLocks noGrp="1"/>
+          </p:cNvSpPr>
+          <p:nvPr>
+            <p:ph type="body" idx="2"/>
           </p:nvPr>
         </p:nvSpPr>
         <p:spPr>
           <a:xfrm>
-            <a:off x="3575050" y="273050"/>
-            <a:ext cx="5111750" cy="5853113"/>
+            <a:off x="457200" y="609600"/>
+            <a:ext cx="3008313" cy="4800600"/>
+          </a:xfrm>
+        </p:spPr>
+        <p:txBody>
+          <a:bodyPr/>
+          <a:lstStyle>
+            <a:lvl1pPr marL="0" indent="0">
+              <a:buNone/>
+              <a:defRPr sz="1400"/>
+            </a:lvl1pPr>
+            <a:lvl2pPr>
+              <a:buNone/>
+              <a:defRPr sz="1200"/>
+            </a:lvl2pPr>
+            <a:lvl3pPr>
+              <a:buNone/>
+              <a:defRPr sz="1000"/>
+            </a:lvl3pPr>
+            <a:lvl4pPr>
+              <a:buNone/>
+              <a:defRPr sz="900"/>
+            </a:lvl4pPr>
+            <a:lvl5pPr>
+              <a:buNone/>
+              <a:defRPr sz="900"/>
+            </a:lvl5pPr>
+          </a:lstStyle>
+          <a:p>
+            <a:pPr lvl="0" eaLnBrk="1" latinLnBrk="0" hangingPunct="1"/>
+            <a:r>
+              <a:rPr kumimoji="0" lang="es-ES" smtClean="0"/>
+              <a:t>Haga clic para modificar el estilo de texto del patrón</a:t>
+            </a:r>
+          </a:p>
+        </p:txBody>
+      </p:sp>
+      <p:sp>
+        <p:nvSpPr>
+          <p:cNvPr id="14" name="13 Marcador de contenido"/>
+          <p:cNvSpPr>
+            <a:spLocks noGrp="1"/>
+          </p:cNvSpPr>
+          <p:nvPr>
+            <p:ph sz="half" idx="1"/>
+          </p:nvPr>
+        </p:nvSpPr>
+        <p:spPr>
+          <a:xfrm>
+            <a:off x="3575050" y="609600"/>
+            <a:ext cx="5340350" cy="4800600"/>
           </a:xfrm>
         </p:spPr>
         <p:txBody>
@@ -2073,140 +2222,63 @@
             <a:lvl5pPr>
               <a:defRPr sz="2000"/>
             </a:lvl5pPr>
-            <a:lvl6pPr>
-              <a:defRPr sz="2000"/>
-            </a:lvl6pPr>
-            <a:lvl7pPr>
-              <a:defRPr sz="2000"/>
-            </a:lvl7pPr>
-            <a:lvl8pPr>
-              <a:defRPr sz="2000"/>
-            </a:lvl8pPr>
-            <a:lvl9pPr>
-              <a:defRPr sz="2000"/>
-            </a:lvl9pPr>
           </a:lstStyle>
           <a:p>
-            <a:pPr lvl="0"/>
+            <a:pPr lvl="0" eaLnBrk="1" latinLnBrk="0" hangingPunct="1"/>
             <a:r>
               <a:rPr lang="es-ES" smtClean="0"/>
               <a:t>Haga clic para modificar el estilo de texto del patrón</a:t>
             </a:r>
           </a:p>
           <a:p>
-            <a:pPr lvl="1"/>
+            <a:pPr lvl="1" eaLnBrk="1" latinLnBrk="0" hangingPunct="1"/>
             <a:r>
               <a:rPr lang="es-ES" smtClean="0"/>
               <a:t>Segundo nivel</a:t>
             </a:r>
           </a:p>
           <a:p>
-            <a:pPr lvl="2"/>
+            <a:pPr lvl="2" eaLnBrk="1" latinLnBrk="0" hangingPunct="1"/>
             <a:r>
               <a:rPr lang="es-ES" smtClean="0"/>
               <a:t>Tercer nivel</a:t>
             </a:r>
           </a:p>
           <a:p>
-            <a:pPr lvl="3"/>
+            <a:pPr lvl="3" eaLnBrk="1" latinLnBrk="0" hangingPunct="1"/>
             <a:r>
               <a:rPr lang="es-ES" smtClean="0"/>
               <a:t>Cuarto nivel</a:t>
             </a:r>
           </a:p>
           <a:p>
-            <a:pPr lvl="4"/>
+            <a:pPr lvl="4" eaLnBrk="1" latinLnBrk="0" hangingPunct="1"/>
             <a:r>
               <a:rPr lang="es-ES" smtClean="0"/>
               <a:t>Quinto nivel</a:t>
             </a:r>
-            <a:endParaRPr lang="es-ES"/>
-          </a:p>
-        </p:txBody>
-      </p:sp>
-      <p:sp>
-        <p:nvSpPr>
-          <p:cNvPr id="4" name="3 Marcador de texto"/>
-          <p:cNvSpPr>
-            <a:spLocks noGrp="1"/>
-          </p:cNvSpPr>
-          <p:nvPr>
-            <p:ph type="body" sz="half" idx="2"/>
-          </p:nvPr>
-        </p:nvSpPr>
-        <p:spPr>
-          <a:xfrm>
-            <a:off x="457200" y="1435100"/>
-            <a:ext cx="3008313" cy="4691063"/>
-          </a:xfrm>
-        </p:spPr>
+            <a:endParaRPr kumimoji="0" lang="en-US"/>
+          </a:p>
+        </p:txBody>
+      </p:sp>
+      <p:sp>
+        <p:nvSpPr>
+          <p:cNvPr id="25" name="24 Marcador de fecha"/>
+          <p:cNvSpPr>
+            <a:spLocks noGrp="1"/>
+          </p:cNvSpPr>
+          <p:nvPr>
+            <p:ph type="dt" sz="half" idx="10"/>
+          </p:nvPr>
+        </p:nvSpPr>
+        <p:spPr/>
         <p:txBody>
           <a:bodyPr/>
-          <a:lstStyle>
-            <a:lvl1pPr marL="0" indent="0">
-              <a:buNone/>
-              <a:defRPr sz="1400"/>
-            </a:lvl1pPr>
-            <a:lvl2pPr marL="457200" indent="0">
-              <a:buNone/>
-              <a:defRPr sz="1200"/>
-            </a:lvl2pPr>
-            <a:lvl3pPr marL="914400" indent="0">
-              <a:buNone/>
-              <a:defRPr sz="1000"/>
-            </a:lvl3pPr>
-            <a:lvl4pPr marL="1371600" indent="0">
-              <a:buNone/>
-              <a:defRPr sz="900"/>
-            </a:lvl4pPr>
-            <a:lvl5pPr marL="1828800" indent="0">
-              <a:buNone/>
-              <a:defRPr sz="900"/>
-            </a:lvl5pPr>
-            <a:lvl6pPr marL="2286000" indent="0">
-              <a:buNone/>
-              <a:defRPr sz="900"/>
-            </a:lvl6pPr>
-            <a:lvl7pPr marL="2743200" indent="0">
-              <a:buNone/>
-              <a:defRPr sz="900"/>
-            </a:lvl7pPr>
-            <a:lvl8pPr marL="3200400" indent="0">
-              <a:buNone/>
-              <a:defRPr sz="900"/>
-            </a:lvl8pPr>
-            <a:lvl9pPr marL="3657600" indent="0">
-              <a:buNone/>
-              <a:defRPr sz="900"/>
-            </a:lvl9pPr>
-          </a:lstStyle>
-          <a:p>
-            <a:pPr lvl="0"/>
-            <a:r>
-              <a:rPr lang="es-ES" smtClean="0"/>
-              <a:t>Haga clic para modificar el estilo de texto del patrón</a:t>
-            </a:r>
-          </a:p>
-        </p:txBody>
-      </p:sp>
-      <p:sp>
-        <p:nvSpPr>
-          <p:cNvPr id="5" name="4 Marcador de fecha"/>
-          <p:cNvSpPr>
-            <a:spLocks noGrp="1"/>
-          </p:cNvSpPr>
-          <p:nvPr>
-            <p:ph type="dt" sz="half" idx="10"/>
-          </p:nvPr>
-        </p:nvSpPr>
-        <p:spPr/>
-        <p:txBody>
-          <a:bodyPr/>
           <a:lstStyle/>
           <a:p>
             <a:fld id="{7A847CFC-816F-41D0-AAC0-9BF4FEBC753E}" type="datetimeFigureOut">
               <a:rPr lang="es-ES" smtClean="0"/>
-              <a:t>06/10/2006</a:t>
+              <a:t>27/05/2015</a:t>
             </a:fld>
             <a:endParaRPr lang="es-ES"/>
           </a:p>
@@ -2214,7 +2286,7 @@
       </p:sp>
       <p:sp>
         <p:nvSpPr>
-          <p:cNvPr id="6" name="5 Marcador de pie de página"/>
+          <p:cNvPr id="29" name="28 Marcador de pie de página"/>
           <p:cNvSpPr>
             <a:spLocks noGrp="1"/>
           </p:cNvSpPr>
@@ -2263,7 +2335,7 @@
 </file>
 
 <file path=ppt/slideLayouts/slideLayout9.xml><?xml version="1.0" encoding="utf-8"?>
-<p:sldLayout xmlns:a="http://schemas.openxmlformats.org/drawingml/2006/main" xmlns:r="http://schemas.openxmlformats.org/officeDocument/2006/relationships" xmlns:p="http://schemas.openxmlformats.org/presentationml/2006/main" type="picTx" preserve="1">
+<p:sldLayout xmlns:a="http://schemas.openxmlformats.org/drawingml/2006/main" xmlns:r="http://schemas.openxmlformats.org/officeDocument/2006/relationships" xmlns:p="http://schemas.openxmlformats.org/presentationml/2006/main" showMasterSp="0" type="picTx" preserve="1">
   <p:cSld name="Imagen con título">
     <p:spTree>
       <p:nvGrpSpPr>
@@ -2281,51 +2353,30 @@
       </p:grpSpPr>
       <p:sp>
         <p:nvSpPr>
-          <p:cNvPr id="2" name="1 Título"/>
-          <p:cNvSpPr>
-            <a:spLocks noGrp="1"/>
-          </p:cNvSpPr>
-          <p:nvPr>
-            <p:ph type="title"/>
+          <p:cNvPr id="13" name="12 Marcador de posición de imagen"/>
+          <p:cNvSpPr>
+            <a:spLocks noGrp="1"/>
+          </p:cNvSpPr>
+          <p:nvPr>
+            <p:ph type="pic" idx="1"/>
           </p:nvPr>
         </p:nvSpPr>
         <p:spPr>
           <a:xfrm>
-            <a:off x="1792288" y="4800600"/>
-            <a:ext cx="5486400" cy="566738"/>
-          </a:xfrm>
-        </p:spPr>
-        <p:txBody>
-          <a:bodyPr anchor="b"/>
-          <a:lstStyle>
-            <a:lvl1pPr algn="l">
-              <a:defRPr sz="2000" b="1"/>
-            </a:lvl1pPr>
-          </a:lstStyle>
-          <a:p>
-            <a:r>
-              <a:rPr lang="es-ES" smtClean="0"/>
-              <a:t>Haga clic para modificar el estilo de título del patrón</a:t>
-            </a:r>
-            <a:endParaRPr lang="es-ES"/>
-          </a:p>
-        </p:txBody>
-      </p:sp>
-      <p:sp>
-        <p:nvSpPr>
-          <p:cNvPr id="3" name="2 Marcador de posición de imagen"/>
-          <p:cNvSpPr>
-            <a:spLocks noGrp="1"/>
-          </p:cNvSpPr>
-          <p:nvPr>
-            <p:ph type="pic" idx="1"/>
-          </p:nvPr>
-        </p:nvSpPr>
-        <p:spPr>
-          <a:xfrm>
-            <a:off x="1792288" y="612775"/>
-            <a:ext cx="5486400" cy="4114800"/>
-          </a:xfrm>
+            <a:off x="3505200" y="616634"/>
+            <a:ext cx="5029200" cy="3657600"/>
+          </a:xfrm>
+          <a:solidFill>
+            <a:schemeClr val="bg1"/>
+          </a:solidFill>
+          <a:ln w="6350">
+            <a:solidFill>
+              <a:schemeClr val="accent1"/>
+            </a:solidFill>
+          </a:ln>
+          <a:effectLst>
+            <a:reflection blurRad="1000" stA="49000" endA="500" endPos="10000" dist="900" dir="5400000" sy="-90000" algn="bl" rotWithShape="0"/>
+          </a:effectLst>
         </p:spPr>
         <p:txBody>
           <a:bodyPr/>
@@ -2334,47 +2385,117 @@
               <a:buNone/>
               <a:defRPr sz="3200"/>
             </a:lvl1pPr>
-            <a:lvl2pPr marL="457200" indent="0">
+          </a:lstStyle>
+          <a:p>
+            <a:r>
+              <a:rPr kumimoji="0" lang="es-ES" smtClean="0"/>
+              <a:t>Haga clic en el icono para agregar una imagen</a:t>
+            </a:r>
+            <a:endParaRPr kumimoji="0" lang="en-US" dirty="0"/>
+          </a:p>
+        </p:txBody>
+      </p:sp>
+      <p:sp>
+        <p:nvSpPr>
+          <p:cNvPr id="7" name="6 Marcador de fecha"/>
+          <p:cNvSpPr>
+            <a:spLocks noGrp="1"/>
+          </p:cNvSpPr>
+          <p:nvPr>
+            <p:ph type="dt" sz="half" idx="10"/>
+          </p:nvPr>
+        </p:nvSpPr>
+        <p:spPr/>
+        <p:txBody>
+          <a:bodyPr/>
+          <a:lstStyle/>
+          <a:p>
+            <a:fld id="{7A847CFC-816F-41D0-AAC0-9BF4FEBC753E}" type="datetimeFigureOut">
+              <a:rPr lang="es-ES" smtClean="0"/>
+              <a:t>27/05/2015</a:t>
+            </a:fld>
+            <a:endParaRPr lang="es-ES"/>
+          </a:p>
+        </p:txBody>
+      </p:sp>
+      <p:sp>
+        <p:nvSpPr>
+          <p:cNvPr id="5" name="4 Marcador de pie de página"/>
+          <p:cNvSpPr>
+            <a:spLocks noGrp="1"/>
+          </p:cNvSpPr>
+          <p:nvPr>
+            <p:ph type="ftr" sz="quarter" idx="11"/>
+          </p:nvPr>
+        </p:nvSpPr>
+        <p:spPr/>
+        <p:txBody>
+          <a:bodyPr/>
+          <a:lstStyle/>
+          <a:p>
+            <a:endParaRPr lang="es-ES"/>
+          </a:p>
+        </p:txBody>
+      </p:sp>
+      <p:sp>
+        <p:nvSpPr>
+          <p:cNvPr id="31" name="30 Marcador de número de diapositiva"/>
+          <p:cNvSpPr>
+            <a:spLocks noGrp="1"/>
+          </p:cNvSpPr>
+          <p:nvPr>
+            <p:ph type="sldNum" sz="quarter" idx="12"/>
+          </p:nvPr>
+        </p:nvSpPr>
+        <p:spPr/>
+        <p:txBody>
+          <a:bodyPr/>
+          <a:lstStyle/>
+          <a:p>
+            <a:fld id="{132FADFE-3B8F-471C-ABF0-DBC7717ECBBC}" type="slidenum">
+              <a:rPr lang="es-ES" smtClean="0"/>
+              <a:t>‹Nº›</a:t>
+            </a:fld>
+            <a:endParaRPr lang="es-ES"/>
+          </a:p>
+        </p:txBody>
+      </p:sp>
+      <p:sp>
+        <p:nvSpPr>
+          <p:cNvPr id="17" name="16 Título"/>
+          <p:cNvSpPr>
+            <a:spLocks noGrp="1"/>
+          </p:cNvSpPr>
+          <p:nvPr>
+            <p:ph type="title"/>
+          </p:nvPr>
+        </p:nvSpPr>
+        <p:spPr>
+          <a:xfrm>
+            <a:off x="381000" y="4993760"/>
+            <a:ext cx="5867400" cy="522288"/>
+          </a:xfrm>
+        </p:spPr>
+        <p:txBody>
+          <a:bodyPr anchor="ctr"/>
+          <a:lstStyle>
+            <a:lvl1pPr algn="l">
               <a:buNone/>
-              <a:defRPr sz="2800"/>
-            </a:lvl2pPr>
-            <a:lvl3pPr marL="914400" indent="0">
-              <a:buNone/>
-              <a:defRPr sz="2400"/>
-            </a:lvl3pPr>
-            <a:lvl4pPr marL="1371600" indent="0">
-              <a:buNone/>
-              <a:defRPr sz="2000"/>
-            </a:lvl4pPr>
-            <a:lvl5pPr marL="1828800" indent="0">
-              <a:buNone/>
-              <a:defRPr sz="2000"/>
-            </a:lvl5pPr>
-            <a:lvl6pPr marL="2286000" indent="0">
-              <a:buNone/>
-              <a:defRPr sz="2000"/>
-            </a:lvl6pPr>
-            <a:lvl7pPr marL="2743200" indent="0">
-              <a:buNone/>
-              <a:defRPr sz="2000"/>
-            </a:lvl7pPr>
-            <a:lvl8pPr marL="3200400" indent="0">
-              <a:buNone/>
-              <a:defRPr sz="2000"/>
-            </a:lvl8pPr>
-            <a:lvl9pPr marL="3657600" indent="0">
-              <a:buNone/>
-              <a:defRPr sz="2000"/>
-            </a:lvl9pPr>
+              <a:defRPr sz="2000" b="1"/>
+            </a:lvl1pPr>
           </a:lstStyle>
           <a:p>
-            <a:endParaRPr lang="es-ES"/>
-          </a:p>
-        </p:txBody>
-      </p:sp>
-      <p:sp>
-        <p:nvSpPr>
-          <p:cNvPr id="4" name="3 Marcador de texto"/>
+            <a:r>
+              <a:rPr kumimoji="0" lang="es-ES" smtClean="0"/>
+              <a:t>Haga clic para modificar el estilo de título del patrón</a:t>
+            </a:r>
+            <a:endParaRPr kumimoji="0" lang="en-US"/>
+          </a:p>
+        </p:txBody>
+      </p:sp>
+      <p:sp>
+        <p:nvSpPr>
+          <p:cNvPr id="26" name="25 Marcador de texto"/>
           <p:cNvSpPr>
             <a:spLocks noGrp="1"/>
           </p:cNvSpPr>
@@ -2384,121 +2505,36 @@
         </p:nvSpPr>
         <p:spPr>
           <a:xfrm>
-            <a:off x="1792288" y="5367338"/>
-            <a:ext cx="5486400" cy="804862"/>
-          </a:xfrm>
-        </p:spPr>
-        <p:txBody>
-          <a:bodyPr/>
+            <a:off x="381000" y="5533218"/>
+            <a:ext cx="5867400" cy="768350"/>
+          </a:xfrm>
+        </p:spPr>
+        <p:txBody>
+          <a:bodyPr lIns="109728" tIns="0"/>
           <a:lstStyle>
             <a:lvl1pPr marL="0" indent="0">
               <a:buNone/>
               <a:defRPr sz="1400"/>
             </a:lvl1pPr>
-            <a:lvl2pPr marL="457200" indent="0">
-              <a:buNone/>
+            <a:lvl2pPr>
               <a:defRPr sz="1200"/>
             </a:lvl2pPr>
-            <a:lvl3pPr marL="914400" indent="0">
-              <a:buNone/>
+            <a:lvl3pPr>
               <a:defRPr sz="1000"/>
             </a:lvl3pPr>
-            <a:lvl4pPr marL="1371600" indent="0">
-              <a:buNone/>
+            <a:lvl4pPr>
               <a:defRPr sz="900"/>
             </a:lvl4pPr>
-            <a:lvl5pPr marL="1828800" indent="0">
-              <a:buNone/>
+            <a:lvl5pPr>
               <a:defRPr sz="900"/>
             </a:lvl5pPr>
-            <a:lvl6pPr marL="2286000" indent="0">
-              <a:buNone/>
-              <a:defRPr sz="900"/>
-            </a:lvl6pPr>
-            <a:lvl7pPr marL="2743200" indent="0">
-              <a:buNone/>
-              <a:defRPr sz="900"/>
-            </a:lvl7pPr>
-            <a:lvl8pPr marL="3200400" indent="0">
-              <a:buNone/>
-              <a:defRPr sz="900"/>
-            </a:lvl8pPr>
-            <a:lvl9pPr marL="3657600" indent="0">
-              <a:buNone/>
-              <a:defRPr sz="900"/>
-            </a:lvl9pPr>
           </a:lstStyle>
           <a:p>
-            <a:pPr lvl="0"/>
-            <a:r>
-              <a:rPr lang="es-ES" smtClean="0"/>
+            <a:pPr lvl="0" eaLnBrk="1" latinLnBrk="0" hangingPunct="1"/>
+            <a:r>
+              <a:rPr kumimoji="0" lang="es-ES" smtClean="0"/>
               <a:t>Haga clic para modificar el estilo de texto del patrón</a:t>
             </a:r>
-          </a:p>
-        </p:txBody>
-      </p:sp>
-      <p:sp>
-        <p:nvSpPr>
-          <p:cNvPr id="5" name="4 Marcador de fecha"/>
-          <p:cNvSpPr>
-            <a:spLocks noGrp="1"/>
-          </p:cNvSpPr>
-          <p:nvPr>
-            <p:ph type="dt" sz="half" idx="10"/>
-          </p:nvPr>
-        </p:nvSpPr>
-        <p:spPr/>
-        <p:txBody>
-          <a:bodyPr/>
-          <a:lstStyle/>
-          <a:p>
-            <a:fld id="{7A847CFC-816F-41D0-AAC0-9BF4FEBC753E}" type="datetimeFigureOut">
-              <a:rPr lang="es-ES" smtClean="0"/>
-              <a:t>06/10/2006</a:t>
-            </a:fld>
-            <a:endParaRPr lang="es-ES"/>
-          </a:p>
-        </p:txBody>
-      </p:sp>
-      <p:sp>
-        <p:nvSpPr>
-          <p:cNvPr id="6" name="5 Marcador de pie de página"/>
-          <p:cNvSpPr>
-            <a:spLocks noGrp="1"/>
-          </p:cNvSpPr>
-          <p:nvPr>
-            <p:ph type="ftr" sz="quarter" idx="11"/>
-          </p:nvPr>
-        </p:nvSpPr>
-        <p:spPr/>
-        <p:txBody>
-          <a:bodyPr/>
-          <a:lstStyle/>
-          <a:p>
-            <a:endParaRPr lang="es-ES"/>
-          </a:p>
-        </p:txBody>
-      </p:sp>
-      <p:sp>
-        <p:nvSpPr>
-          <p:cNvPr id="7" name="6 Marcador de número de diapositiva"/>
-          <p:cNvSpPr>
-            <a:spLocks noGrp="1"/>
-          </p:cNvSpPr>
-          <p:nvPr>
-            <p:ph type="sldNum" sz="quarter" idx="12"/>
-          </p:nvPr>
-        </p:nvSpPr>
-        <p:spPr/>
-        <p:txBody>
-          <a:bodyPr/>
-          <a:lstStyle/>
-          <a:p>
-            <a:fld id="{132FADFE-3B8F-471C-ABF0-DBC7717ECBBC}" type="slidenum">
-              <a:rPr lang="es-ES" smtClean="0"/>
-              <a:t>‹Nº›</a:t>
-            </a:fld>
-            <a:endParaRPr lang="es-ES"/>
           </a:p>
         </p:txBody>
       </p:sp>
@@ -2514,8 +2550,8 @@
 <p:sldMaster xmlns:a="http://schemas.openxmlformats.org/drawingml/2006/main" xmlns:r="http://schemas.openxmlformats.org/officeDocument/2006/relationships" xmlns:p="http://schemas.openxmlformats.org/presentationml/2006/main">
   <p:cSld>
     <p:bg>
-      <p:bgRef idx="1001">
-        <a:schemeClr val="bg1"/>
+      <p:bgRef idx="1003">
+        <a:schemeClr val="bg2"/>
       </p:bgRef>
     </p:bg>
     <p:spTree>
@@ -2534,126 +2570,143 @@
       </p:grpSpPr>
       <p:sp>
         <p:nvSpPr>
-          <p:cNvPr id="2" name="1 Marcador de título"/>
-          <p:cNvSpPr>
-            <a:spLocks noGrp="1"/>
-          </p:cNvSpPr>
-          <p:nvPr>
-            <p:ph type="title"/>
+          <p:cNvPr id="7" name="6 Conector recto"/>
+          <p:cNvSpPr>
+            <a:spLocks noChangeShapeType="1"/>
+          </p:cNvSpPr>
+          <p:nvPr/>
+        </p:nvSpPr>
+        <p:spPr bwMode="auto">
+          <a:xfrm>
+            <a:off x="514350" y="1050898"/>
+            <a:ext cx="8629650" cy="2381"/>
+          </a:xfrm>
+          <a:prstGeom prst="line">
+            <a:avLst/>
+          </a:prstGeom>
+          <a:noFill/>
+          <a:ln w="9525" cap="flat" cmpd="sng" algn="ctr">
+            <a:gradFill flip="none" rotWithShape="1">
+              <a:gsLst>
+                <a:gs pos="0">
+                  <a:schemeClr val="accent1">
+                    <a:alpha val="0"/>
+                  </a:schemeClr>
+                </a:gs>
+                <a:gs pos="17000">
+                  <a:schemeClr val="accent1"/>
+                </a:gs>
+                <a:gs pos="100000">
+                  <a:schemeClr val="accent1"/>
+                </a:gs>
+              </a:gsLst>
+              <a:lin ang="0" scaled="1"/>
+              <a:tileRect/>
+            </a:gradFill>
+            <a:prstDash val="solid"/>
+            <a:round/>
+            <a:headEnd type="none" w="med" len="med"/>
+            <a:tailEnd type="none" w="med" len="med"/>
+          </a:ln>
+          <a:effectLst/>
+        </p:spPr>
+        <p:txBody>
+          <a:bodyPr vert="horz" wrap="square" lIns="91440" tIns="45720" rIns="91440" bIns="45720" anchor="t" compatLnSpc="1"/>
+          <a:lstStyle/>
+          <a:p>
+            <a:endParaRPr kumimoji="0" lang="en-US"/>
+          </a:p>
+        </p:txBody>
+      </p:sp>
+      <p:sp>
+        <p:nvSpPr>
+          <p:cNvPr id="8" name="7 Marcador de texto"/>
+          <p:cNvSpPr>
+            <a:spLocks noGrp="1"/>
+          </p:cNvSpPr>
+          <p:nvPr>
+            <p:ph type="body" idx="1"/>
           </p:nvPr>
         </p:nvSpPr>
         <p:spPr>
           <a:xfrm>
-            <a:off x="457200" y="274638"/>
-            <a:ext cx="8229600" cy="1143000"/>
+            <a:off x="304800" y="1554162"/>
+            <a:ext cx="8686800" cy="4525963"/>
           </a:xfrm>
           <a:prstGeom prst="rect">
             <a:avLst/>
           </a:prstGeom>
         </p:spPr>
         <p:txBody>
-          <a:bodyPr vert="horz" lIns="91440" tIns="45720" rIns="91440" bIns="45720" rtlCol="0" anchor="ctr">
+          <a:bodyPr vert="horz">
             <a:normAutofit/>
           </a:bodyPr>
           <a:lstStyle/>
           <a:p>
-            <a:r>
-              <a:rPr lang="es-ES" smtClean="0"/>
-              <a:t>Haga clic para modificar el estilo de título del patrón</a:t>
-            </a:r>
-            <a:endParaRPr lang="es-ES"/>
-          </a:p>
-        </p:txBody>
-      </p:sp>
-      <p:sp>
-        <p:nvSpPr>
-          <p:cNvPr id="3" name="2 Marcador de texto"/>
-          <p:cNvSpPr>
-            <a:spLocks noGrp="1"/>
-          </p:cNvSpPr>
-          <p:nvPr>
-            <p:ph type="body" idx="1"/>
+            <a:pPr lvl="0" eaLnBrk="1" latinLnBrk="0" hangingPunct="1"/>
+            <a:r>
+              <a:rPr kumimoji="0" lang="es-ES" smtClean="0"/>
+              <a:t>Haga clic para modificar el estilo de texto del patrón</a:t>
+            </a:r>
+          </a:p>
+          <a:p>
+            <a:pPr lvl="1" eaLnBrk="1" latinLnBrk="0" hangingPunct="1"/>
+            <a:r>
+              <a:rPr kumimoji="0" lang="es-ES" smtClean="0"/>
+              <a:t>Segundo nivel</a:t>
+            </a:r>
+          </a:p>
+          <a:p>
+            <a:pPr lvl="2" eaLnBrk="1" latinLnBrk="0" hangingPunct="1"/>
+            <a:r>
+              <a:rPr kumimoji="0" lang="es-ES" smtClean="0"/>
+              <a:t>Tercer nivel</a:t>
+            </a:r>
+          </a:p>
+          <a:p>
+            <a:pPr lvl="3" eaLnBrk="1" latinLnBrk="0" hangingPunct="1"/>
+            <a:r>
+              <a:rPr kumimoji="0" lang="es-ES" smtClean="0"/>
+              <a:t>Cuarto nivel</a:t>
+            </a:r>
+          </a:p>
+          <a:p>
+            <a:pPr lvl="4" eaLnBrk="1" latinLnBrk="0" hangingPunct="1"/>
+            <a:r>
+              <a:rPr kumimoji="0" lang="es-ES" smtClean="0"/>
+              <a:t>Quinto nivel</a:t>
+            </a:r>
+            <a:endParaRPr kumimoji="0" lang="en-US"/>
+          </a:p>
+        </p:txBody>
+      </p:sp>
+      <p:sp>
+        <p:nvSpPr>
+          <p:cNvPr id="11" name="10 Marcador de fecha"/>
+          <p:cNvSpPr>
+            <a:spLocks noGrp="1"/>
+          </p:cNvSpPr>
+          <p:nvPr>
+            <p:ph type="dt" sz="half" idx="2"/>
           </p:nvPr>
         </p:nvSpPr>
         <p:spPr>
           <a:xfrm>
-            <a:off x="457200" y="1600200"/>
-            <a:ext cx="8229600" cy="4525963"/>
+            <a:off x="6477000" y="76200"/>
+            <a:ext cx="2514600" cy="288925"/>
           </a:xfrm>
           <a:prstGeom prst="rect">
             <a:avLst/>
           </a:prstGeom>
         </p:spPr>
         <p:txBody>
-          <a:bodyPr vert="horz" lIns="91440" tIns="45720" rIns="91440" bIns="45720" rtlCol="0">
-            <a:normAutofit/>
-          </a:bodyPr>
-          <a:lstStyle/>
-          <a:p>
-            <a:pPr lvl="0"/>
-            <a:r>
-              <a:rPr lang="es-ES" smtClean="0"/>
-              <a:t>Haga clic para modificar el estilo de texto del patrón</a:t>
-            </a:r>
-          </a:p>
-          <a:p>
-            <a:pPr lvl="1"/>
-            <a:r>
-              <a:rPr lang="es-ES" smtClean="0"/>
-              <a:t>Segundo nivel</a:t>
-            </a:r>
-          </a:p>
-          <a:p>
-            <a:pPr lvl="2"/>
-            <a:r>
-              <a:rPr lang="es-ES" smtClean="0"/>
-              <a:t>Tercer nivel</a:t>
-            </a:r>
-          </a:p>
-          <a:p>
-            <a:pPr lvl="3"/>
-            <a:r>
-              <a:rPr lang="es-ES" smtClean="0"/>
-              <a:t>Cuarto nivel</a:t>
-            </a:r>
-          </a:p>
-          <a:p>
-            <a:pPr lvl="4"/>
-            <a:r>
-              <a:rPr lang="es-ES" smtClean="0"/>
-              <a:t>Quinto nivel</a:t>
-            </a:r>
-            <a:endParaRPr lang="es-ES"/>
-          </a:p>
-        </p:txBody>
-      </p:sp>
-      <p:sp>
-        <p:nvSpPr>
-          <p:cNvPr id="4" name="3 Marcador de fecha"/>
-          <p:cNvSpPr>
-            <a:spLocks noGrp="1"/>
-          </p:cNvSpPr>
-          <p:nvPr>
-            <p:ph type="dt" sz="half" idx="2"/>
-          </p:nvPr>
-        </p:nvSpPr>
-        <p:spPr>
-          <a:xfrm>
-            <a:off x="457200" y="6356350"/>
-            <a:ext cx="2133600" cy="365125"/>
-          </a:xfrm>
-          <a:prstGeom prst="rect">
-            <a:avLst/>
-          </a:prstGeom>
-        </p:spPr>
-        <p:txBody>
-          <a:bodyPr vert="horz" lIns="91440" tIns="45720" rIns="91440" bIns="45720" rtlCol="0" anchor="ctr"/>
+          <a:bodyPr vert="horz"/>
           <a:lstStyle>
-            <a:lvl1pPr algn="l">
-              <a:defRPr sz="1200">
+            <a:lvl1pPr algn="l" eaLnBrk="1" latinLnBrk="0" hangingPunct="1">
+              <a:defRPr kumimoji="0" sz="1200">
                 <a:solidFill>
-                  <a:schemeClr val="tx1">
-                    <a:tint val="75000"/>
+                  <a:schemeClr val="accent1">
+                    <a:shade val="75000"/>
                   </a:schemeClr>
                 </a:solidFill>
               </a:defRPr>
@@ -2662,7 +2715,7 @@
           <a:p>
             <a:fld id="{7A847CFC-816F-41D0-AAC0-9BF4FEBC753E}" type="datetimeFigureOut">
               <a:rPr lang="es-ES" smtClean="0"/>
-              <a:t>06/10/2006</a:t>
+              <a:t>27/05/2015</a:t>
             </a:fld>
             <a:endParaRPr lang="es-ES"/>
           </a:p>
@@ -2670,7 +2723,7 @@
       </p:sp>
       <p:sp>
         <p:nvSpPr>
-          <p:cNvPr id="5" name="4 Marcador de pie de página"/>
+          <p:cNvPr id="28" name="27 Marcador de pie de página"/>
           <p:cNvSpPr>
             <a:spLocks noGrp="1"/>
           </p:cNvSpPr>
@@ -2680,21 +2733,21 @@
         </p:nvSpPr>
         <p:spPr>
           <a:xfrm>
-            <a:off x="3124200" y="6356350"/>
-            <a:ext cx="2895600" cy="365125"/>
+            <a:off x="3124200" y="76200"/>
+            <a:ext cx="3352800" cy="288925"/>
           </a:xfrm>
           <a:prstGeom prst="rect">
             <a:avLst/>
           </a:prstGeom>
         </p:spPr>
         <p:txBody>
-          <a:bodyPr vert="horz" lIns="91440" tIns="45720" rIns="91440" bIns="45720" rtlCol="0" anchor="ctr"/>
+          <a:bodyPr vert="horz"/>
           <a:lstStyle>
-            <a:lvl1pPr algn="ctr">
-              <a:defRPr sz="1200">
+            <a:lvl1pPr algn="r" eaLnBrk="1" latinLnBrk="0" hangingPunct="1">
+              <a:defRPr kumimoji="0" sz="1200">
                 <a:solidFill>
-                  <a:schemeClr val="tx1">
-                    <a:tint val="75000"/>
+                  <a:schemeClr val="accent1">
+                    <a:shade val="75000"/>
                   </a:schemeClr>
                 </a:solidFill>
               </a:defRPr>
@@ -2707,7 +2760,7 @@
       </p:sp>
       <p:sp>
         <p:nvSpPr>
-          <p:cNvPr id="6" name="5 Marcador de número de diapositiva"/>
+          <p:cNvPr id="5" name="4 Marcador de número de diapositiva"/>
           <p:cNvSpPr>
             <a:spLocks noGrp="1"/>
           </p:cNvSpPr>
@@ -2717,21 +2770,21 @@
         </p:nvSpPr>
         <p:spPr>
           <a:xfrm>
-            <a:off x="6553200" y="6356350"/>
-            <a:ext cx="2133600" cy="365125"/>
+            <a:off x="8229600" y="6477000"/>
+            <a:ext cx="762000" cy="244475"/>
           </a:xfrm>
           <a:prstGeom prst="rect">
             <a:avLst/>
           </a:prstGeom>
         </p:spPr>
         <p:txBody>
-          <a:bodyPr vert="horz" lIns="91440" tIns="45720" rIns="91440" bIns="45720" rtlCol="0" anchor="ctr"/>
+          <a:bodyPr vert="horz"/>
           <a:lstStyle>
-            <a:lvl1pPr algn="r">
-              <a:defRPr sz="1200">
+            <a:lvl1pPr algn="r" eaLnBrk="1" latinLnBrk="0" hangingPunct="1">
+              <a:defRPr kumimoji="0" sz="1200">
                 <a:solidFill>
-                  <a:schemeClr val="tx1">
-                    <a:tint val="75000"/>
+                  <a:schemeClr val="accent1">
+                    <a:shade val="75000"/>
                   </a:schemeClr>
                 </a:solidFill>
               </a:defRPr>
@@ -2746,33 +2799,169 @@
           </a:p>
         </p:txBody>
       </p:sp>
+      <p:sp>
+        <p:nvSpPr>
+          <p:cNvPr id="10" name="9 Marcador de título"/>
+          <p:cNvSpPr>
+            <a:spLocks noGrp="1"/>
+          </p:cNvSpPr>
+          <p:nvPr>
+            <p:ph type="title"/>
+          </p:nvPr>
+        </p:nvSpPr>
+        <p:spPr>
+          <a:xfrm>
+            <a:off x="304800" y="457200"/>
+            <a:ext cx="8686800" cy="838200"/>
+          </a:xfrm>
+          <a:prstGeom prst="rect">
+            <a:avLst/>
+          </a:prstGeom>
+        </p:spPr>
+        <p:txBody>
+          <a:bodyPr vert="horz" anchor="ctr">
+            <a:normAutofit/>
+          </a:bodyPr>
+          <a:lstStyle/>
+          <a:p>
+            <a:r>
+              <a:rPr kumimoji="0" lang="es-ES" smtClean="0"/>
+              <a:t>Haga clic para modificar el estilo de título del patrón</a:t>
+            </a:r>
+            <a:endParaRPr kumimoji="0" lang="en-US"/>
+          </a:p>
+        </p:txBody>
+      </p:sp>
+      <p:sp>
+        <p:nvSpPr>
+          <p:cNvPr id="9" name="8 Conector recto"/>
+          <p:cNvSpPr>
+            <a:spLocks noChangeShapeType="1"/>
+          </p:cNvSpPr>
+          <p:nvPr/>
+        </p:nvSpPr>
+        <p:spPr bwMode="auto">
+          <a:xfrm>
+            <a:off x="514350" y="1050898"/>
+            <a:ext cx="8629650" cy="2381"/>
+          </a:xfrm>
+          <a:prstGeom prst="line">
+            <a:avLst/>
+          </a:prstGeom>
+          <a:noFill/>
+          <a:ln w="9525" cap="flat" cmpd="sng" algn="ctr">
+            <a:gradFill flip="none" rotWithShape="1">
+              <a:gsLst>
+                <a:gs pos="0">
+                  <a:schemeClr val="accent1">
+                    <a:alpha val="0"/>
+                  </a:schemeClr>
+                </a:gs>
+                <a:gs pos="17000">
+                  <a:schemeClr val="accent1"/>
+                </a:gs>
+                <a:gs pos="100000">
+                  <a:schemeClr val="accent1"/>
+                </a:gs>
+              </a:gsLst>
+              <a:lin ang="0" scaled="1"/>
+              <a:tileRect/>
+            </a:gradFill>
+            <a:prstDash val="solid"/>
+            <a:round/>
+            <a:headEnd type="none" w="med" len="med"/>
+            <a:tailEnd type="none" w="med" len="med"/>
+          </a:ln>
+          <a:effectLst/>
+        </p:spPr>
+        <p:txBody>
+          <a:bodyPr vert="horz" wrap="square" lIns="91440" tIns="45720" rIns="91440" bIns="45720" anchor="t" compatLnSpc="1"/>
+          <a:lstStyle/>
+          <a:p>
+            <a:endParaRPr kumimoji="0" lang="en-US"/>
+          </a:p>
+        </p:txBody>
+      </p:sp>
+      <p:sp>
+        <p:nvSpPr>
+          <p:cNvPr id="12" name="11 Conector recto"/>
+          <p:cNvSpPr>
+            <a:spLocks noChangeShapeType="1"/>
+          </p:cNvSpPr>
+          <p:nvPr/>
+        </p:nvSpPr>
+        <p:spPr bwMode="auto">
+          <a:xfrm>
+            <a:off x="514350" y="1057986"/>
+            <a:ext cx="8629650" cy="2381"/>
+          </a:xfrm>
+          <a:prstGeom prst="line">
+            <a:avLst/>
+          </a:prstGeom>
+          <a:noFill/>
+          <a:ln w="9525" cap="flat" cmpd="sng" algn="ctr">
+            <a:gradFill flip="none" rotWithShape="1">
+              <a:gsLst>
+                <a:gs pos="0">
+                  <a:schemeClr val="accent1">
+                    <a:alpha val="0"/>
+                  </a:schemeClr>
+                </a:gs>
+                <a:gs pos="17000">
+                  <a:schemeClr val="accent1"/>
+                </a:gs>
+                <a:gs pos="100000">
+                  <a:schemeClr val="accent1"/>
+                </a:gs>
+              </a:gsLst>
+              <a:lin ang="0" scaled="1"/>
+              <a:tileRect/>
+            </a:gradFill>
+            <a:prstDash val="solid"/>
+            <a:round/>
+            <a:headEnd type="none" w="med" len="med"/>
+            <a:tailEnd type="none" w="med" len="med"/>
+          </a:ln>
+          <a:effectLst/>
+        </p:spPr>
+        <p:txBody>
+          <a:bodyPr vert="horz" wrap="square" lIns="91440" tIns="45720" rIns="91440" bIns="45720" anchor="t" compatLnSpc="1"/>
+          <a:lstStyle/>
+          <a:p>
+            <a:endParaRPr kumimoji="0" lang="en-US"/>
+          </a:p>
+        </p:txBody>
+      </p:sp>
     </p:spTree>
   </p:cSld>
   <p:clrMap bg1="lt1" tx1="dk1" bg2="lt2" tx2="dk2" accent1="accent1" accent2="accent2" accent3="accent3" accent4="accent4" accent5="accent5" accent6="accent6" hlink="hlink" folHlink="folHlink"/>
   <p:sldLayoutIdLst>
-    <p:sldLayoutId id="2147483649" r:id="rId1"/>
-    <p:sldLayoutId id="2147483650" r:id="rId2"/>
-    <p:sldLayoutId id="2147483651" r:id="rId3"/>
-    <p:sldLayoutId id="2147483652" r:id="rId4"/>
-    <p:sldLayoutId id="2147483653" r:id="rId5"/>
-    <p:sldLayoutId id="2147483654" r:id="rId6"/>
-    <p:sldLayoutId id="2147483655" r:id="rId7"/>
-    <p:sldLayoutId id="2147483656" r:id="rId8"/>
-    <p:sldLayoutId id="2147483657" r:id="rId9"/>
-    <p:sldLayoutId id="2147483658" r:id="rId10"/>
-    <p:sldLayoutId id="2147483659" r:id="rId11"/>
+    <p:sldLayoutId id="2147483673" r:id="rId1"/>
+    <p:sldLayoutId id="2147483674" r:id="rId2"/>
+    <p:sldLayoutId id="2147483675" r:id="rId3"/>
+    <p:sldLayoutId id="2147483676" r:id="rId4"/>
+    <p:sldLayoutId id="2147483677" r:id="rId5"/>
+    <p:sldLayoutId id="2147483678" r:id="rId6"/>
+    <p:sldLayoutId id="2147483679" r:id="rId7"/>
+    <p:sldLayoutId id="2147483680" r:id="rId8"/>
+    <p:sldLayoutId id="2147483681" r:id="rId9"/>
+    <p:sldLayoutId id="2147483682" r:id="rId10"/>
+    <p:sldLayoutId id="2147483683" r:id="rId11"/>
   </p:sldLayoutIdLst>
   <p:txStyles>
     <p:titleStyle>
-      <a:lvl1pPr algn="ctr" defTabSz="914400" rtl="0" eaLnBrk="1" latinLnBrk="0" hangingPunct="1">
+      <a:lvl1pPr algn="l" rtl="0" eaLnBrk="1" latinLnBrk="0" hangingPunct="1">
         <a:spcBef>
           <a:spcPct val="0"/>
         </a:spcBef>
         <a:buNone/>
-        <a:defRPr sz="4400" kern="1200">
+        <a:defRPr kumimoji="0" sz="3600" kern="1200" cap="all" baseline="0">
           <a:solidFill>
-            <a:schemeClr val="tx1"/>
+            <a:schemeClr val="tx2"/>
           </a:solidFill>
+          <a:effectLst>
+            <a:reflection blurRad="12700" stA="48000" endA="300" endPos="55000" dir="5400000" sy="-90000" algn="bl" rotWithShape="0"/>
+          </a:effectLst>
           <a:latin typeface="+mj-lt"/>
           <a:ea typeface="+mj-ea"/>
           <a:cs typeface="+mj-cs"/>
@@ -2780,13 +2969,181 @@
       </a:lvl1pPr>
     </p:titleStyle>
     <p:bodyStyle>
-      <a:lvl1pPr marL="342900" indent="-342900" algn="l" defTabSz="914400" rtl="0" eaLnBrk="1" latinLnBrk="0" hangingPunct="1">
+      <a:lvl1pPr marL="342900" indent="-342900" algn="l" rtl="0" eaLnBrk="1" latinLnBrk="0" hangingPunct="1">
         <a:spcBef>
           <a:spcPct val="20000"/>
         </a:spcBef>
-        <a:buFont typeface="Arial" pitchFamily="34" charset="0"/>
-        <a:buChar char="•"/>
-        <a:defRPr sz="3200" kern="1200">
+        <a:buClr>
+          <a:schemeClr val="accent1"/>
+        </a:buClr>
+        <a:buSzPct val="70000"/>
+        <a:buFont typeface="Wingdings 2"/>
+        <a:buChar char=""/>
+        <a:defRPr kumimoji="0" sz="3200" kern="1200">
+          <a:solidFill>
+            <a:schemeClr val="tx2"/>
+          </a:solidFill>
+          <a:latin typeface="+mn-lt"/>
+          <a:ea typeface="+mn-ea"/>
+          <a:cs typeface="+mn-cs"/>
+        </a:defRPr>
+      </a:lvl1pPr>
+      <a:lvl2pPr marL="742950" indent="-285750" algn="l" rtl="0" eaLnBrk="1" latinLnBrk="0" hangingPunct="1">
+        <a:spcBef>
+          <a:spcPct val="20000"/>
+        </a:spcBef>
+        <a:buClr>
+          <a:schemeClr val="accent1"/>
+        </a:buClr>
+        <a:buSzPct val="70000"/>
+        <a:buFont typeface="Wingdings 2"/>
+        <a:buChar char=""/>
+        <a:defRPr kumimoji="0" sz="2800" kern="1200">
+          <a:solidFill>
+            <a:schemeClr val="tx2"/>
+          </a:solidFill>
+          <a:latin typeface="+mn-lt"/>
+          <a:ea typeface="+mn-ea"/>
+          <a:cs typeface="+mn-cs"/>
+        </a:defRPr>
+      </a:lvl2pPr>
+      <a:lvl3pPr marL="1143000" indent="-228600" algn="l" rtl="0" eaLnBrk="1" latinLnBrk="0" hangingPunct="1">
+        <a:spcBef>
+          <a:spcPct val="20000"/>
+        </a:spcBef>
+        <a:buClr>
+          <a:schemeClr val="accent1"/>
+        </a:buClr>
+        <a:buSzPct val="70000"/>
+        <a:buFont typeface="Wingdings 2"/>
+        <a:buChar char=""/>
+        <a:defRPr kumimoji="0" sz="2400" kern="1200">
+          <a:solidFill>
+            <a:schemeClr val="tx2"/>
+          </a:solidFill>
+          <a:latin typeface="+mn-lt"/>
+          <a:ea typeface="+mn-ea"/>
+          <a:cs typeface="+mn-cs"/>
+        </a:defRPr>
+      </a:lvl3pPr>
+      <a:lvl4pPr marL="1600200" indent="-228600" algn="l" rtl="0" eaLnBrk="1" latinLnBrk="0" hangingPunct="1">
+        <a:spcBef>
+          <a:spcPct val="20000"/>
+        </a:spcBef>
+        <a:buClr>
+          <a:schemeClr val="accent1"/>
+        </a:buClr>
+        <a:buSzPct val="70000"/>
+        <a:buFont typeface="Wingdings 2"/>
+        <a:buChar char=""/>
+        <a:defRPr kumimoji="0" sz="2000" kern="1200">
+          <a:solidFill>
+            <a:schemeClr val="tx2"/>
+          </a:solidFill>
+          <a:latin typeface="+mn-lt"/>
+          <a:ea typeface="+mn-ea"/>
+          <a:cs typeface="+mn-cs"/>
+        </a:defRPr>
+      </a:lvl4pPr>
+      <a:lvl5pPr marL="2057400" indent="-228600" algn="l" rtl="0" eaLnBrk="1" latinLnBrk="0" hangingPunct="1">
+        <a:spcBef>
+          <a:spcPct val="20000"/>
+        </a:spcBef>
+        <a:buClr>
+          <a:schemeClr val="accent1"/>
+        </a:buClr>
+        <a:buSzPct val="60000"/>
+        <a:buFont typeface="Wingdings 2"/>
+        <a:buChar char=""/>
+        <a:defRPr kumimoji="0" sz="1800" kern="1200">
+          <a:solidFill>
+            <a:schemeClr val="tx2"/>
+          </a:solidFill>
+          <a:latin typeface="+mn-lt"/>
+          <a:ea typeface="+mn-ea"/>
+          <a:cs typeface="+mn-cs"/>
+        </a:defRPr>
+      </a:lvl5pPr>
+      <a:lvl6pPr marL="2514600" indent="-228600" algn="l" rtl="0" eaLnBrk="1" latinLnBrk="0" hangingPunct="1">
+        <a:spcBef>
+          <a:spcPct val="20000"/>
+        </a:spcBef>
+        <a:buClr>
+          <a:schemeClr val="accent1"/>
+        </a:buClr>
+        <a:buSzPct val="60000"/>
+        <a:buFont typeface="Wingdings 2"/>
+        <a:buChar char=""/>
+        <a:defRPr kumimoji="0" sz="1800" kern="1200">
+          <a:solidFill>
+            <a:schemeClr val="tx2"/>
+          </a:solidFill>
+          <a:latin typeface="+mn-lt"/>
+          <a:ea typeface="+mn-ea"/>
+          <a:cs typeface="+mn-cs"/>
+        </a:defRPr>
+      </a:lvl6pPr>
+      <a:lvl7pPr marL="2971800" indent="-228600" algn="l" rtl="0" eaLnBrk="1" latinLnBrk="0" hangingPunct="1">
+        <a:spcBef>
+          <a:spcPct val="20000"/>
+        </a:spcBef>
+        <a:buClr>
+          <a:schemeClr val="accent1"/>
+        </a:buClr>
+        <a:buSzPct val="60000"/>
+        <a:buFont typeface="Wingdings 2"/>
+        <a:buChar char=""/>
+        <a:defRPr kumimoji="0" sz="1600" kern="1200">
+          <a:solidFill>
+            <a:schemeClr val="tx2"/>
+          </a:solidFill>
+          <a:latin typeface="+mn-lt"/>
+          <a:ea typeface="+mn-ea"/>
+          <a:cs typeface="+mn-cs"/>
+        </a:defRPr>
+      </a:lvl7pPr>
+      <a:lvl8pPr marL="3429000" indent="-228600" algn="l" rtl="0" eaLnBrk="1" latinLnBrk="0" hangingPunct="1">
+        <a:spcBef>
+          <a:spcPct val="20000"/>
+        </a:spcBef>
+        <a:buClr>
+          <a:schemeClr val="accent1"/>
+        </a:buClr>
+        <a:buSzPct val="60000"/>
+        <a:buFont typeface="Wingdings 2"/>
+        <a:buChar char=""/>
+        <a:defRPr kumimoji="0" sz="1600" kern="1200" baseline="0">
+          <a:solidFill>
+            <a:schemeClr val="tx2"/>
+          </a:solidFill>
+          <a:latin typeface="+mn-lt"/>
+          <a:ea typeface="+mn-ea"/>
+          <a:cs typeface="+mn-cs"/>
+        </a:defRPr>
+      </a:lvl8pPr>
+      <a:lvl9pPr marL="3886200" indent="-228600" algn="l" rtl="0" eaLnBrk="1" latinLnBrk="0" hangingPunct="1">
+        <a:spcBef>
+          <a:spcPct val="20000"/>
+        </a:spcBef>
+        <a:buClr>
+          <a:schemeClr val="accent1"/>
+        </a:buClr>
+        <a:buSzPct val="60000"/>
+        <a:buFont typeface="Wingdings 2"/>
+        <a:buChar char=""/>
+        <a:defRPr kumimoji="0" sz="1400" kern="1200" baseline="0">
+          <a:solidFill>
+            <a:schemeClr val="tx2"/>
+          </a:solidFill>
+          <a:latin typeface="+mn-lt"/>
+          <a:ea typeface="+mn-ea"/>
+          <a:cs typeface="+mn-cs"/>
+        </a:defRPr>
+      </a:lvl9pPr>
+    </p:bodyStyle>
+    <p:otherStyle>
+      <a:lvl1pPr marL="0" algn="l" rtl="0" eaLnBrk="1" latinLnBrk="0" hangingPunct="1">
+        <a:defRPr kumimoji="0" kern="1200">
           <a:solidFill>
             <a:schemeClr val="tx1"/>
           </a:solidFill>
@@ -2795,13 +3152,8 @@
           <a:cs typeface="+mn-cs"/>
         </a:defRPr>
       </a:lvl1pPr>
-      <a:lvl2pPr marL="742950" indent="-285750" algn="l" defTabSz="914400" rtl="0" eaLnBrk="1" latinLnBrk="0" hangingPunct="1">
-        <a:spcBef>
-          <a:spcPct val="20000"/>
-        </a:spcBef>
-        <a:buFont typeface="Arial" pitchFamily="34" charset="0"/>
-        <a:buChar char="–"/>
-        <a:defRPr sz="2800" kern="1200">
+      <a:lvl2pPr marL="457200" algn="l" rtl="0" eaLnBrk="1" latinLnBrk="0" hangingPunct="1">
+        <a:defRPr kumimoji="0" kern="1200">
           <a:solidFill>
             <a:schemeClr val="tx1"/>
           </a:solidFill>
@@ -2810,13 +3162,8 @@
           <a:cs typeface="+mn-cs"/>
         </a:defRPr>
       </a:lvl2pPr>
-      <a:lvl3pPr marL="1143000" indent="-228600" algn="l" defTabSz="914400" rtl="0" eaLnBrk="1" latinLnBrk="0" hangingPunct="1">
-        <a:spcBef>
-          <a:spcPct val="20000"/>
-        </a:spcBef>
-        <a:buFont typeface="Arial" pitchFamily="34" charset="0"/>
-        <a:buChar char="•"/>
-        <a:defRPr sz="2400" kern="1200">
+      <a:lvl3pPr marL="914400" algn="l" rtl="0" eaLnBrk="1" latinLnBrk="0" hangingPunct="1">
+        <a:defRPr kumimoji="0" kern="1200">
           <a:solidFill>
             <a:schemeClr val="tx1"/>
           </a:solidFill>
@@ -2825,13 +3172,8 @@
           <a:cs typeface="+mn-cs"/>
         </a:defRPr>
       </a:lvl3pPr>
-      <a:lvl4pPr marL="1600200" indent="-228600" algn="l" defTabSz="914400" rtl="0" eaLnBrk="1" latinLnBrk="0" hangingPunct="1">
-        <a:spcBef>
-          <a:spcPct val="20000"/>
-        </a:spcBef>
-        <a:buFont typeface="Arial" pitchFamily="34" charset="0"/>
-        <a:buChar char="–"/>
-        <a:defRPr sz="2000" kern="1200">
+      <a:lvl4pPr marL="1371600" algn="l" rtl="0" eaLnBrk="1" latinLnBrk="0" hangingPunct="1">
+        <a:defRPr kumimoji="0" kern="1200">
           <a:solidFill>
             <a:schemeClr val="tx1"/>
           </a:solidFill>
@@ -2840,13 +3182,8 @@
           <a:cs typeface="+mn-cs"/>
         </a:defRPr>
       </a:lvl4pPr>
-      <a:lvl5pPr marL="2057400" indent="-228600" algn="l" defTabSz="914400" rtl="0" eaLnBrk="1" latinLnBrk="0" hangingPunct="1">
-        <a:spcBef>
-          <a:spcPct val="20000"/>
-        </a:spcBef>
-        <a:buFont typeface="Arial" pitchFamily="34" charset="0"/>
-        <a:buChar char="»"/>
-        <a:defRPr sz="2000" kern="1200">
+      <a:lvl5pPr marL="1828800" algn="l" rtl="0" eaLnBrk="1" latinLnBrk="0" hangingPunct="1">
+        <a:defRPr kumimoji="0" kern="1200">
           <a:solidFill>
             <a:schemeClr val="tx1"/>
           </a:solidFill>
@@ -2855,13 +3192,8 @@
           <a:cs typeface="+mn-cs"/>
         </a:defRPr>
       </a:lvl5pPr>
-      <a:lvl6pPr marL="2514600" indent="-228600" algn="l" defTabSz="914400" rtl="0" eaLnBrk="1" latinLnBrk="0" hangingPunct="1">
-        <a:spcBef>
-          <a:spcPct val="20000"/>
-        </a:spcBef>
-        <a:buFont typeface="Arial" pitchFamily="34" charset="0"/>
-        <a:buChar char="•"/>
-        <a:defRPr sz="2000" kern="1200">
+      <a:lvl6pPr marL="2286000" algn="l" rtl="0" eaLnBrk="1" latinLnBrk="0" hangingPunct="1">
+        <a:defRPr kumimoji="0" kern="1200">
           <a:solidFill>
             <a:schemeClr val="tx1"/>
           </a:solidFill>
@@ -2870,13 +3202,8 @@
           <a:cs typeface="+mn-cs"/>
         </a:defRPr>
       </a:lvl6pPr>
-      <a:lvl7pPr marL="2971800" indent="-228600" algn="l" defTabSz="914400" rtl="0" eaLnBrk="1" latinLnBrk="0" hangingPunct="1">
-        <a:spcBef>
-          <a:spcPct val="20000"/>
-        </a:spcBef>
-        <a:buFont typeface="Arial" pitchFamily="34" charset="0"/>
-        <a:buChar char="•"/>
-        <a:defRPr sz="2000" kern="1200">
+      <a:lvl7pPr marL="2743200" algn="l" rtl="0" eaLnBrk="1" latinLnBrk="0" hangingPunct="1">
+        <a:defRPr kumimoji="0" kern="1200">
           <a:solidFill>
             <a:schemeClr val="tx1"/>
           </a:solidFill>
@@ -2885,13 +3212,8 @@
           <a:cs typeface="+mn-cs"/>
         </a:defRPr>
       </a:lvl7pPr>
-      <a:lvl8pPr marL="3429000" indent="-228600" algn="l" defTabSz="914400" rtl="0" eaLnBrk="1" latinLnBrk="0" hangingPunct="1">
-        <a:spcBef>
-          <a:spcPct val="20000"/>
-        </a:spcBef>
-        <a:buFont typeface="Arial" pitchFamily="34" charset="0"/>
-        <a:buChar char="•"/>
-        <a:defRPr sz="2000" kern="1200">
+      <a:lvl8pPr marL="3200400" algn="l" rtl="0" eaLnBrk="1" latinLnBrk="0" hangingPunct="1">
+        <a:defRPr kumimoji="0" kern="1200">
           <a:solidFill>
             <a:schemeClr val="tx1"/>
           </a:solidFill>
@@ -2900,108 +3222,8 @@
           <a:cs typeface="+mn-cs"/>
         </a:defRPr>
       </a:lvl8pPr>
-      <a:lvl9pPr marL="3886200" indent="-228600" algn="l" defTabSz="914400" rtl="0" eaLnBrk="1" latinLnBrk="0" hangingPunct="1">
-        <a:spcBef>
-          <a:spcPct val="20000"/>
-        </a:spcBef>
-        <a:buFont typeface="Arial" pitchFamily="34" charset="0"/>
-        <a:buChar char="•"/>
-        <a:defRPr sz="2000" kern="1200">
-          <a:solidFill>
-            <a:schemeClr val="tx1"/>
-          </a:solidFill>
-          <a:latin typeface="+mn-lt"/>
-          <a:ea typeface="+mn-ea"/>
-          <a:cs typeface="+mn-cs"/>
-        </a:defRPr>
-      </a:lvl9pPr>
-    </p:bodyStyle>
-    <p:otherStyle>
-      <a:defPPr>
-        <a:defRPr lang="es-ES"/>
-      </a:defPPr>
-      <a:lvl1pPr marL="0" algn="l" defTabSz="914400" rtl="0" eaLnBrk="1" latinLnBrk="0" hangingPunct="1">
-        <a:defRPr sz="1800" kern="1200">
-          <a:solidFill>
-            <a:schemeClr val="tx1"/>
-          </a:solidFill>
-          <a:latin typeface="+mn-lt"/>
-          <a:ea typeface="+mn-ea"/>
-          <a:cs typeface="+mn-cs"/>
-        </a:defRPr>
-      </a:lvl1pPr>
-      <a:lvl2pPr marL="457200" algn="l" defTabSz="914400" rtl="0" eaLnBrk="1" latinLnBrk="0" hangingPunct="1">
-        <a:defRPr sz="1800" kern="1200">
-          <a:solidFill>
-            <a:schemeClr val="tx1"/>
-          </a:solidFill>
-          <a:latin typeface="+mn-lt"/>
-          <a:ea typeface="+mn-ea"/>
-          <a:cs typeface="+mn-cs"/>
-        </a:defRPr>
-      </a:lvl2pPr>
-      <a:lvl3pPr marL="914400" algn="l" defTabSz="914400" rtl="0" eaLnBrk="1" latinLnBrk="0" hangingPunct="1">
-        <a:defRPr sz="1800" kern="1200">
-          <a:solidFill>
-            <a:schemeClr val="tx1"/>
-          </a:solidFill>
-          <a:latin typeface="+mn-lt"/>
-          <a:ea typeface="+mn-ea"/>
-          <a:cs typeface="+mn-cs"/>
-        </a:defRPr>
-      </a:lvl3pPr>
-      <a:lvl4pPr marL="1371600" algn="l" defTabSz="914400" rtl="0" eaLnBrk="1" latinLnBrk="0" hangingPunct="1">
-        <a:defRPr sz="1800" kern="1200">
-          <a:solidFill>
-            <a:schemeClr val="tx1"/>
-          </a:solidFill>
-          <a:latin typeface="+mn-lt"/>
-          <a:ea typeface="+mn-ea"/>
-          <a:cs typeface="+mn-cs"/>
-        </a:defRPr>
-      </a:lvl4pPr>
-      <a:lvl5pPr marL="1828800" algn="l" defTabSz="914400" rtl="0" eaLnBrk="1" latinLnBrk="0" hangingPunct="1">
-        <a:defRPr sz="1800" kern="1200">
-          <a:solidFill>
-            <a:schemeClr val="tx1"/>
-          </a:solidFill>
-          <a:latin typeface="+mn-lt"/>
-          <a:ea typeface="+mn-ea"/>
-          <a:cs typeface="+mn-cs"/>
-        </a:defRPr>
-      </a:lvl5pPr>
-      <a:lvl6pPr marL="2286000" algn="l" defTabSz="914400" rtl="0" eaLnBrk="1" latinLnBrk="0" hangingPunct="1">
-        <a:defRPr sz="1800" kern="1200">
-          <a:solidFill>
-            <a:schemeClr val="tx1"/>
-          </a:solidFill>
-          <a:latin typeface="+mn-lt"/>
-          <a:ea typeface="+mn-ea"/>
-          <a:cs typeface="+mn-cs"/>
-        </a:defRPr>
-      </a:lvl6pPr>
-      <a:lvl7pPr marL="2743200" algn="l" defTabSz="914400" rtl="0" eaLnBrk="1" latinLnBrk="0" hangingPunct="1">
-        <a:defRPr sz="1800" kern="1200">
-          <a:solidFill>
-            <a:schemeClr val="tx1"/>
-          </a:solidFill>
-          <a:latin typeface="+mn-lt"/>
-          <a:ea typeface="+mn-ea"/>
-          <a:cs typeface="+mn-cs"/>
-        </a:defRPr>
-      </a:lvl7pPr>
-      <a:lvl8pPr marL="3200400" algn="l" defTabSz="914400" rtl="0" eaLnBrk="1" latinLnBrk="0" hangingPunct="1">
-        <a:defRPr sz="1800" kern="1200">
-          <a:solidFill>
-            <a:schemeClr val="tx1"/>
-          </a:solidFill>
-          <a:latin typeface="+mn-lt"/>
-          <a:ea typeface="+mn-ea"/>
-          <a:cs typeface="+mn-cs"/>
-        </a:defRPr>
-      </a:lvl8pPr>
-      <a:lvl9pPr marL="3657600" algn="l" defTabSz="914400" rtl="0" eaLnBrk="1" latinLnBrk="0" hangingPunct="1">
-        <a:defRPr sz="1800" kern="1200">
+      <a:lvl9pPr marL="3657600" algn="l" rtl="0" eaLnBrk="1" latinLnBrk="0" hangingPunct="1">
+        <a:defRPr kumimoji="0" kern="1200">
           <a:solidFill>
             <a:schemeClr val="tx1"/>
           </a:solidFill>
@@ -3015,10 +3237,2596 @@
 </p:sldMaster>
 </file>
 
+<file path=ppt/slides/slide1.xml><?xml version="1.0" encoding="utf-8"?>
+<p:sld xmlns:a="http://schemas.openxmlformats.org/drawingml/2006/main" xmlns:r="http://schemas.openxmlformats.org/officeDocument/2006/relationships" xmlns:p="http://schemas.openxmlformats.org/presentationml/2006/main">
+  <p:cSld>
+    <p:spTree>
+      <p:nvGrpSpPr>
+        <p:cNvPr id="1" name=""/>
+        <p:cNvGrpSpPr/>
+        <p:nvPr/>
+      </p:nvGrpSpPr>
+      <p:grpSpPr>
+        <a:xfrm>
+          <a:off x="0" y="0"/>
+          <a:ext cx="0" cy="0"/>
+          <a:chOff x="0" y="0"/>
+          <a:chExt cx="0" cy="0"/>
+        </a:xfrm>
+      </p:grpSpPr>
+      <p:sp>
+        <p:nvSpPr>
+          <p:cNvPr id="2" name="1 Título"/>
+          <p:cNvSpPr>
+            <a:spLocks noGrp="1"/>
+          </p:cNvSpPr>
+          <p:nvPr>
+            <p:ph type="ctrTitle"/>
+          </p:nvPr>
+        </p:nvSpPr>
+        <p:spPr>
+          <a:xfrm>
+            <a:off x="755576" y="2636912"/>
+            <a:ext cx="7772400" cy="1470025"/>
+          </a:xfrm>
+        </p:spPr>
+        <p:txBody>
+          <a:bodyPr/>
+          <a:lstStyle/>
+          <a:p>
+            <a:r>
+              <a:rPr lang="en-US" dirty="0" err="1" smtClean="0"/>
+              <a:t>Cortafuegos</a:t>
+            </a:r>
+            <a:endParaRPr lang="es-ES" dirty="0"/>
+          </a:p>
+        </p:txBody>
+      </p:sp>
+    </p:spTree>
+    <p:extLst>
+      <p:ext uri="{BB962C8B-B14F-4D97-AF65-F5344CB8AC3E}">
+        <p14:creationId xmlns:p14="http://schemas.microsoft.com/office/powerpoint/2010/main" val="2536704617"/>
+      </p:ext>
+    </p:extLst>
+  </p:cSld>
+  <p:clrMapOvr>
+    <a:masterClrMapping/>
+  </p:clrMapOvr>
+</p:sld>
+</file>
+
+<file path=ppt/slides/slide10.xml><?xml version="1.0" encoding="utf-8"?>
+<p:sld xmlns:a="http://schemas.openxmlformats.org/drawingml/2006/main" xmlns:r="http://schemas.openxmlformats.org/officeDocument/2006/relationships" xmlns:p="http://schemas.openxmlformats.org/presentationml/2006/main">
+  <p:cSld>
+    <p:spTree>
+      <p:nvGrpSpPr>
+        <p:cNvPr id="1" name=""/>
+        <p:cNvGrpSpPr/>
+        <p:nvPr/>
+      </p:nvGrpSpPr>
+      <p:grpSpPr>
+        <a:xfrm>
+          <a:off x="0" y="0"/>
+          <a:ext cx="0" cy="0"/>
+          <a:chOff x="0" y="0"/>
+          <a:chExt cx="0" cy="0"/>
+        </a:xfrm>
+      </p:grpSpPr>
+      <p:sp>
+        <p:nvSpPr>
+          <p:cNvPr id="2" name="1 Título"/>
+          <p:cNvSpPr>
+            <a:spLocks noGrp="1"/>
+          </p:cNvSpPr>
+          <p:nvPr>
+            <p:ph type="title"/>
+          </p:nvPr>
+        </p:nvSpPr>
+        <p:spPr/>
+        <p:txBody>
+          <a:bodyPr>
+            <a:normAutofit/>
+          </a:bodyPr>
+          <a:lstStyle/>
+          <a:p>
+            <a:pPr algn="l"/>
+            <a:r>
+              <a:rPr lang="es-ES" b="1" dirty="0" smtClean="0"/>
+              <a:t>Dual </a:t>
+            </a:r>
+            <a:r>
+              <a:rPr lang="es-ES" b="1" dirty="0" err="1" smtClean="0"/>
+              <a:t>Homed</a:t>
+            </a:r>
+            <a:r>
+              <a:rPr lang="es-ES" b="1" dirty="0" smtClean="0"/>
+              <a:t> Host</a:t>
+            </a:r>
+            <a:endParaRPr lang="es-ES" dirty="0"/>
+          </a:p>
+        </p:txBody>
+      </p:sp>
+      <p:pic>
+        <p:nvPicPr>
+          <p:cNvPr id="4" name="3 Marcador de contenido"/>
+          <p:cNvPicPr>
+            <a:picLocks noGrp="1" noChangeAspect="1"/>
+          </p:cNvPicPr>
+          <p:nvPr>
+            <p:ph idx="1"/>
+          </p:nvPr>
+        </p:nvPicPr>
+        <p:blipFill>
+          <a:blip r:embed="rId2">
+            <a:extLst>
+              <a:ext uri="{28A0092B-C50C-407E-A947-70E740481C1C}">
+                <a14:useLocalDpi xmlns:a14="http://schemas.microsoft.com/office/drawing/2010/main" val="0"/>
+              </a:ext>
+            </a:extLst>
+          </a:blip>
+          <a:stretch>
+            <a:fillRect/>
+          </a:stretch>
+        </p:blipFill>
+        <p:spPr>
+          <a:xfrm>
+            <a:off x="5364088" y="1844824"/>
+            <a:ext cx="3629422" cy="3478138"/>
+          </a:xfrm>
+        </p:spPr>
+      </p:pic>
+      <p:sp>
+        <p:nvSpPr>
+          <p:cNvPr id="6" name="5 CuadroTexto"/>
+          <p:cNvSpPr txBox="1"/>
+          <p:nvPr/>
+        </p:nvSpPr>
+        <p:spPr>
+          <a:xfrm>
+            <a:off x="29118" y="1556792"/>
+            <a:ext cx="5184576" cy="4893647"/>
+          </a:xfrm>
+          <a:prstGeom prst="rect">
+            <a:avLst/>
+          </a:prstGeom>
+          <a:noFill/>
+        </p:spPr>
+        <p:txBody>
+          <a:bodyPr wrap="square" rtlCol="0">
+            <a:spAutoFit/>
+          </a:bodyPr>
+          <a:lstStyle/>
+          <a:p>
+            <a:pPr marL="342900" indent="-342900">
+              <a:buFont typeface="Arial" pitchFamily="34" charset="0"/>
+              <a:buChar char="•"/>
+            </a:pPr>
+            <a:r>
+              <a:rPr lang="es-ES" sz="2400" dirty="0"/>
+              <a:t>Son dispositivos que están conectados a ambos </a:t>
+            </a:r>
+            <a:r>
+              <a:rPr lang="es-ES" sz="2400" dirty="0" smtClean="0"/>
+              <a:t>perímetros </a:t>
+            </a:r>
+            <a:r>
+              <a:rPr lang="es-ES" sz="2400" dirty="0"/>
+              <a:t>y no dejan pasar paquetes </a:t>
+            </a:r>
+            <a:r>
+              <a:rPr lang="es-ES" sz="2400" dirty="0" smtClean="0"/>
+              <a:t>IP.</a:t>
+            </a:r>
+          </a:p>
+          <a:p>
+            <a:pPr marL="342900" indent="-342900">
+              <a:buFont typeface="Arial" pitchFamily="34" charset="0"/>
+              <a:buChar char="•"/>
+            </a:pPr>
+            <a:r>
+              <a:rPr lang="es-ES" sz="2400" dirty="0" smtClean="0"/>
+              <a:t>Un </a:t>
+            </a:r>
+            <a:r>
+              <a:rPr lang="es-ES" sz="2400" dirty="0"/>
+              <a:t>usuario interior que desee hacer uso de un servicio exterior, deberá conectarse primero al </a:t>
+            </a:r>
+            <a:r>
+              <a:rPr lang="es-ES" sz="2400" dirty="0" smtClean="0"/>
+              <a:t>Firewall, donde </a:t>
+            </a:r>
+            <a:r>
+              <a:rPr lang="es-ES" sz="2400" dirty="0"/>
+              <a:t>el Proxy atenderá su petición, y en función de la configuración impuesta en dicho Firewall, </a:t>
+            </a:r>
+            <a:r>
+              <a:rPr lang="es-ES" sz="2400" dirty="0" smtClean="0"/>
+              <a:t>se conectará </a:t>
+            </a:r>
+            <a:r>
+              <a:rPr lang="es-ES" sz="2400" dirty="0"/>
+              <a:t>al servicio exterior solicitado y hará de puente entre este y el usuario interior</a:t>
+            </a:r>
+            <a:r>
+              <a:rPr lang="es-ES" sz="2400" dirty="0" smtClean="0"/>
+              <a:t>.</a:t>
+            </a:r>
+          </a:p>
+          <a:p>
+            <a:endParaRPr lang="es-ES" sz="2400" dirty="0"/>
+          </a:p>
+        </p:txBody>
+      </p:sp>
+    </p:spTree>
+    <p:extLst>
+      <p:ext uri="{BB962C8B-B14F-4D97-AF65-F5344CB8AC3E}">
+        <p14:creationId xmlns:p14="http://schemas.microsoft.com/office/powerpoint/2010/main" val="3104592419"/>
+      </p:ext>
+    </p:extLst>
+  </p:cSld>
+  <p:clrMapOvr>
+    <a:masterClrMapping/>
+  </p:clrMapOvr>
+</p:sld>
+</file>
+
+<file path=ppt/slides/slide11.xml><?xml version="1.0" encoding="utf-8"?>
+<p:sld xmlns:a="http://schemas.openxmlformats.org/drawingml/2006/main" xmlns:r="http://schemas.openxmlformats.org/officeDocument/2006/relationships" xmlns:p="http://schemas.openxmlformats.org/presentationml/2006/main">
+  <p:cSld>
+    <p:spTree>
+      <p:nvGrpSpPr>
+        <p:cNvPr id="1" name=""/>
+        <p:cNvGrpSpPr/>
+        <p:nvPr/>
+      </p:nvGrpSpPr>
+      <p:grpSpPr>
+        <a:xfrm>
+          <a:off x="0" y="0"/>
+          <a:ext cx="0" cy="0"/>
+          <a:chOff x="0" y="0"/>
+          <a:chExt cx="0" cy="0"/>
+        </a:xfrm>
+      </p:grpSpPr>
+      <p:sp>
+        <p:nvSpPr>
+          <p:cNvPr id="2" name="1 Título"/>
+          <p:cNvSpPr>
+            <a:spLocks noGrp="1"/>
+          </p:cNvSpPr>
+          <p:nvPr>
+            <p:ph type="title"/>
+          </p:nvPr>
+        </p:nvSpPr>
+        <p:spPr/>
+        <p:txBody>
+          <a:bodyPr>
+            <a:normAutofit/>
+          </a:bodyPr>
+          <a:lstStyle/>
+          <a:p>
+            <a:pPr algn="l"/>
+            <a:r>
+              <a:rPr lang="es-ES" b="1" dirty="0" err="1" smtClean="0"/>
+              <a:t>Screened</a:t>
+            </a:r>
+            <a:r>
+              <a:rPr lang="es-ES" b="1" dirty="0"/>
+              <a:t> </a:t>
+            </a:r>
+            <a:r>
+              <a:rPr lang="es-ES" b="1" dirty="0" smtClean="0"/>
+              <a:t>Host</a:t>
+            </a:r>
+            <a:endParaRPr lang="es-ES" dirty="0"/>
+          </a:p>
+        </p:txBody>
+      </p:sp>
+      <p:pic>
+        <p:nvPicPr>
+          <p:cNvPr id="4" name="3 Marcador de contenido"/>
+          <p:cNvPicPr>
+            <a:picLocks noGrp="1" noChangeAspect="1"/>
+          </p:cNvPicPr>
+          <p:nvPr>
+            <p:ph idx="1"/>
+          </p:nvPr>
+        </p:nvPicPr>
+        <p:blipFill>
+          <a:blip r:embed="rId2">
+            <a:extLst>
+              <a:ext uri="{28A0092B-C50C-407E-A947-70E740481C1C}">
+                <a14:useLocalDpi xmlns:a14="http://schemas.microsoft.com/office/drawing/2010/main" val="0"/>
+              </a:ext>
+            </a:extLst>
+          </a:blip>
+          <a:stretch>
+            <a:fillRect/>
+          </a:stretch>
+        </p:blipFill>
+        <p:spPr>
+          <a:xfrm>
+            <a:off x="5724128" y="1268760"/>
+            <a:ext cx="3228231" cy="4248472"/>
+          </a:xfrm>
+        </p:spPr>
+      </p:pic>
+      <p:sp>
+        <p:nvSpPr>
+          <p:cNvPr id="5" name="4 CuadroTexto"/>
+          <p:cNvSpPr txBox="1"/>
+          <p:nvPr/>
+        </p:nvSpPr>
+        <p:spPr>
+          <a:xfrm>
+            <a:off x="323528" y="1628800"/>
+            <a:ext cx="5400600" cy="3416320"/>
+          </a:xfrm>
+          <a:prstGeom prst="rect">
+            <a:avLst/>
+          </a:prstGeom>
+          <a:noFill/>
+        </p:spPr>
+        <p:txBody>
+          <a:bodyPr wrap="square" rtlCol="0">
+            <a:spAutoFit/>
+          </a:bodyPr>
+          <a:lstStyle/>
+          <a:p>
+            <a:pPr marL="342900" indent="-342900">
+              <a:buFont typeface="Arial" pitchFamily="34" charset="0"/>
+              <a:buChar char="•"/>
+            </a:pPr>
+            <a:r>
+              <a:rPr lang="es-ES" sz="2400" dirty="0" smtClean="0"/>
+              <a:t>Se </a:t>
+            </a:r>
+            <a:r>
+              <a:rPr lang="es-ES" sz="2400" dirty="0"/>
+              <a:t>combina un </a:t>
+            </a:r>
+            <a:r>
+              <a:rPr lang="es-ES" sz="2400" dirty="0" err="1"/>
+              <a:t>Router</a:t>
+            </a:r>
+            <a:r>
+              <a:rPr lang="es-ES" sz="2400" dirty="0"/>
+              <a:t> con un host bastión y el principal nivel de seguridad proviene </a:t>
+            </a:r>
+            <a:r>
+              <a:rPr lang="es-ES" sz="2400" dirty="0" smtClean="0"/>
+              <a:t>del filtrado </a:t>
+            </a:r>
+            <a:r>
+              <a:rPr lang="es-ES" sz="2400" dirty="0"/>
+              <a:t>de </a:t>
+            </a:r>
+            <a:r>
+              <a:rPr lang="es-ES" sz="2400" dirty="0" smtClean="0"/>
+              <a:t>paquetes</a:t>
+            </a:r>
+          </a:p>
+          <a:p>
+            <a:pPr marL="342900" indent="-342900">
+              <a:buFont typeface="Arial" pitchFamily="34" charset="0"/>
+              <a:buChar char="•"/>
+            </a:pPr>
+            <a:r>
+              <a:rPr lang="es-ES" sz="2400" dirty="0" smtClean="0"/>
+              <a:t>En </a:t>
+            </a:r>
+            <a:r>
+              <a:rPr lang="es-ES" sz="2400" dirty="0"/>
+              <a:t>el bastión, el único sistema accesible desde el exterior, se ejecuta el Proxy </a:t>
+            </a:r>
+            <a:r>
+              <a:rPr lang="es-ES" sz="2400" dirty="0" smtClean="0"/>
+              <a:t>de aplicaciones </a:t>
+            </a:r>
+            <a:r>
+              <a:rPr lang="es-ES" sz="2400" dirty="0"/>
+              <a:t>y en el </a:t>
+            </a:r>
+            <a:r>
+              <a:rPr lang="es-ES" sz="2400" dirty="0" err="1"/>
+              <a:t>Choke</a:t>
+            </a:r>
+            <a:r>
+              <a:rPr lang="es-ES" sz="2400" dirty="0"/>
+              <a:t> se filtran los paquetes considerados peligrosos y </a:t>
+            </a:r>
+            <a:r>
+              <a:rPr lang="es-ES" sz="2400" dirty="0" smtClean="0"/>
+              <a:t>sólo se </a:t>
+            </a:r>
+            <a:r>
+              <a:rPr lang="es-ES" sz="2400" dirty="0"/>
+              <a:t>permiten un </a:t>
+            </a:r>
+            <a:r>
+              <a:rPr lang="es-ES" sz="2400" dirty="0" smtClean="0"/>
+              <a:t>número reducido </a:t>
+            </a:r>
+            <a:r>
+              <a:rPr lang="es-ES" sz="2400" dirty="0"/>
+              <a:t>de servicios.</a:t>
+            </a:r>
+            <a:endParaRPr lang="es-ES" sz="2400" dirty="0" smtClean="0"/>
+          </a:p>
+        </p:txBody>
+      </p:sp>
+    </p:spTree>
+    <p:extLst>
+      <p:ext uri="{BB962C8B-B14F-4D97-AF65-F5344CB8AC3E}">
+        <p14:creationId xmlns:p14="http://schemas.microsoft.com/office/powerpoint/2010/main" val="448426193"/>
+      </p:ext>
+    </p:extLst>
+  </p:cSld>
+  <p:clrMapOvr>
+    <a:masterClrMapping/>
+  </p:clrMapOvr>
+</p:sld>
+</file>
+
+<file path=ppt/slides/slide12.xml><?xml version="1.0" encoding="utf-8"?>
+<p:sld xmlns:a="http://schemas.openxmlformats.org/drawingml/2006/main" xmlns:r="http://schemas.openxmlformats.org/officeDocument/2006/relationships" xmlns:p="http://schemas.openxmlformats.org/presentationml/2006/main">
+  <p:cSld>
+    <p:spTree>
+      <p:nvGrpSpPr>
+        <p:cNvPr id="1" name=""/>
+        <p:cNvGrpSpPr/>
+        <p:nvPr/>
+      </p:nvGrpSpPr>
+      <p:grpSpPr>
+        <a:xfrm>
+          <a:off x="0" y="0"/>
+          <a:ext cx="0" cy="0"/>
+          <a:chOff x="0" y="0"/>
+          <a:chExt cx="0" cy="0"/>
+        </a:xfrm>
+      </p:grpSpPr>
+      <p:sp>
+        <p:nvSpPr>
+          <p:cNvPr id="2" name="1 Título"/>
+          <p:cNvSpPr>
+            <a:spLocks noGrp="1"/>
+          </p:cNvSpPr>
+          <p:nvPr>
+            <p:ph type="title"/>
+          </p:nvPr>
+        </p:nvSpPr>
+        <p:spPr>
+          <a:xfrm>
+            <a:off x="457200" y="125760"/>
+            <a:ext cx="8229600" cy="1143000"/>
+          </a:xfrm>
+        </p:spPr>
+        <p:txBody>
+          <a:bodyPr>
+            <a:normAutofit/>
+          </a:bodyPr>
+          <a:lstStyle/>
+          <a:p>
+            <a:pPr algn="l"/>
+            <a:r>
+              <a:rPr lang="es-ES" b="1" dirty="0" err="1" smtClean="0"/>
+              <a:t>Screened</a:t>
+            </a:r>
+            <a:r>
+              <a:rPr lang="es-ES" b="1" dirty="0"/>
+              <a:t> </a:t>
+            </a:r>
+            <a:r>
+              <a:rPr lang="es-ES" b="1" dirty="0" err="1" smtClean="0"/>
+              <a:t>Subnet</a:t>
+            </a:r>
+            <a:endParaRPr lang="es-ES" dirty="0"/>
+          </a:p>
+        </p:txBody>
+      </p:sp>
+      <p:pic>
+        <p:nvPicPr>
+          <p:cNvPr id="4" name="3 Marcador de contenido"/>
+          <p:cNvPicPr>
+            <a:picLocks noGrp="1" noChangeAspect="1"/>
+          </p:cNvPicPr>
+          <p:nvPr>
+            <p:ph idx="1"/>
+          </p:nvPr>
+        </p:nvPicPr>
+        <p:blipFill>
+          <a:blip r:embed="rId2">
+            <a:extLst>
+              <a:ext uri="{28A0092B-C50C-407E-A947-70E740481C1C}">
+                <a14:useLocalDpi xmlns:a14="http://schemas.microsoft.com/office/drawing/2010/main" val="0"/>
+              </a:ext>
+            </a:extLst>
+          </a:blip>
+          <a:stretch>
+            <a:fillRect/>
+          </a:stretch>
+        </p:blipFill>
+        <p:spPr>
+          <a:xfrm>
+            <a:off x="755576" y="4365104"/>
+            <a:ext cx="7488832" cy="2376264"/>
+          </a:xfrm>
+        </p:spPr>
+      </p:pic>
+      <p:sp>
+        <p:nvSpPr>
+          <p:cNvPr id="5" name="4 CuadroTexto"/>
+          <p:cNvSpPr txBox="1"/>
+          <p:nvPr/>
+        </p:nvSpPr>
+        <p:spPr>
+          <a:xfrm>
+            <a:off x="251520" y="1196752"/>
+            <a:ext cx="8712968" cy="3046988"/>
+          </a:xfrm>
+          <a:prstGeom prst="rect">
+            <a:avLst/>
+          </a:prstGeom>
+          <a:noFill/>
+        </p:spPr>
+        <p:txBody>
+          <a:bodyPr wrap="square" rtlCol="0">
+            <a:spAutoFit/>
+          </a:bodyPr>
+          <a:lstStyle/>
+          <a:p>
+            <a:pPr marL="342900" indent="-342900">
+              <a:buFont typeface="Arial" pitchFamily="34" charset="0"/>
+              <a:buChar char="•"/>
+            </a:pPr>
+            <a:r>
+              <a:rPr lang="es-ES" sz="2400" dirty="0" err="1" smtClean="0"/>
+              <a:t>Aisla</a:t>
+            </a:r>
+            <a:r>
+              <a:rPr lang="es-ES" sz="2400" dirty="0" smtClean="0"/>
+              <a:t> </a:t>
+            </a:r>
+            <a:r>
+              <a:rPr lang="es-ES" sz="2400" dirty="0"/>
+              <a:t>la máquina más atacada y vulnerable del </a:t>
+            </a:r>
+            <a:r>
+              <a:rPr lang="es-ES" sz="2400" dirty="0" smtClean="0"/>
+              <a:t>Firewall.</a:t>
+            </a:r>
+          </a:p>
+          <a:p>
+            <a:pPr marL="342900" indent="-342900">
+              <a:buFont typeface="Arial" pitchFamily="34" charset="0"/>
+              <a:buChar char="•"/>
+            </a:pPr>
+            <a:r>
+              <a:rPr lang="es-ES" sz="2400" dirty="0" smtClean="0"/>
+              <a:t>Si </a:t>
+            </a:r>
+            <a:r>
+              <a:rPr lang="es-ES" sz="2400" dirty="0"/>
+              <a:t>un intruso accede a esta máquina </a:t>
+            </a:r>
+            <a:r>
+              <a:rPr lang="es-ES" sz="2400" dirty="0" smtClean="0"/>
+              <a:t>no consiga </a:t>
+            </a:r>
+            <a:r>
+              <a:rPr lang="es-ES" sz="2400" dirty="0"/>
+              <a:t>el acceso total a la subred protegida</a:t>
+            </a:r>
+            <a:r>
+              <a:rPr lang="es-ES" sz="2400" dirty="0" smtClean="0"/>
+              <a:t>.</a:t>
+            </a:r>
+          </a:p>
+          <a:p>
+            <a:pPr marL="342900" indent="-342900">
+              <a:buFont typeface="Arial" pitchFamily="34" charset="0"/>
+              <a:buChar char="•"/>
+            </a:pPr>
+            <a:r>
+              <a:rPr lang="es-ES" sz="2400" dirty="0" smtClean="0"/>
+              <a:t>Se </a:t>
+            </a:r>
+            <a:r>
+              <a:rPr lang="es-ES" sz="2400" dirty="0"/>
+              <a:t>utilizan dos </a:t>
+            </a:r>
+            <a:r>
+              <a:rPr lang="es-ES" sz="2400" dirty="0" err="1" smtClean="0"/>
+              <a:t>Routers</a:t>
+            </a:r>
+            <a:r>
+              <a:rPr lang="es-ES" sz="2400" dirty="0" smtClean="0"/>
+              <a:t>, </a:t>
+            </a:r>
+            <a:r>
+              <a:rPr lang="es-ES" sz="2400" dirty="0"/>
+              <a:t>uno exterior y otro </a:t>
+            </a:r>
+            <a:r>
+              <a:rPr lang="es-ES" sz="2400" dirty="0" smtClean="0"/>
+              <a:t>interior.</a:t>
+            </a:r>
+          </a:p>
+          <a:p>
+            <a:pPr marL="342900" indent="-342900">
+              <a:buFont typeface="Arial" pitchFamily="34" charset="0"/>
+              <a:buChar char="•"/>
+            </a:pPr>
+            <a:r>
+              <a:rPr lang="es-ES" sz="2400" dirty="0" smtClean="0"/>
+              <a:t>El </a:t>
+            </a:r>
+            <a:r>
+              <a:rPr lang="es-ES" sz="2400" dirty="0" err="1"/>
+              <a:t>Router</a:t>
+            </a:r>
+            <a:r>
+              <a:rPr lang="es-ES" sz="2400" dirty="0"/>
+              <a:t> exterior tiene la misión </a:t>
+            </a:r>
+            <a:r>
+              <a:rPr lang="es-ES" sz="2400" dirty="0" smtClean="0"/>
+              <a:t>de bloquear </a:t>
+            </a:r>
+            <a:r>
+              <a:rPr lang="es-ES" sz="2400" dirty="0"/>
+              <a:t>el tráfico no deseado en ambos sentidos: hacia la red interna y hacia la red </a:t>
+            </a:r>
+            <a:r>
+              <a:rPr lang="es-ES" sz="2400" dirty="0" smtClean="0"/>
+              <a:t>externa.</a:t>
+            </a:r>
+          </a:p>
+          <a:p>
+            <a:pPr marL="342900" indent="-342900">
+              <a:buFont typeface="Arial" pitchFamily="34" charset="0"/>
+              <a:buChar char="•"/>
+            </a:pPr>
+            <a:r>
+              <a:rPr lang="es-ES" sz="2400" dirty="0" smtClean="0"/>
+              <a:t>El </a:t>
+            </a:r>
+            <a:r>
+              <a:rPr lang="es-ES" sz="2400" dirty="0" err="1" smtClean="0"/>
+              <a:t>Router</a:t>
+            </a:r>
+            <a:r>
+              <a:rPr lang="es-ES" sz="2400" dirty="0"/>
+              <a:t> </a:t>
+            </a:r>
+            <a:r>
+              <a:rPr lang="es-ES" sz="2400" dirty="0" smtClean="0"/>
+              <a:t>interior </a:t>
+            </a:r>
+            <a:r>
+              <a:rPr lang="es-ES" sz="2400" dirty="0"/>
+              <a:t>hace lo mismo con la red interna y la DMZ</a:t>
+            </a:r>
+            <a:endParaRPr lang="es-ES" sz="2400" dirty="0"/>
+          </a:p>
+        </p:txBody>
+      </p:sp>
+    </p:spTree>
+    <p:extLst>
+      <p:ext uri="{BB962C8B-B14F-4D97-AF65-F5344CB8AC3E}">
+        <p14:creationId xmlns:p14="http://schemas.microsoft.com/office/powerpoint/2010/main" val="1857316820"/>
+      </p:ext>
+    </p:extLst>
+  </p:cSld>
+  <p:clrMapOvr>
+    <a:masterClrMapping/>
+  </p:clrMapOvr>
+</p:sld>
+</file>
+
+<file path=ppt/slides/slide13.xml><?xml version="1.0" encoding="utf-8"?>
+<p:sld xmlns:a="http://schemas.openxmlformats.org/drawingml/2006/main" xmlns:r="http://schemas.openxmlformats.org/officeDocument/2006/relationships" xmlns:p="http://schemas.openxmlformats.org/presentationml/2006/main">
+  <p:cSld>
+    <p:spTree>
+      <p:nvGrpSpPr>
+        <p:cNvPr id="1" name=""/>
+        <p:cNvGrpSpPr/>
+        <p:nvPr/>
+      </p:nvGrpSpPr>
+      <p:grpSpPr>
+        <a:xfrm>
+          <a:off x="0" y="0"/>
+          <a:ext cx="0" cy="0"/>
+          <a:chOff x="0" y="0"/>
+          <a:chExt cx="0" cy="0"/>
+        </a:xfrm>
+      </p:grpSpPr>
+      <p:sp>
+        <p:nvSpPr>
+          <p:cNvPr id="2" name="1 Título"/>
+          <p:cNvSpPr>
+            <a:spLocks noGrp="1"/>
+          </p:cNvSpPr>
+          <p:nvPr>
+            <p:ph type="title"/>
+          </p:nvPr>
+        </p:nvSpPr>
+        <p:spPr/>
+        <p:txBody>
+          <a:bodyPr/>
+          <a:lstStyle/>
+          <a:p>
+            <a:r>
+              <a:rPr lang="es-ES" b="1" dirty="0"/>
+              <a:t>Restricciones en el Firewall</a:t>
+            </a:r>
+            <a:endParaRPr lang="es-ES" dirty="0"/>
+          </a:p>
+        </p:txBody>
+      </p:sp>
+      <p:sp>
+        <p:nvSpPr>
+          <p:cNvPr id="3" name="2 Marcador de contenido"/>
+          <p:cNvSpPr>
+            <a:spLocks noGrp="1"/>
+          </p:cNvSpPr>
+          <p:nvPr>
+            <p:ph idx="1"/>
+          </p:nvPr>
+        </p:nvSpPr>
+        <p:spPr>
+          <a:xfrm>
+            <a:off x="457200" y="1600200"/>
+            <a:ext cx="5194920" cy="4925144"/>
+          </a:xfrm>
+        </p:spPr>
+        <p:txBody>
+          <a:bodyPr>
+            <a:normAutofit/>
+          </a:bodyPr>
+          <a:lstStyle/>
+          <a:p>
+            <a:r>
+              <a:rPr lang="es-ES" sz="2400" dirty="0"/>
+              <a:t>Usuarios internos con permiso de salida para servicios </a:t>
+            </a:r>
+            <a:r>
+              <a:rPr lang="es-ES" sz="2400" dirty="0" smtClean="0"/>
+              <a:t>restringidos, </a:t>
+            </a:r>
+            <a:r>
+              <a:rPr lang="es-ES" sz="2400" dirty="0"/>
+              <a:t>e</a:t>
+            </a:r>
+            <a:r>
+              <a:rPr lang="es-ES" sz="2400" dirty="0" smtClean="0"/>
+              <a:t>stos </a:t>
+            </a:r>
+            <a:r>
+              <a:rPr lang="es-ES" sz="2400" dirty="0"/>
+              <a:t>usuarios, cuando provengan </a:t>
+            </a:r>
+            <a:r>
+              <a:rPr lang="es-ES" sz="2400" dirty="0" smtClean="0"/>
+              <a:t>del interior</a:t>
+            </a:r>
+            <a:r>
+              <a:rPr lang="es-ES" sz="2400" dirty="0"/>
+              <a:t>, van a poder acceder a determinados servicios externos que se han </a:t>
+            </a:r>
+            <a:r>
+              <a:rPr lang="es-ES" sz="2400" dirty="0" smtClean="0"/>
+              <a:t>definido.</a:t>
+            </a:r>
+          </a:p>
+          <a:p>
+            <a:r>
+              <a:rPr lang="es-ES" sz="2400" dirty="0"/>
+              <a:t>Usuarios externos con permiso de entrada desde el </a:t>
+            </a:r>
+            <a:r>
+              <a:rPr lang="es-ES" sz="2400" dirty="0" smtClean="0"/>
+              <a:t>exterior, </a:t>
+            </a:r>
+            <a:r>
+              <a:rPr lang="es-ES" sz="2400" dirty="0"/>
+              <a:t>usuarios externos que por algún motivo deben acceder para </a:t>
+            </a:r>
+            <a:r>
+              <a:rPr lang="es-ES" sz="2400" dirty="0" smtClean="0"/>
+              <a:t>consultar servicios </a:t>
+            </a:r>
+            <a:r>
+              <a:rPr lang="es-ES" sz="2400" dirty="0"/>
+              <a:t>de la red </a:t>
+            </a:r>
+            <a:r>
+              <a:rPr lang="es-ES" sz="2400" dirty="0" smtClean="0"/>
+              <a:t>interna.</a:t>
+            </a:r>
+            <a:endParaRPr lang="es-ES" sz="2400" dirty="0"/>
+          </a:p>
+        </p:txBody>
+      </p:sp>
+      <p:pic>
+        <p:nvPicPr>
+          <p:cNvPr id="4" name="3 Imagen"/>
+          <p:cNvPicPr>
+            <a:picLocks noChangeAspect="1"/>
+          </p:cNvPicPr>
+          <p:nvPr/>
+        </p:nvPicPr>
+        <p:blipFill>
+          <a:blip r:embed="rId2">
+            <a:extLst>
+              <a:ext uri="{28A0092B-C50C-407E-A947-70E740481C1C}">
+                <a14:useLocalDpi xmlns:a14="http://schemas.microsoft.com/office/drawing/2010/main" val="0"/>
+              </a:ext>
+            </a:extLst>
+          </a:blip>
+          <a:stretch>
+            <a:fillRect/>
+          </a:stretch>
+        </p:blipFill>
+        <p:spPr>
+          <a:xfrm>
+            <a:off x="5580112" y="2132856"/>
+            <a:ext cx="3278138" cy="3600400"/>
+          </a:xfrm>
+          <a:prstGeom prst="rect">
+            <a:avLst/>
+          </a:prstGeom>
+        </p:spPr>
+      </p:pic>
+    </p:spTree>
+    <p:extLst>
+      <p:ext uri="{BB962C8B-B14F-4D97-AF65-F5344CB8AC3E}">
+        <p14:creationId xmlns:p14="http://schemas.microsoft.com/office/powerpoint/2010/main" val="2494727996"/>
+      </p:ext>
+    </p:extLst>
+  </p:cSld>
+  <p:clrMapOvr>
+    <a:masterClrMapping/>
+  </p:clrMapOvr>
+</p:sld>
+</file>
+
+<file path=ppt/slides/slide14.xml><?xml version="1.0" encoding="utf-8"?>
+<p:sld xmlns:a="http://schemas.openxmlformats.org/drawingml/2006/main" xmlns:r="http://schemas.openxmlformats.org/officeDocument/2006/relationships" xmlns:p="http://schemas.openxmlformats.org/presentationml/2006/main">
+  <p:cSld>
+    <p:spTree>
+      <p:nvGrpSpPr>
+        <p:cNvPr id="1" name=""/>
+        <p:cNvGrpSpPr/>
+        <p:nvPr/>
+      </p:nvGrpSpPr>
+      <p:grpSpPr>
+        <a:xfrm>
+          <a:off x="0" y="0"/>
+          <a:ext cx="0" cy="0"/>
+          <a:chOff x="0" y="0"/>
+          <a:chExt cx="0" cy="0"/>
+        </a:xfrm>
+      </p:grpSpPr>
+      <p:sp>
+        <p:nvSpPr>
+          <p:cNvPr id="2" name="1 Título"/>
+          <p:cNvSpPr>
+            <a:spLocks noGrp="1"/>
+          </p:cNvSpPr>
+          <p:nvPr>
+            <p:ph type="title"/>
+          </p:nvPr>
+        </p:nvSpPr>
+        <p:spPr>
+          <a:xfrm>
+            <a:off x="446856" y="130622"/>
+            <a:ext cx="8229600" cy="850106"/>
+          </a:xfrm>
+        </p:spPr>
+        <p:txBody>
+          <a:bodyPr/>
+          <a:lstStyle/>
+          <a:p>
+            <a:r>
+              <a:rPr lang="es-ES" b="1" dirty="0"/>
+              <a:t>Beneficios de un Firewall</a:t>
+            </a:r>
+            <a:endParaRPr lang="es-ES" dirty="0"/>
+          </a:p>
+        </p:txBody>
+      </p:sp>
+      <p:sp>
+        <p:nvSpPr>
+          <p:cNvPr id="3" name="2 Marcador de contenido"/>
+          <p:cNvSpPr>
+            <a:spLocks noGrp="1"/>
+          </p:cNvSpPr>
+          <p:nvPr>
+            <p:ph idx="1"/>
+          </p:nvPr>
+        </p:nvSpPr>
+        <p:spPr>
+          <a:xfrm>
+            <a:off x="457200" y="1124744"/>
+            <a:ext cx="8229600" cy="5472608"/>
+          </a:xfrm>
+        </p:spPr>
+        <p:txBody>
+          <a:bodyPr>
+            <a:normAutofit fontScale="85000" lnSpcReduction="10000"/>
+          </a:bodyPr>
+          <a:lstStyle/>
+          <a:p>
+            <a:r>
+              <a:rPr lang="es-ES" dirty="0"/>
+              <a:t>Los Firewalls manejan el acceso entre dos redes, y si no existiera, todos </a:t>
+            </a:r>
+            <a:r>
+              <a:rPr lang="es-ES" dirty="0" smtClean="0"/>
+              <a:t>las computadoras </a:t>
+            </a:r>
+            <a:r>
+              <a:rPr lang="es-ES" dirty="0"/>
+              <a:t>de la red </a:t>
+            </a:r>
+            <a:r>
+              <a:rPr lang="es-ES" dirty="0" smtClean="0"/>
+              <a:t>estarían expuestos </a:t>
+            </a:r>
+            <a:r>
+              <a:rPr lang="es-ES" dirty="0"/>
+              <a:t>a ataques desde el exterior</a:t>
+            </a:r>
+            <a:r>
+              <a:rPr lang="es-ES" dirty="0" smtClean="0"/>
+              <a:t>.</a:t>
+            </a:r>
+          </a:p>
+          <a:p>
+            <a:r>
+              <a:rPr lang="es-ES" dirty="0"/>
+              <a:t>El Firewall es el punto ideal para monitorear la seguridad de la red y generar alarmas de intentos de </a:t>
+            </a:r>
+            <a:r>
+              <a:rPr lang="es-ES" dirty="0" smtClean="0"/>
+              <a:t>ataque, el </a:t>
+            </a:r>
+            <a:r>
+              <a:rPr lang="es-ES" dirty="0"/>
+              <a:t>administrador será el responsable de la revisión de estos </a:t>
+            </a:r>
+            <a:r>
+              <a:rPr lang="es-ES" dirty="0" err="1" smtClean="0"/>
+              <a:t>monitoreos</a:t>
+            </a:r>
+            <a:r>
+              <a:rPr lang="es-ES" dirty="0" smtClean="0"/>
+              <a:t>.</a:t>
+            </a:r>
+          </a:p>
+          <a:p>
+            <a:r>
+              <a:rPr lang="es-ES" dirty="0" smtClean="0"/>
+              <a:t>Llevar </a:t>
+            </a:r>
+            <a:r>
+              <a:rPr lang="es-ES" dirty="0"/>
+              <a:t>las estadísticas del ancho de </a:t>
+            </a:r>
+            <a:r>
+              <a:rPr lang="es-ES" dirty="0" smtClean="0"/>
+              <a:t>banda "consumido</a:t>
+            </a:r>
+            <a:r>
+              <a:rPr lang="es-ES" dirty="0"/>
+              <a:t>" por el trafico de la red, y que procesos han influido más en ese trafico, de esta manera </a:t>
+            </a:r>
+            <a:r>
+              <a:rPr lang="es-ES" dirty="0" smtClean="0"/>
+              <a:t>el administrador </a:t>
+            </a:r>
+            <a:r>
+              <a:rPr lang="es-ES" dirty="0"/>
+              <a:t>de la red puede restringir el uso de estos procesos y economizar o aprovechar mejor el </a:t>
+            </a:r>
+            <a:r>
+              <a:rPr lang="es-ES" dirty="0" smtClean="0"/>
+              <a:t>ancho de </a:t>
+            </a:r>
+            <a:r>
+              <a:rPr lang="es-ES" dirty="0"/>
+              <a:t>banda disponible.</a:t>
+            </a:r>
+            <a:endParaRPr lang="es-ES" dirty="0"/>
+          </a:p>
+        </p:txBody>
+      </p:sp>
+    </p:spTree>
+    <p:extLst>
+      <p:ext uri="{BB962C8B-B14F-4D97-AF65-F5344CB8AC3E}">
+        <p14:creationId xmlns:p14="http://schemas.microsoft.com/office/powerpoint/2010/main" val="3257844857"/>
+      </p:ext>
+    </p:extLst>
+  </p:cSld>
+  <p:clrMapOvr>
+    <a:masterClrMapping/>
+  </p:clrMapOvr>
+</p:sld>
+</file>
+
+<file path=ppt/slides/slide15.xml><?xml version="1.0" encoding="utf-8"?>
+<p:sld xmlns:a="http://schemas.openxmlformats.org/drawingml/2006/main" xmlns:r="http://schemas.openxmlformats.org/officeDocument/2006/relationships" xmlns:p="http://schemas.openxmlformats.org/presentationml/2006/main">
+  <p:cSld>
+    <p:spTree>
+      <p:nvGrpSpPr>
+        <p:cNvPr id="1" name=""/>
+        <p:cNvGrpSpPr/>
+        <p:nvPr/>
+      </p:nvGrpSpPr>
+      <p:grpSpPr>
+        <a:xfrm>
+          <a:off x="0" y="0"/>
+          <a:ext cx="0" cy="0"/>
+          <a:chOff x="0" y="0"/>
+          <a:chExt cx="0" cy="0"/>
+        </a:xfrm>
+      </p:grpSpPr>
+      <p:sp>
+        <p:nvSpPr>
+          <p:cNvPr id="2" name="1 Título"/>
+          <p:cNvSpPr>
+            <a:spLocks noGrp="1"/>
+          </p:cNvSpPr>
+          <p:nvPr>
+            <p:ph type="title"/>
+          </p:nvPr>
+        </p:nvSpPr>
+        <p:spPr>
+          <a:xfrm>
+            <a:off x="395536" y="116632"/>
+            <a:ext cx="8229600" cy="922114"/>
+          </a:xfrm>
+        </p:spPr>
+        <p:txBody>
+          <a:bodyPr>
+            <a:normAutofit/>
+          </a:bodyPr>
+          <a:lstStyle/>
+          <a:p>
+            <a:r>
+              <a:rPr lang="es-ES" b="1" dirty="0"/>
+              <a:t>Limitaciones de un Firewall</a:t>
+            </a:r>
+            <a:endParaRPr lang="es-ES" dirty="0"/>
+          </a:p>
+        </p:txBody>
+      </p:sp>
+      <p:sp>
+        <p:nvSpPr>
+          <p:cNvPr id="3" name="2 Marcador de contenido"/>
+          <p:cNvSpPr>
+            <a:spLocks noGrp="1"/>
+          </p:cNvSpPr>
+          <p:nvPr>
+            <p:ph idx="1"/>
+          </p:nvPr>
+        </p:nvSpPr>
+        <p:spPr>
+          <a:xfrm>
+            <a:off x="457200" y="1124744"/>
+            <a:ext cx="8229600" cy="5400600"/>
+          </a:xfrm>
+        </p:spPr>
+        <p:txBody>
+          <a:bodyPr>
+            <a:normAutofit fontScale="85000" lnSpcReduction="10000"/>
+          </a:bodyPr>
+          <a:lstStyle/>
+          <a:p>
+            <a:r>
+              <a:rPr lang="es-ES" dirty="0" smtClean="0"/>
+              <a:t>El </a:t>
+            </a:r>
+            <a:r>
+              <a:rPr lang="es-ES" dirty="0"/>
+              <a:t>hueco que no se tapa y </a:t>
+            </a:r>
+            <a:r>
+              <a:rPr lang="es-ES" dirty="0" smtClean="0"/>
+              <a:t>que coincidentemente </a:t>
+            </a:r>
+            <a:r>
+              <a:rPr lang="es-ES" dirty="0"/>
+              <a:t>o no, es descubierto por un </a:t>
+            </a:r>
+            <a:r>
+              <a:rPr lang="es-ES" dirty="0" smtClean="0"/>
+              <a:t>intruso. </a:t>
+            </a:r>
+          </a:p>
+          <a:p>
+            <a:r>
+              <a:rPr lang="es-ES" dirty="0" smtClean="0"/>
+              <a:t>No </a:t>
+            </a:r>
+            <a:r>
+              <a:rPr lang="es-ES" dirty="0"/>
+              <a:t>son sistemas inteligentes, </a:t>
+            </a:r>
+            <a:r>
+              <a:rPr lang="es-ES" dirty="0" smtClean="0"/>
+              <a:t>ellos actúan </a:t>
+            </a:r>
+            <a:r>
+              <a:rPr lang="es-ES" dirty="0"/>
+              <a:t>de acuerdo a parámetros introducidos por su diseñador, por ende si un paquete de información no </a:t>
+            </a:r>
+            <a:r>
+              <a:rPr lang="es-ES" dirty="0" smtClean="0"/>
+              <a:t>se encuentra </a:t>
+            </a:r>
+            <a:r>
+              <a:rPr lang="es-ES" dirty="0"/>
+              <a:t>dentro de estos parámetros como una amenaza de peligro simplemente lo deja </a:t>
+            </a:r>
+            <a:r>
+              <a:rPr lang="es-ES" dirty="0" smtClean="0"/>
+              <a:t>pasar.</a:t>
+            </a:r>
+          </a:p>
+          <a:p>
+            <a:r>
+              <a:rPr lang="es-ES" dirty="0"/>
+              <a:t>"NO es contra humanos", es decir que si un intruso logra entrar a </a:t>
+            </a:r>
+            <a:r>
+              <a:rPr lang="es-ES" dirty="0" smtClean="0"/>
+              <a:t>la organización </a:t>
+            </a:r>
+            <a:r>
+              <a:rPr lang="es-ES" dirty="0"/>
+              <a:t>y descubrir </a:t>
+            </a:r>
+            <a:r>
+              <a:rPr lang="es-ES" dirty="0" err="1"/>
+              <a:t>passwords</a:t>
+            </a:r>
+            <a:r>
+              <a:rPr lang="es-ES" dirty="0"/>
+              <a:t> o los huecos del Firewall y difunde esta información, el Firewall no </a:t>
+            </a:r>
+            <a:r>
+              <a:rPr lang="es-ES" dirty="0" smtClean="0"/>
+              <a:t>se dará </a:t>
+            </a:r>
+            <a:r>
+              <a:rPr lang="es-ES" dirty="0"/>
+              <a:t>cuenta</a:t>
+            </a:r>
+            <a:r>
+              <a:rPr lang="es-ES" dirty="0" smtClean="0"/>
+              <a:t>.</a:t>
+            </a:r>
+          </a:p>
+          <a:p>
+            <a:r>
+              <a:rPr lang="es-ES" dirty="0"/>
+              <a:t>NO protege de la gente que está dentro de la red interna.</a:t>
+            </a:r>
+            <a:endParaRPr lang="es-ES" dirty="0"/>
+          </a:p>
+        </p:txBody>
+      </p:sp>
+    </p:spTree>
+    <p:extLst>
+      <p:ext uri="{BB962C8B-B14F-4D97-AF65-F5344CB8AC3E}">
+        <p14:creationId xmlns:p14="http://schemas.microsoft.com/office/powerpoint/2010/main" val="916097624"/>
+      </p:ext>
+    </p:extLst>
+  </p:cSld>
+  <p:clrMapOvr>
+    <a:masterClrMapping/>
+  </p:clrMapOvr>
+</p:sld>
+</file>
+
+<file path=ppt/slides/slide2.xml><?xml version="1.0" encoding="utf-8"?>
+<p:sld xmlns:a="http://schemas.openxmlformats.org/drawingml/2006/main" xmlns:r="http://schemas.openxmlformats.org/officeDocument/2006/relationships" xmlns:p="http://schemas.openxmlformats.org/presentationml/2006/main">
+  <p:cSld>
+    <p:spTree>
+      <p:nvGrpSpPr>
+        <p:cNvPr id="1" name=""/>
+        <p:cNvGrpSpPr/>
+        <p:nvPr/>
+      </p:nvGrpSpPr>
+      <p:grpSpPr>
+        <a:xfrm>
+          <a:off x="0" y="0"/>
+          <a:ext cx="0" cy="0"/>
+          <a:chOff x="0" y="0"/>
+          <a:chExt cx="0" cy="0"/>
+        </a:xfrm>
+      </p:grpSpPr>
+      <p:sp>
+        <p:nvSpPr>
+          <p:cNvPr id="2" name="1 Título"/>
+          <p:cNvSpPr>
+            <a:spLocks noGrp="1"/>
+          </p:cNvSpPr>
+          <p:nvPr>
+            <p:ph type="title"/>
+          </p:nvPr>
+        </p:nvSpPr>
+        <p:spPr/>
+        <p:txBody>
+          <a:bodyPr/>
+          <a:lstStyle/>
+          <a:p>
+            <a:r>
+              <a:rPr lang="en-US" dirty="0" err="1" smtClean="0"/>
+              <a:t>Que</a:t>
+            </a:r>
+            <a:r>
+              <a:rPr lang="en-US" dirty="0" smtClean="0"/>
+              <a:t> </a:t>
+            </a:r>
+            <a:r>
+              <a:rPr lang="en-US" dirty="0" err="1" smtClean="0"/>
+              <a:t>es</a:t>
+            </a:r>
+            <a:r>
+              <a:rPr lang="en-US" dirty="0" smtClean="0"/>
+              <a:t> </a:t>
+            </a:r>
+            <a:r>
+              <a:rPr lang="en-US" dirty="0" err="1" smtClean="0"/>
+              <a:t>Cortafuegos</a:t>
+            </a:r>
+            <a:r>
+              <a:rPr lang="en-US" dirty="0" smtClean="0"/>
+              <a:t>?</a:t>
+            </a:r>
+            <a:endParaRPr lang="es-ES" dirty="0"/>
+          </a:p>
+        </p:txBody>
+      </p:sp>
+      <p:pic>
+        <p:nvPicPr>
+          <p:cNvPr id="4" name="3 Marcador de contenido"/>
+          <p:cNvPicPr>
+            <a:picLocks noGrp="1" noChangeAspect="1"/>
+          </p:cNvPicPr>
+          <p:nvPr>
+            <p:ph idx="1"/>
+          </p:nvPr>
+        </p:nvPicPr>
+        <p:blipFill>
+          <a:blip r:embed="rId2">
+            <a:extLst>
+              <a:ext uri="{28A0092B-C50C-407E-A947-70E740481C1C}">
+                <a14:useLocalDpi xmlns:a14="http://schemas.microsoft.com/office/drawing/2010/main" val="0"/>
+              </a:ext>
+            </a:extLst>
+          </a:blip>
+          <a:stretch>
+            <a:fillRect/>
+          </a:stretch>
+        </p:blipFill>
+        <p:spPr>
+          <a:xfrm>
+            <a:off x="3219250" y="3031222"/>
+            <a:ext cx="2857899" cy="1571844"/>
+          </a:xfrm>
+        </p:spPr>
+      </p:pic>
+      <p:sp>
+        <p:nvSpPr>
+          <p:cNvPr id="5" name="4 CuadroTexto"/>
+          <p:cNvSpPr txBox="1"/>
+          <p:nvPr/>
+        </p:nvSpPr>
+        <p:spPr>
+          <a:xfrm>
+            <a:off x="107504" y="1628800"/>
+            <a:ext cx="5040560" cy="4154984"/>
+          </a:xfrm>
+          <a:prstGeom prst="rect">
+            <a:avLst/>
+          </a:prstGeom>
+          <a:noFill/>
+        </p:spPr>
+        <p:txBody>
+          <a:bodyPr wrap="square" rtlCol="0">
+            <a:spAutoFit/>
+          </a:bodyPr>
+          <a:lstStyle/>
+          <a:p>
+            <a:pPr marL="342900" indent="-342900">
+              <a:buFont typeface="Arial" pitchFamily="34" charset="0"/>
+              <a:buChar char="•"/>
+            </a:pPr>
+            <a:r>
+              <a:rPr lang="es-ES" sz="2400" dirty="0" smtClean="0"/>
+              <a:t>Es </a:t>
+            </a:r>
+            <a:r>
+              <a:rPr lang="es-ES" sz="2400" dirty="0"/>
+              <a:t>una parte de un sistema o una red que está diseñada para bloquear el acceso no </a:t>
+            </a:r>
+            <a:r>
+              <a:rPr lang="es-ES" sz="2400" dirty="0" smtClean="0"/>
+              <a:t>autorizado, permitiendo </a:t>
+            </a:r>
+            <a:r>
+              <a:rPr lang="es-ES" sz="2400" dirty="0"/>
+              <a:t>al mismo tiempo comunicaciones autorizadas</a:t>
+            </a:r>
+            <a:r>
+              <a:rPr lang="es-ES" sz="2400" dirty="0" smtClean="0"/>
+              <a:t>.</a:t>
+            </a:r>
+          </a:p>
+          <a:p>
+            <a:pPr marL="342900" indent="-342900">
+              <a:buFont typeface="Arial" pitchFamily="34" charset="0"/>
+              <a:buChar char="•"/>
+            </a:pPr>
+            <a:r>
+              <a:rPr lang="es-ES" sz="2400" dirty="0"/>
+              <a:t>Los cortafuegos pueden ser implementados en hardware o software</a:t>
+            </a:r>
+            <a:r>
+              <a:rPr lang="es-ES" sz="2400" dirty="0" smtClean="0"/>
+              <a:t>,</a:t>
+            </a:r>
+          </a:p>
+          <a:p>
+            <a:pPr marL="342900" indent="-342900">
+              <a:buFont typeface="Arial" pitchFamily="34" charset="0"/>
+              <a:buChar char="•"/>
+            </a:pPr>
+            <a:r>
+              <a:rPr lang="es-ES" sz="2400" dirty="0" smtClean="0"/>
+              <a:t>Examina </a:t>
+            </a:r>
+            <a:r>
+              <a:rPr lang="es-ES" sz="2400" dirty="0"/>
+              <a:t>cada mensaje y bloquea aquellos que no cumplen los criterios de seguridad especificados</a:t>
+            </a:r>
+            <a:endParaRPr lang="es-ES" sz="2400" dirty="0"/>
+          </a:p>
+        </p:txBody>
+      </p:sp>
+    </p:spTree>
+    <p:extLst>
+      <p:ext uri="{BB962C8B-B14F-4D97-AF65-F5344CB8AC3E}">
+        <p14:creationId xmlns:p14="http://schemas.microsoft.com/office/powerpoint/2010/main" val="3597792822"/>
+      </p:ext>
+    </p:extLst>
+  </p:cSld>
+  <p:clrMapOvr>
+    <a:masterClrMapping/>
+  </p:clrMapOvr>
+</p:sld>
+</file>
+
+<file path=ppt/slides/slide3.xml><?xml version="1.0" encoding="utf-8"?>
+<p:sld xmlns:a="http://schemas.openxmlformats.org/drawingml/2006/main" xmlns:r="http://schemas.openxmlformats.org/officeDocument/2006/relationships" xmlns:p="http://schemas.openxmlformats.org/presentationml/2006/main">
+  <p:cSld>
+    <p:spTree>
+      <p:nvGrpSpPr>
+        <p:cNvPr id="1" name=""/>
+        <p:cNvGrpSpPr/>
+        <p:nvPr/>
+      </p:nvGrpSpPr>
+      <p:grpSpPr>
+        <a:xfrm>
+          <a:off x="0" y="0"/>
+          <a:ext cx="0" cy="0"/>
+          <a:chOff x="0" y="0"/>
+          <a:chExt cx="0" cy="0"/>
+        </a:xfrm>
+      </p:grpSpPr>
+      <p:sp>
+        <p:nvSpPr>
+          <p:cNvPr id="2" name="1 Título"/>
+          <p:cNvSpPr>
+            <a:spLocks noGrp="1"/>
+          </p:cNvSpPr>
+          <p:nvPr>
+            <p:ph type="title"/>
+          </p:nvPr>
+        </p:nvSpPr>
+        <p:spPr>
+          <a:xfrm>
+            <a:off x="611560" y="2996952"/>
+            <a:ext cx="8229600" cy="1143000"/>
+          </a:xfrm>
+        </p:spPr>
+        <p:txBody>
+          <a:bodyPr/>
+          <a:lstStyle/>
+          <a:p>
+            <a:r>
+              <a:rPr lang="en-US" dirty="0" err="1" smtClean="0"/>
+              <a:t>Historia</a:t>
+            </a:r>
+            <a:r>
+              <a:rPr lang="en-US" dirty="0" smtClean="0"/>
+              <a:t> </a:t>
+            </a:r>
+            <a:r>
+              <a:rPr lang="en-US" dirty="0" err="1" smtClean="0"/>
+              <a:t>Cortafuegos</a:t>
+            </a:r>
+            <a:endParaRPr lang="es-ES" dirty="0"/>
+          </a:p>
+        </p:txBody>
+      </p:sp>
+    </p:spTree>
+    <p:extLst>
+      <p:ext uri="{BB962C8B-B14F-4D97-AF65-F5344CB8AC3E}">
+        <p14:creationId xmlns:p14="http://schemas.microsoft.com/office/powerpoint/2010/main" val="3987211119"/>
+      </p:ext>
+    </p:extLst>
+  </p:cSld>
+  <p:clrMapOvr>
+    <a:masterClrMapping/>
+  </p:clrMapOvr>
+</p:sld>
+</file>
+
+<file path=ppt/slides/slide4.xml><?xml version="1.0" encoding="utf-8"?>
+<p:sld xmlns:a="http://schemas.openxmlformats.org/drawingml/2006/main" xmlns:r="http://schemas.openxmlformats.org/officeDocument/2006/relationships" xmlns:p="http://schemas.openxmlformats.org/presentationml/2006/main">
+  <p:cSld>
+    <p:spTree>
+      <p:nvGrpSpPr>
+        <p:cNvPr id="1" name=""/>
+        <p:cNvGrpSpPr/>
+        <p:nvPr/>
+      </p:nvGrpSpPr>
+      <p:grpSpPr>
+        <a:xfrm>
+          <a:off x="0" y="0"/>
+          <a:ext cx="0" cy="0"/>
+          <a:chOff x="0" y="0"/>
+          <a:chExt cx="0" cy="0"/>
+        </a:xfrm>
+      </p:grpSpPr>
+      <p:sp>
+        <p:nvSpPr>
+          <p:cNvPr id="2" name="1 Título"/>
+          <p:cNvSpPr>
+            <a:spLocks noGrp="1"/>
+          </p:cNvSpPr>
+          <p:nvPr>
+            <p:ph type="title"/>
+          </p:nvPr>
+        </p:nvSpPr>
+        <p:spPr>
+          <a:xfrm>
+            <a:off x="107504" y="274638"/>
+            <a:ext cx="8784976" cy="1143000"/>
+          </a:xfrm>
+        </p:spPr>
+        <p:txBody>
+          <a:bodyPr>
+            <a:normAutofit fontScale="90000"/>
+          </a:bodyPr>
+          <a:lstStyle/>
+          <a:p>
+            <a:r>
+              <a:rPr lang="en-US" b="1" dirty="0" err="1" smtClean="0"/>
+              <a:t>Cortafuego</a:t>
+            </a:r>
+            <a:r>
+              <a:rPr lang="en-US" b="1" dirty="0" smtClean="0"/>
+              <a:t> de Red: </a:t>
+            </a:r>
+            <a:r>
+              <a:rPr lang="en-US" b="1" dirty="0" err="1" smtClean="0"/>
+              <a:t>Filtrado</a:t>
+            </a:r>
+            <a:r>
+              <a:rPr lang="en-US" b="1" dirty="0" smtClean="0"/>
+              <a:t> de </a:t>
+            </a:r>
+            <a:r>
+              <a:rPr lang="en-US" b="1" dirty="0" err="1" smtClean="0"/>
+              <a:t>Paquetes</a:t>
+            </a:r>
+            <a:endParaRPr lang="es-ES" b="1" dirty="0"/>
+          </a:p>
+        </p:txBody>
+      </p:sp>
+      <p:pic>
+        <p:nvPicPr>
+          <p:cNvPr id="4" name="3 Marcador de contenido"/>
+          <p:cNvPicPr>
+            <a:picLocks noGrp="1" noChangeAspect="1"/>
+          </p:cNvPicPr>
+          <p:nvPr>
+            <p:ph idx="1"/>
+          </p:nvPr>
+        </p:nvPicPr>
+        <p:blipFill>
+          <a:blip r:embed="rId2">
+            <a:extLst>
+              <a:ext uri="{28A0092B-C50C-407E-A947-70E740481C1C}">
+                <a14:useLocalDpi xmlns:a14="http://schemas.microsoft.com/office/drawing/2010/main" val="0"/>
+              </a:ext>
+            </a:extLst>
+          </a:blip>
+          <a:stretch>
+            <a:fillRect/>
+          </a:stretch>
+        </p:blipFill>
+        <p:spPr>
+          <a:xfrm>
+            <a:off x="6012160" y="1412776"/>
+            <a:ext cx="2875434" cy="4157701"/>
+          </a:xfrm>
+        </p:spPr>
+      </p:pic>
+      <p:sp>
+        <p:nvSpPr>
+          <p:cNvPr id="5" name="4 CuadroTexto"/>
+          <p:cNvSpPr txBox="1"/>
+          <p:nvPr/>
+        </p:nvSpPr>
+        <p:spPr>
+          <a:xfrm>
+            <a:off x="395536" y="1412776"/>
+            <a:ext cx="5616624" cy="4893647"/>
+          </a:xfrm>
+          <a:prstGeom prst="rect">
+            <a:avLst/>
+          </a:prstGeom>
+          <a:noFill/>
+        </p:spPr>
+        <p:txBody>
+          <a:bodyPr wrap="square" rtlCol="0">
+            <a:spAutoFit/>
+          </a:bodyPr>
+          <a:lstStyle/>
+          <a:p>
+            <a:pPr marL="285750" indent="-285750">
+              <a:buFont typeface="Arial" pitchFamily="34" charset="0"/>
+              <a:buChar char="•"/>
+            </a:pPr>
+            <a:r>
+              <a:rPr lang="es-ES" sz="2400" dirty="0" smtClean="0"/>
+              <a:t>1988: Fue </a:t>
+            </a:r>
+            <a:r>
+              <a:rPr lang="es-ES" sz="2400" dirty="0"/>
+              <a:t>la primera generación de lo que se convertiría en una característica más </a:t>
+            </a:r>
+            <a:r>
+              <a:rPr lang="es-ES" sz="2400" dirty="0" smtClean="0"/>
+              <a:t>técnica y </a:t>
+            </a:r>
+            <a:r>
+              <a:rPr lang="es-ES" sz="2400" dirty="0"/>
+              <a:t>evolucionada de la seguridad de </a:t>
+            </a:r>
+            <a:r>
+              <a:rPr lang="es-ES" sz="2400" dirty="0" smtClean="0"/>
+              <a:t>Internet.</a:t>
+            </a:r>
+          </a:p>
+          <a:p>
+            <a:pPr marL="285750" indent="-285750">
+              <a:buFont typeface="Arial" pitchFamily="34" charset="0"/>
+              <a:buChar char="•"/>
+            </a:pPr>
+            <a:r>
+              <a:rPr lang="es-ES" sz="2400" dirty="0"/>
+              <a:t>El filtrado de paquetes actúa mediante la inspección de los </a:t>
+            </a:r>
+            <a:r>
+              <a:rPr lang="es-ES" sz="2400" dirty="0" smtClean="0"/>
+              <a:t>paquetes, </a:t>
+            </a:r>
+            <a:r>
+              <a:rPr lang="es-ES" sz="2400" dirty="0"/>
+              <a:t>Si un </a:t>
+            </a:r>
+            <a:r>
+              <a:rPr lang="es-ES" sz="2400" dirty="0" smtClean="0"/>
+              <a:t>paquete coincide </a:t>
+            </a:r>
+            <a:r>
+              <a:rPr lang="es-ES" sz="2400" dirty="0"/>
+              <a:t>con el conjunto de reglas del filtro, el paquete se </a:t>
+            </a:r>
+            <a:r>
+              <a:rPr lang="es-ES" sz="2400" dirty="0" smtClean="0"/>
+              <a:t>reducirá </a:t>
+            </a:r>
+            <a:r>
+              <a:rPr lang="es-ES" sz="2400" dirty="0"/>
+              <a:t>o </a:t>
+            </a:r>
+            <a:r>
+              <a:rPr lang="es-ES" sz="2400" dirty="0" smtClean="0"/>
+              <a:t>será rechazado.</a:t>
+            </a:r>
+          </a:p>
+          <a:p>
+            <a:pPr marL="285750" indent="-285750">
+              <a:buFont typeface="Arial" pitchFamily="34" charset="0"/>
+              <a:buChar char="•"/>
+            </a:pPr>
+            <a:r>
+              <a:rPr lang="es-ES" sz="2400" dirty="0" smtClean="0"/>
+              <a:t>Se </a:t>
+            </a:r>
+            <a:r>
+              <a:rPr lang="es-ES" sz="2400" dirty="0"/>
+              <a:t>filtra cada paquete </a:t>
+            </a:r>
+            <a:r>
+              <a:rPr lang="es-ES" sz="2400" dirty="0" smtClean="0"/>
+              <a:t>basándose únicamente </a:t>
+            </a:r>
+            <a:r>
+              <a:rPr lang="es-ES" sz="2400" dirty="0"/>
+              <a:t>en la información </a:t>
+            </a:r>
+            <a:r>
+              <a:rPr lang="es-ES" sz="2400" dirty="0" smtClean="0"/>
+              <a:t>contenida en </a:t>
+            </a:r>
+            <a:r>
+              <a:rPr lang="es-ES" sz="2400" dirty="0"/>
+              <a:t>el paquete en </a:t>
+            </a:r>
+            <a:r>
+              <a:rPr lang="es-ES" sz="2400" dirty="0" smtClean="0"/>
+              <a:t>sí.</a:t>
+            </a:r>
+          </a:p>
+          <a:p>
+            <a:pPr marL="285750" indent="-285750">
+              <a:buFont typeface="Arial" pitchFamily="34" charset="0"/>
+              <a:buChar char="•"/>
+            </a:pPr>
+            <a:endParaRPr lang="es-ES" sz="2400" dirty="0"/>
+          </a:p>
+        </p:txBody>
+      </p:sp>
+    </p:spTree>
+    <p:extLst>
+      <p:ext uri="{BB962C8B-B14F-4D97-AF65-F5344CB8AC3E}">
+        <p14:creationId xmlns:p14="http://schemas.microsoft.com/office/powerpoint/2010/main" val="1505818969"/>
+      </p:ext>
+    </p:extLst>
+  </p:cSld>
+  <p:clrMapOvr>
+    <a:masterClrMapping/>
+  </p:clrMapOvr>
+</p:sld>
+</file>
+
+<file path=ppt/slides/slide5.xml><?xml version="1.0" encoding="utf-8"?>
+<p:sld xmlns:a="http://schemas.openxmlformats.org/drawingml/2006/main" xmlns:r="http://schemas.openxmlformats.org/officeDocument/2006/relationships" xmlns:p="http://schemas.openxmlformats.org/presentationml/2006/main">
+  <p:cSld>
+    <p:spTree>
+      <p:nvGrpSpPr>
+        <p:cNvPr id="1" name=""/>
+        <p:cNvGrpSpPr/>
+        <p:nvPr/>
+      </p:nvGrpSpPr>
+      <p:grpSpPr>
+        <a:xfrm>
+          <a:off x="0" y="0"/>
+          <a:ext cx="0" cy="0"/>
+          <a:chOff x="0" y="0"/>
+          <a:chExt cx="0" cy="0"/>
+        </a:xfrm>
+      </p:grpSpPr>
+      <p:sp>
+        <p:nvSpPr>
+          <p:cNvPr id="2" name="1 Título"/>
+          <p:cNvSpPr>
+            <a:spLocks noGrp="1"/>
+          </p:cNvSpPr>
+          <p:nvPr>
+            <p:ph type="title"/>
+          </p:nvPr>
+        </p:nvSpPr>
+        <p:spPr>
+          <a:xfrm>
+            <a:off x="457200" y="274638"/>
+            <a:ext cx="8229600" cy="922114"/>
+          </a:xfrm>
+        </p:spPr>
+        <p:txBody>
+          <a:bodyPr/>
+          <a:lstStyle/>
+          <a:p>
+            <a:r>
+              <a:rPr lang="en-US" b="1" dirty="0" err="1" smtClean="0"/>
+              <a:t>Cortafuegos</a:t>
+            </a:r>
+            <a:r>
+              <a:rPr lang="en-US" b="1" dirty="0" smtClean="0"/>
+              <a:t> de Estado</a:t>
+            </a:r>
+            <a:endParaRPr lang="es-ES" b="1" dirty="0"/>
+          </a:p>
+        </p:txBody>
+      </p:sp>
+      <p:sp>
+        <p:nvSpPr>
+          <p:cNvPr id="3" name="2 Marcador de contenido"/>
+          <p:cNvSpPr>
+            <a:spLocks noGrp="1"/>
+          </p:cNvSpPr>
+          <p:nvPr>
+            <p:ph idx="1"/>
+          </p:nvPr>
+        </p:nvSpPr>
+        <p:spPr>
+          <a:xfrm>
+            <a:off x="251520" y="1340768"/>
+            <a:ext cx="6120680" cy="5184576"/>
+          </a:xfrm>
+        </p:spPr>
+        <p:txBody>
+          <a:bodyPr>
+            <a:normAutofit fontScale="70000" lnSpcReduction="20000"/>
+          </a:bodyPr>
+          <a:lstStyle/>
+          <a:p>
+            <a:r>
+              <a:rPr lang="es-ES" dirty="0"/>
+              <a:t>1989 y </a:t>
+            </a:r>
+            <a:r>
+              <a:rPr lang="es-ES" dirty="0" smtClean="0"/>
+              <a:t>1990: </a:t>
+            </a:r>
+            <a:r>
+              <a:rPr lang="es-ES" dirty="0"/>
+              <a:t>la colocación de cada paquete individual dentro de una serie de </a:t>
+            </a:r>
+            <a:r>
+              <a:rPr lang="es-ES" dirty="0" smtClean="0"/>
+              <a:t>paquetes</a:t>
+            </a:r>
+          </a:p>
+          <a:p>
+            <a:r>
+              <a:rPr lang="es-ES" dirty="0"/>
+              <a:t>Esta tecnología se</a:t>
+            </a:r>
+          </a:p>
+          <a:p>
+            <a:r>
+              <a:rPr lang="es-ES" dirty="0"/>
+              <a:t>conoce generalmente como la inspección de estado de paquetes, ya que mantiene registros de todas las conexiones que pasan por el cortafuegos, siendo capaz de determinar</a:t>
+            </a:r>
+          </a:p>
+          <a:p>
+            <a:r>
+              <a:rPr lang="es-ES" dirty="0"/>
+              <a:t>si un paquete indica el inicio de una nueva conexión, es parte de una conexión existente, o es un paquete </a:t>
+            </a:r>
+            <a:r>
+              <a:rPr lang="es-ES" dirty="0" smtClean="0"/>
+              <a:t>erróneo</a:t>
+            </a:r>
+          </a:p>
+          <a:p>
+            <a:r>
+              <a:rPr lang="es-ES" dirty="0"/>
+              <a:t>Este tipo de cortafuegos pueden ayudar a prevenir ataques</a:t>
+            </a:r>
+          </a:p>
+          <a:p>
+            <a:r>
+              <a:rPr lang="es-ES" dirty="0"/>
+              <a:t>contra conexiones en curso</a:t>
+            </a:r>
+            <a:r>
+              <a:rPr lang="es-ES" dirty="0" smtClean="0"/>
+              <a:t> </a:t>
+            </a:r>
+            <a:endParaRPr lang="es-ES" dirty="0"/>
+          </a:p>
+        </p:txBody>
+      </p:sp>
+      <p:pic>
+        <p:nvPicPr>
+          <p:cNvPr id="4" name="3 Imagen"/>
+          <p:cNvPicPr>
+            <a:picLocks noChangeAspect="1"/>
+          </p:cNvPicPr>
+          <p:nvPr/>
+        </p:nvPicPr>
+        <p:blipFill>
+          <a:blip r:embed="rId2">
+            <a:extLst>
+              <a:ext uri="{28A0092B-C50C-407E-A947-70E740481C1C}">
+                <a14:useLocalDpi xmlns:a14="http://schemas.microsoft.com/office/drawing/2010/main" val="0"/>
+              </a:ext>
+            </a:extLst>
+          </a:blip>
+          <a:stretch>
+            <a:fillRect/>
+          </a:stretch>
+        </p:blipFill>
+        <p:spPr>
+          <a:xfrm>
+            <a:off x="6156176" y="1772816"/>
+            <a:ext cx="2966638" cy="3672408"/>
+          </a:xfrm>
+          <a:prstGeom prst="rect">
+            <a:avLst/>
+          </a:prstGeom>
+        </p:spPr>
+      </p:pic>
+    </p:spTree>
+    <p:extLst>
+      <p:ext uri="{BB962C8B-B14F-4D97-AF65-F5344CB8AC3E}">
+        <p14:creationId xmlns:p14="http://schemas.microsoft.com/office/powerpoint/2010/main" val="164316856"/>
+      </p:ext>
+    </p:extLst>
+  </p:cSld>
+  <p:clrMapOvr>
+    <a:masterClrMapping/>
+  </p:clrMapOvr>
+</p:sld>
+</file>
+
+<file path=ppt/slides/slide6.xml><?xml version="1.0" encoding="utf-8"?>
+<p:sld xmlns:a="http://schemas.openxmlformats.org/drawingml/2006/main" xmlns:r="http://schemas.openxmlformats.org/officeDocument/2006/relationships" xmlns:p="http://schemas.openxmlformats.org/presentationml/2006/main">
+  <p:cSld>
+    <p:spTree>
+      <p:nvGrpSpPr>
+        <p:cNvPr id="1" name=""/>
+        <p:cNvGrpSpPr/>
+        <p:nvPr/>
+      </p:nvGrpSpPr>
+      <p:grpSpPr>
+        <a:xfrm>
+          <a:off x="0" y="0"/>
+          <a:ext cx="0" cy="0"/>
+          <a:chOff x="0" y="0"/>
+          <a:chExt cx="0" cy="0"/>
+        </a:xfrm>
+      </p:grpSpPr>
+      <p:sp>
+        <p:nvSpPr>
+          <p:cNvPr id="2" name="1 Título"/>
+          <p:cNvSpPr>
+            <a:spLocks noGrp="1"/>
+          </p:cNvSpPr>
+          <p:nvPr>
+            <p:ph type="title"/>
+          </p:nvPr>
+        </p:nvSpPr>
+        <p:spPr>
+          <a:xfrm>
+            <a:off x="539552" y="116632"/>
+            <a:ext cx="8229600" cy="1143000"/>
+          </a:xfrm>
+        </p:spPr>
+        <p:txBody>
+          <a:bodyPr>
+            <a:normAutofit/>
+          </a:bodyPr>
+          <a:lstStyle/>
+          <a:p>
+            <a:r>
+              <a:rPr lang="es-ES" b="1" dirty="0" smtClean="0"/>
+              <a:t>Cortafuegos de </a:t>
+            </a:r>
+            <a:r>
+              <a:rPr lang="es-ES" b="1" dirty="0"/>
+              <a:t>aplicación</a:t>
+            </a:r>
+            <a:endParaRPr lang="es-ES" dirty="0"/>
+          </a:p>
+        </p:txBody>
+      </p:sp>
+      <p:sp>
+        <p:nvSpPr>
+          <p:cNvPr id="3" name="2 Marcador de contenido"/>
+          <p:cNvSpPr>
+            <a:spLocks noGrp="1"/>
+          </p:cNvSpPr>
+          <p:nvPr>
+            <p:ph idx="1"/>
+          </p:nvPr>
+        </p:nvSpPr>
+        <p:spPr>
+          <a:xfrm>
+            <a:off x="251520" y="1340768"/>
+            <a:ext cx="6048672" cy="5256584"/>
+          </a:xfrm>
+        </p:spPr>
+        <p:txBody>
+          <a:bodyPr>
+            <a:normAutofit/>
+          </a:bodyPr>
+          <a:lstStyle/>
+          <a:p>
+            <a:r>
+              <a:rPr lang="es-ES" sz="2400" dirty="0"/>
+              <a:t>Son aquellos que actúan sobre la capa de </a:t>
+            </a:r>
+            <a:r>
+              <a:rPr lang="es-ES" sz="2400" dirty="0" smtClean="0"/>
+              <a:t>aplicación.</a:t>
+            </a:r>
+          </a:p>
+          <a:p>
+            <a:r>
+              <a:rPr lang="es-ES" sz="2400" dirty="0" smtClean="0"/>
+              <a:t>Permite </a:t>
+            </a:r>
+            <a:r>
+              <a:rPr lang="es-ES" sz="2400" dirty="0"/>
+              <a:t>detectar si un protocolo no deseado se coló a través de un puerto no estándar o si se </a:t>
+            </a:r>
+            <a:r>
+              <a:rPr lang="es-ES" sz="2400" dirty="0" smtClean="0"/>
+              <a:t>está abusando </a:t>
+            </a:r>
+            <a:r>
+              <a:rPr lang="es-ES" sz="2400" dirty="0"/>
+              <a:t>de un protocolo de forma perjudicial</a:t>
+            </a:r>
+            <a:r>
+              <a:rPr lang="es-ES" sz="2400" dirty="0" smtClean="0"/>
+              <a:t>.</a:t>
+            </a:r>
+          </a:p>
+          <a:p>
+            <a:r>
+              <a:rPr lang="en-US" sz="2400" dirty="0" err="1" smtClean="0"/>
+              <a:t>Es</a:t>
+            </a:r>
+            <a:r>
+              <a:rPr lang="en-US" sz="2400" dirty="0" smtClean="0"/>
+              <a:t> mucho mas </a:t>
+            </a:r>
+            <a:r>
+              <a:rPr lang="en-US" sz="2400" dirty="0" err="1" smtClean="0"/>
+              <a:t>seguro</a:t>
+            </a:r>
+            <a:r>
+              <a:rPr lang="en-US" sz="2400" dirty="0" smtClean="0"/>
+              <a:t> </a:t>
+            </a:r>
+            <a:r>
+              <a:rPr lang="en-US" sz="2400" dirty="0" err="1" smtClean="0"/>
+              <a:t>que</a:t>
+            </a:r>
+            <a:r>
+              <a:rPr lang="en-US" sz="2400" dirty="0" smtClean="0"/>
+              <a:t> el </a:t>
+            </a:r>
+            <a:r>
+              <a:rPr lang="en-US" sz="2400" dirty="0" err="1" smtClean="0"/>
+              <a:t>cortafuego</a:t>
+            </a:r>
+            <a:r>
+              <a:rPr lang="en-US" sz="2400" dirty="0" smtClean="0"/>
+              <a:t> de </a:t>
+            </a:r>
+            <a:r>
+              <a:rPr lang="en-US" sz="2400" dirty="0" err="1" smtClean="0"/>
+              <a:t>filtrado</a:t>
+            </a:r>
+            <a:r>
+              <a:rPr lang="en-US" sz="2400" dirty="0" smtClean="0"/>
+              <a:t> de </a:t>
+            </a:r>
+            <a:r>
+              <a:rPr lang="en-US" sz="2400" dirty="0" err="1" smtClean="0"/>
+              <a:t>paquetes</a:t>
+            </a:r>
+            <a:r>
+              <a:rPr lang="en-US" sz="2400" dirty="0" smtClean="0"/>
+              <a:t>, </a:t>
+            </a:r>
+            <a:r>
+              <a:rPr lang="es-ES" sz="2400" dirty="0"/>
+              <a:t>ya que repercute en las siete capas del modelo </a:t>
+            </a:r>
+            <a:r>
+              <a:rPr lang="es-ES" sz="2400" dirty="0" smtClean="0"/>
+              <a:t>de referencia OSI.</a:t>
+            </a:r>
+          </a:p>
+          <a:p>
+            <a:r>
+              <a:rPr lang="es-ES" sz="2400" dirty="0" smtClean="0"/>
+              <a:t>Puede </a:t>
+            </a:r>
+            <a:r>
+              <a:rPr lang="es-ES" sz="2400" dirty="0"/>
+              <a:t>filtrar protocolos de capas superiores tales como FTP, TELNET, DNS, DHCP, HTTP, TCP, UDP y TFTP</a:t>
+            </a:r>
+            <a:endParaRPr lang="es-ES" sz="2400" dirty="0"/>
+          </a:p>
+        </p:txBody>
+      </p:sp>
+      <p:pic>
+        <p:nvPicPr>
+          <p:cNvPr id="4" name="3 Imagen"/>
+          <p:cNvPicPr>
+            <a:picLocks noChangeAspect="1"/>
+          </p:cNvPicPr>
+          <p:nvPr/>
+        </p:nvPicPr>
+        <p:blipFill>
+          <a:blip r:embed="rId2">
+            <a:extLst>
+              <a:ext uri="{28A0092B-C50C-407E-A947-70E740481C1C}">
+                <a14:useLocalDpi xmlns:a14="http://schemas.microsoft.com/office/drawing/2010/main" val="0"/>
+              </a:ext>
+            </a:extLst>
+          </a:blip>
+          <a:stretch>
+            <a:fillRect/>
+          </a:stretch>
+        </p:blipFill>
+        <p:spPr>
+          <a:xfrm rot="5400000">
+            <a:off x="5198048" y="2696842"/>
+            <a:ext cx="5040558" cy="2184400"/>
+          </a:xfrm>
+          <a:prstGeom prst="rect">
+            <a:avLst/>
+          </a:prstGeom>
+        </p:spPr>
+      </p:pic>
+    </p:spTree>
+    <p:extLst>
+      <p:ext uri="{BB962C8B-B14F-4D97-AF65-F5344CB8AC3E}">
+        <p14:creationId xmlns:p14="http://schemas.microsoft.com/office/powerpoint/2010/main" val="372747523"/>
+      </p:ext>
+    </p:extLst>
+  </p:cSld>
+  <p:clrMapOvr>
+    <a:masterClrMapping/>
+  </p:clrMapOvr>
+</p:sld>
+</file>
+
+<file path=ppt/slides/slide7.xml><?xml version="1.0" encoding="utf-8"?>
+<p:sld xmlns:a="http://schemas.openxmlformats.org/drawingml/2006/main" xmlns:r="http://schemas.openxmlformats.org/officeDocument/2006/relationships" xmlns:p="http://schemas.openxmlformats.org/presentationml/2006/main">
+  <p:cSld>
+    <p:spTree>
+      <p:nvGrpSpPr>
+        <p:cNvPr id="1" name=""/>
+        <p:cNvGrpSpPr/>
+        <p:nvPr/>
+      </p:nvGrpSpPr>
+      <p:grpSpPr>
+        <a:xfrm>
+          <a:off x="0" y="0"/>
+          <a:ext cx="0" cy="0"/>
+          <a:chOff x="0" y="0"/>
+          <a:chExt cx="0" cy="0"/>
+        </a:xfrm>
+      </p:grpSpPr>
+      <p:sp>
+        <p:nvSpPr>
+          <p:cNvPr id="2" name="1 Título"/>
+          <p:cNvSpPr>
+            <a:spLocks noGrp="1"/>
+          </p:cNvSpPr>
+          <p:nvPr>
+            <p:ph type="title"/>
+          </p:nvPr>
+        </p:nvSpPr>
+        <p:spPr>
+          <a:xfrm>
+            <a:off x="539552" y="2852936"/>
+            <a:ext cx="8229600" cy="1143000"/>
+          </a:xfrm>
+        </p:spPr>
+        <p:txBody>
+          <a:bodyPr/>
+          <a:lstStyle/>
+          <a:p>
+            <a:r>
+              <a:rPr lang="en-US" dirty="0" err="1" smtClean="0"/>
+              <a:t>Tipos</a:t>
+            </a:r>
+            <a:r>
+              <a:rPr lang="en-US" dirty="0" smtClean="0"/>
+              <a:t> de </a:t>
+            </a:r>
+            <a:r>
+              <a:rPr lang="en-US" dirty="0" err="1" smtClean="0"/>
+              <a:t>Cortafuego</a:t>
+            </a:r>
+            <a:endParaRPr lang="es-ES" dirty="0"/>
+          </a:p>
+        </p:txBody>
+      </p:sp>
+    </p:spTree>
+    <p:extLst>
+      <p:ext uri="{BB962C8B-B14F-4D97-AF65-F5344CB8AC3E}">
+        <p14:creationId xmlns:p14="http://schemas.microsoft.com/office/powerpoint/2010/main" val="2777842266"/>
+      </p:ext>
+    </p:extLst>
+  </p:cSld>
+  <p:clrMapOvr>
+    <a:masterClrMapping/>
+  </p:clrMapOvr>
+</p:sld>
+</file>
+
+<file path=ppt/slides/slide8.xml><?xml version="1.0" encoding="utf-8"?>
+<p:sld xmlns:a="http://schemas.openxmlformats.org/drawingml/2006/main" xmlns:r="http://schemas.openxmlformats.org/officeDocument/2006/relationships" xmlns:p="http://schemas.openxmlformats.org/presentationml/2006/main">
+  <p:cSld>
+    <p:spTree>
+      <p:nvGrpSpPr>
+        <p:cNvPr id="1" name=""/>
+        <p:cNvGrpSpPr/>
+        <p:nvPr/>
+      </p:nvGrpSpPr>
+      <p:grpSpPr>
+        <a:xfrm>
+          <a:off x="0" y="0"/>
+          <a:ext cx="0" cy="0"/>
+          <a:chOff x="0" y="0"/>
+          <a:chExt cx="0" cy="0"/>
+        </a:xfrm>
+      </p:grpSpPr>
+      <p:sp>
+        <p:nvSpPr>
+          <p:cNvPr id="2" name="1 Título"/>
+          <p:cNvSpPr>
+            <a:spLocks noGrp="1"/>
+          </p:cNvSpPr>
+          <p:nvPr>
+            <p:ph type="title"/>
+          </p:nvPr>
+        </p:nvSpPr>
+        <p:spPr/>
+        <p:txBody>
+          <a:bodyPr/>
+          <a:lstStyle/>
+          <a:p>
+            <a:r>
+              <a:rPr lang="en-US" dirty="0" err="1" smtClean="0"/>
+              <a:t>Filtrado</a:t>
+            </a:r>
+            <a:r>
+              <a:rPr lang="en-US" dirty="0" smtClean="0"/>
+              <a:t> de </a:t>
+            </a:r>
+            <a:r>
+              <a:rPr lang="en-US" dirty="0" err="1" smtClean="0"/>
+              <a:t>Paquetes</a:t>
+            </a:r>
+            <a:endParaRPr lang="es-ES" dirty="0"/>
+          </a:p>
+        </p:txBody>
+      </p:sp>
+      <p:sp>
+        <p:nvSpPr>
+          <p:cNvPr id="3" name="2 Marcador de contenido"/>
+          <p:cNvSpPr>
+            <a:spLocks noGrp="1"/>
+          </p:cNvSpPr>
+          <p:nvPr>
+            <p:ph idx="1"/>
+          </p:nvPr>
+        </p:nvSpPr>
+        <p:spPr>
+          <a:xfrm>
+            <a:off x="457200" y="1600200"/>
+            <a:ext cx="5770984" cy="4781128"/>
+          </a:xfrm>
+        </p:spPr>
+        <p:txBody>
+          <a:bodyPr>
+            <a:normAutofit fontScale="92500"/>
+          </a:bodyPr>
+          <a:lstStyle/>
+          <a:p>
+            <a:r>
+              <a:rPr lang="es-ES" sz="2400" dirty="0"/>
+              <a:t>El </a:t>
+            </a:r>
+            <a:r>
+              <a:rPr lang="es-ES" sz="2400" dirty="0" err="1"/>
+              <a:t>Router</a:t>
+            </a:r>
+            <a:r>
+              <a:rPr lang="es-ES" sz="2400" dirty="0"/>
+              <a:t> es el </a:t>
+            </a:r>
+            <a:r>
+              <a:rPr lang="es-ES" sz="2400" dirty="0" smtClean="0"/>
+              <a:t>encargado de </a:t>
+            </a:r>
+            <a:r>
+              <a:rPr lang="es-ES" sz="2400" dirty="0"/>
+              <a:t>filtrar los </a:t>
+            </a:r>
+            <a:r>
+              <a:rPr lang="es-ES" sz="2400" dirty="0" smtClean="0"/>
+              <a:t>paquetes:</a:t>
+            </a:r>
+          </a:p>
+          <a:p>
+            <a:pPr lvl="1"/>
+            <a:r>
+              <a:rPr lang="es-ES" sz="2400" dirty="0"/>
+              <a:t>Protocolos </a:t>
+            </a:r>
+            <a:r>
+              <a:rPr lang="es-ES" sz="2400" dirty="0" smtClean="0"/>
+              <a:t>utilizados</a:t>
+            </a:r>
+          </a:p>
+          <a:p>
+            <a:pPr lvl="1"/>
+            <a:r>
+              <a:rPr lang="es-ES" sz="2400" dirty="0"/>
+              <a:t>Dirección IP de origen y de </a:t>
+            </a:r>
+            <a:r>
+              <a:rPr lang="es-ES" sz="2400" dirty="0" smtClean="0"/>
+              <a:t>destino</a:t>
+            </a:r>
+          </a:p>
+          <a:p>
+            <a:pPr lvl="1"/>
+            <a:r>
+              <a:rPr lang="es-ES" sz="2400" dirty="0" smtClean="0"/>
+              <a:t>Puerto TCP/UDP de </a:t>
+            </a:r>
+            <a:r>
+              <a:rPr lang="es-ES" sz="2400" dirty="0"/>
+              <a:t>origen y de </a:t>
+            </a:r>
+            <a:r>
+              <a:rPr lang="es-ES" sz="2400" dirty="0" smtClean="0"/>
+              <a:t>destino</a:t>
+            </a:r>
+          </a:p>
+          <a:p>
+            <a:r>
+              <a:rPr lang="es-ES" sz="2600" dirty="0" smtClean="0"/>
+              <a:t>Permite </a:t>
+            </a:r>
+            <a:r>
+              <a:rPr lang="es-ES" sz="2600" dirty="0"/>
+              <a:t>establecer que servicios estarán disponibles </a:t>
+            </a:r>
+            <a:r>
+              <a:rPr lang="es-ES" sz="2600" dirty="0" smtClean="0"/>
+              <a:t>al usuario </a:t>
+            </a:r>
+            <a:r>
+              <a:rPr lang="es-ES" sz="2600" dirty="0"/>
+              <a:t>y por cuales </a:t>
+            </a:r>
+            <a:r>
+              <a:rPr lang="es-ES" sz="2600" dirty="0" smtClean="0"/>
+              <a:t>puertos se </a:t>
+            </a:r>
+            <a:r>
+              <a:rPr lang="es-ES" sz="2600" dirty="0"/>
+              <a:t>puede permitir navegar en la WWW (puerto 80 abierto) pero no acceder </a:t>
+            </a:r>
+            <a:r>
+              <a:rPr lang="es-ES" sz="2600" dirty="0" smtClean="0"/>
+              <a:t>a la </a:t>
+            </a:r>
+            <a:r>
+              <a:rPr lang="es-ES" sz="2600" dirty="0"/>
+              <a:t>transferencia de archivos vía </a:t>
+            </a:r>
+            <a:r>
+              <a:rPr lang="es-ES" sz="2600" dirty="0" smtClean="0"/>
+              <a:t>FTP.</a:t>
+            </a:r>
+          </a:p>
+          <a:p>
+            <a:r>
+              <a:rPr lang="en-US" sz="2600" dirty="0" err="1" smtClean="0"/>
+              <a:t>Trabaja</a:t>
+            </a:r>
+            <a:r>
+              <a:rPr lang="en-US" sz="2600" dirty="0" smtClean="0"/>
+              <a:t> en los </a:t>
+            </a:r>
+            <a:r>
+              <a:rPr lang="en-US" sz="2600" dirty="0" err="1" smtClean="0"/>
+              <a:t>niveles</a:t>
+            </a:r>
+            <a:r>
+              <a:rPr lang="en-US" sz="2600" dirty="0" smtClean="0"/>
+              <a:t> de </a:t>
+            </a:r>
+            <a:r>
+              <a:rPr lang="en-US" sz="2600" dirty="0" err="1" smtClean="0"/>
+              <a:t>Transporte</a:t>
+            </a:r>
+            <a:r>
+              <a:rPr lang="en-US" sz="2600" dirty="0" smtClean="0"/>
+              <a:t>.</a:t>
+            </a:r>
+            <a:endParaRPr lang="es-ES" sz="2600" dirty="0"/>
+          </a:p>
+        </p:txBody>
+      </p:sp>
+      <p:pic>
+        <p:nvPicPr>
+          <p:cNvPr id="4" name="3 Imagen"/>
+          <p:cNvPicPr>
+            <a:picLocks noChangeAspect="1"/>
+          </p:cNvPicPr>
+          <p:nvPr/>
+        </p:nvPicPr>
+        <p:blipFill>
+          <a:blip r:embed="rId2">
+            <a:extLst>
+              <a:ext uri="{BEBA8EAE-BF5A-486C-A8C5-ECC9F3942E4B}">
+                <a14:imgProps xmlns:a14="http://schemas.microsoft.com/office/drawing/2010/main">
+                  <a14:imgLayer r:embed="rId3">
+                    <a14:imgEffect>
+                      <a14:artisticFilmGrain/>
+                    </a14:imgEffect>
+                  </a14:imgLayer>
+                </a14:imgProps>
+              </a:ext>
+              <a:ext uri="{28A0092B-C50C-407E-A947-70E740481C1C}">
+                <a14:useLocalDpi xmlns:a14="http://schemas.microsoft.com/office/drawing/2010/main" val="0"/>
+              </a:ext>
+            </a:extLst>
+          </a:blip>
+          <a:stretch>
+            <a:fillRect/>
+          </a:stretch>
+        </p:blipFill>
+        <p:spPr>
+          <a:xfrm rot="5400000">
+            <a:off x="5238405" y="2546570"/>
+            <a:ext cx="4752530" cy="2772974"/>
+          </a:xfrm>
+          <a:prstGeom prst="rect">
+            <a:avLst/>
+          </a:prstGeom>
+        </p:spPr>
+      </p:pic>
+    </p:spTree>
+    <p:extLst>
+      <p:ext uri="{BB962C8B-B14F-4D97-AF65-F5344CB8AC3E}">
+        <p14:creationId xmlns:p14="http://schemas.microsoft.com/office/powerpoint/2010/main" val="1631034680"/>
+      </p:ext>
+    </p:extLst>
+  </p:cSld>
+  <p:clrMapOvr>
+    <a:masterClrMapping/>
+  </p:clrMapOvr>
+</p:sld>
+</file>
+
+<file path=ppt/slides/slide9.xml><?xml version="1.0" encoding="utf-8"?>
+<p:sld xmlns:a="http://schemas.openxmlformats.org/drawingml/2006/main" xmlns:r="http://schemas.openxmlformats.org/officeDocument/2006/relationships" xmlns:p="http://schemas.openxmlformats.org/presentationml/2006/main">
+  <p:cSld>
+    <p:spTree>
+      <p:nvGrpSpPr>
+        <p:cNvPr id="1" name=""/>
+        <p:cNvGrpSpPr/>
+        <p:nvPr/>
+      </p:nvGrpSpPr>
+      <p:grpSpPr>
+        <a:xfrm>
+          <a:off x="0" y="0"/>
+          <a:ext cx="0" cy="0"/>
+          <a:chOff x="0" y="0"/>
+          <a:chExt cx="0" cy="0"/>
+        </a:xfrm>
+      </p:grpSpPr>
+      <p:sp>
+        <p:nvSpPr>
+          <p:cNvPr id="2" name="1 Título"/>
+          <p:cNvSpPr>
+            <a:spLocks noGrp="1"/>
+          </p:cNvSpPr>
+          <p:nvPr>
+            <p:ph type="title"/>
+          </p:nvPr>
+        </p:nvSpPr>
+        <p:spPr>
+          <a:xfrm>
+            <a:off x="251520" y="116632"/>
+            <a:ext cx="8784976" cy="1143000"/>
+          </a:xfrm>
+        </p:spPr>
+        <p:txBody>
+          <a:bodyPr>
+            <a:noAutofit/>
+          </a:bodyPr>
+          <a:lstStyle/>
+          <a:p>
+            <a:pPr algn="l"/>
+            <a:r>
+              <a:rPr lang="es-ES" sz="4000" b="1" dirty="0" smtClean="0"/>
+              <a:t>Proxy y </a:t>
+            </a:r>
+            <a:r>
+              <a:rPr lang="es-ES" sz="4000" b="1" dirty="0" err="1"/>
+              <a:t>Gateways</a:t>
+            </a:r>
+            <a:r>
+              <a:rPr lang="es-ES" sz="4000" b="1" dirty="0"/>
+              <a:t> </a:t>
+            </a:r>
+            <a:r>
+              <a:rPr lang="es-ES" sz="4000" b="1" dirty="0" smtClean="0"/>
+              <a:t>de Aplicaciones</a:t>
+            </a:r>
+            <a:endParaRPr lang="es-ES" sz="4000" dirty="0"/>
+          </a:p>
+        </p:txBody>
+      </p:sp>
+      <p:pic>
+        <p:nvPicPr>
+          <p:cNvPr id="4" name="3 Marcador de contenido"/>
+          <p:cNvPicPr>
+            <a:picLocks noGrp="1" noChangeAspect="1"/>
+          </p:cNvPicPr>
+          <p:nvPr>
+            <p:ph idx="1"/>
+          </p:nvPr>
+        </p:nvPicPr>
+        <p:blipFill>
+          <a:blip r:embed="rId2">
+            <a:extLst>
+              <a:ext uri="{28A0092B-C50C-407E-A947-70E740481C1C}">
+                <a14:useLocalDpi xmlns:a14="http://schemas.microsoft.com/office/drawing/2010/main" val="0"/>
+              </a:ext>
+            </a:extLst>
+          </a:blip>
+          <a:stretch>
+            <a:fillRect/>
+          </a:stretch>
+        </p:blipFill>
+        <p:spPr>
+          <a:xfrm>
+            <a:off x="6228184" y="1628800"/>
+            <a:ext cx="2745482" cy="3528392"/>
+          </a:xfrm>
+        </p:spPr>
+      </p:pic>
+      <p:sp>
+        <p:nvSpPr>
+          <p:cNvPr id="5" name="4 CuadroTexto"/>
+          <p:cNvSpPr txBox="1"/>
+          <p:nvPr/>
+        </p:nvSpPr>
+        <p:spPr>
+          <a:xfrm>
+            <a:off x="323528" y="1468314"/>
+            <a:ext cx="5904656" cy="4154984"/>
+          </a:xfrm>
+          <a:prstGeom prst="rect">
+            <a:avLst/>
+          </a:prstGeom>
+          <a:noFill/>
+        </p:spPr>
+        <p:txBody>
+          <a:bodyPr wrap="square" rtlCol="0">
+            <a:spAutoFit/>
+          </a:bodyPr>
+          <a:lstStyle/>
+          <a:p>
+            <a:pPr marL="342900" indent="-342900">
+              <a:buFont typeface="Arial" pitchFamily="34" charset="0"/>
+              <a:buChar char="•"/>
+            </a:pPr>
+            <a:r>
+              <a:rPr lang="es-ES" sz="2400" dirty="0" smtClean="0"/>
+              <a:t>Actúa </a:t>
+            </a:r>
+            <a:r>
+              <a:rPr lang="es-ES" sz="2400" dirty="0"/>
+              <a:t>de intermediario entre el cliente y el servidor real de </a:t>
+            </a:r>
+            <a:r>
+              <a:rPr lang="es-ES" sz="2400" dirty="0" smtClean="0"/>
+              <a:t>la aplicación</a:t>
+            </a:r>
+            <a:r>
+              <a:rPr lang="es-ES" sz="2400" dirty="0"/>
+              <a:t>, siendo transparente a ambas </a:t>
+            </a:r>
+            <a:r>
+              <a:rPr lang="es-ES" sz="2400" dirty="0" smtClean="0"/>
+              <a:t>partes.</a:t>
+            </a:r>
+          </a:p>
+          <a:p>
+            <a:pPr marL="342900" indent="-342900">
+              <a:buFont typeface="Arial" pitchFamily="34" charset="0"/>
+              <a:buChar char="•"/>
+            </a:pPr>
+            <a:r>
+              <a:rPr lang="es-ES" sz="2400" dirty="0" smtClean="0"/>
+              <a:t>Cuando </a:t>
+            </a:r>
+            <a:r>
+              <a:rPr lang="es-ES" sz="2400" dirty="0"/>
+              <a:t>un usuario desea un servicio, lo hace a través del Proxy. Este, realiza el pedido al servidor </a:t>
+            </a:r>
+            <a:r>
+              <a:rPr lang="es-ES" sz="2400" dirty="0" smtClean="0"/>
+              <a:t>real devuelve </a:t>
+            </a:r>
+            <a:r>
+              <a:rPr lang="es-ES" sz="2400" dirty="0"/>
+              <a:t>los resultados al </a:t>
+            </a:r>
+            <a:r>
+              <a:rPr lang="es-ES" sz="2400" dirty="0" smtClean="0"/>
+              <a:t>cliente.</a:t>
+            </a:r>
+          </a:p>
+          <a:p>
+            <a:pPr marL="342900" indent="-342900">
+              <a:buFont typeface="Arial" pitchFamily="34" charset="0"/>
+              <a:buChar char="•"/>
+            </a:pPr>
+            <a:r>
+              <a:rPr lang="es-ES" sz="2400" dirty="0" smtClean="0"/>
+              <a:t>Su </a:t>
+            </a:r>
+            <a:r>
+              <a:rPr lang="es-ES" sz="2400" dirty="0"/>
+              <a:t>función fue la de analizar el tráfico de red en busca de contenido </a:t>
+            </a:r>
+            <a:r>
+              <a:rPr lang="es-ES" sz="2400" dirty="0" smtClean="0"/>
+              <a:t>que viole </a:t>
+            </a:r>
+            <a:r>
+              <a:rPr lang="es-ES" sz="2400" dirty="0"/>
+              <a:t>la seguridad de la misma.</a:t>
+            </a:r>
+            <a:endParaRPr lang="es-ES" sz="2400" dirty="0" smtClean="0"/>
+          </a:p>
+          <a:p>
+            <a:pPr marL="342900" indent="-342900">
+              <a:buFont typeface="Arial" pitchFamily="34" charset="0"/>
+              <a:buChar char="•"/>
+            </a:pPr>
+            <a:endParaRPr lang="es-ES" sz="2400" dirty="0"/>
+          </a:p>
+        </p:txBody>
+      </p:sp>
+    </p:spTree>
+    <p:extLst>
+      <p:ext uri="{BB962C8B-B14F-4D97-AF65-F5344CB8AC3E}">
+        <p14:creationId xmlns:p14="http://schemas.microsoft.com/office/powerpoint/2010/main" val="313056164"/>
+      </p:ext>
+    </p:extLst>
+  </p:cSld>
+  <p:clrMapOvr>
+    <a:masterClrMapping/>
+  </p:clrMapOvr>
+</p:sld>
+</file>
+
 <file path=ppt/theme/theme1.xml><?xml version="1.0" encoding="utf-8"?>
-<a:theme xmlns:a="http://schemas.openxmlformats.org/drawingml/2006/main" name="Tema de Office">
+<a:theme xmlns:a="http://schemas.openxmlformats.org/drawingml/2006/main" name="Viajes">
   <a:themeElements>
-    <a:clrScheme name="Oficina">
+    <a:clrScheme name="Viajes">
       <a:dk1>
         <a:sysClr val="windowText" lastClr="000000"/>
       </a:dk1>
@@ -3026,82 +5834,48 @@
         <a:sysClr val="window" lastClr="FFFFFF"/>
       </a:lt1>
       <a:dk2>
-        <a:srgbClr val="1F497D"/>
+        <a:srgbClr val="4E3B30"/>
       </a:dk2>
       <a:lt2>
-        <a:srgbClr val="EEECE1"/>
+        <a:srgbClr val="FBEEC9"/>
       </a:lt2>
       <a:accent1>
-        <a:srgbClr val="4F81BD"/>
+        <a:srgbClr val="F0A22E"/>
       </a:accent1>
       <a:accent2>
-        <a:srgbClr val="C0504D"/>
+        <a:srgbClr val="A5644E"/>
       </a:accent2>
       <a:accent3>
-        <a:srgbClr val="9BBB59"/>
+        <a:srgbClr val="B58B80"/>
       </a:accent3>
       <a:accent4>
-        <a:srgbClr val="8064A2"/>
+        <a:srgbClr val="C3986D"/>
       </a:accent4>
       <a:accent5>
-        <a:srgbClr val="4BACC6"/>
+        <a:srgbClr val="A19574"/>
       </a:accent5>
       <a:accent6>
-        <a:srgbClr val="F79646"/>
+        <a:srgbClr val="C17529"/>
       </a:accent6>
       <a:hlink>
-        <a:srgbClr val="0000FF"/>
+        <a:srgbClr val="AD1F1F"/>
       </a:hlink>
       <a:folHlink>
-        <a:srgbClr val="800080"/>
+        <a:srgbClr val="FFC42F"/>
       </a:folHlink>
     </a:clrScheme>
-    <a:fontScheme name="Oficina">
+    <a:fontScheme name="Viajes">
       <a:majorFont>
-        <a:latin typeface="Calibri"/>
+        <a:latin typeface="Franklin Gothic Medium"/>
         <a:ea typeface=""/>
         <a:cs typeface=""/>
-        <a:font script="Jpan" typeface="ＭＳ Ｐゴシック"/>
-        <a:font script="Hang" typeface="맑은 고딕"/>
-        <a:font script="Hans" typeface="宋体"/>
-        <a:font script="Hant" typeface="新細明體"/>
-        <a:font script="Arab" typeface="Times New Roman"/>
-        <a:font script="Hebr" typeface="Times New Roman"/>
-        <a:font script="Thai" typeface="Angsana New"/>
-        <a:font script="Ethi" typeface="Nyala"/>
-        <a:font script="Beng" typeface="Vrinda"/>
-        <a:font script="Gujr" typeface="Shruti"/>
-        <a:font script="Khmr" typeface="MoolBoran"/>
-        <a:font script="Knda" typeface="Tunga"/>
-        <a:font script="Guru" typeface="Raavi"/>
-        <a:font script="Cans" typeface="Euphemia"/>
-        <a:font script="Cher" typeface="Plantagenet Cherokee"/>
-        <a:font script="Yiii" typeface="Microsoft Yi Baiti"/>
-        <a:font script="Tibt" typeface="Microsoft Himalaya"/>
-        <a:font script="Thaa" typeface="MV Boli"/>
-        <a:font script="Deva" typeface="Mangal"/>
-        <a:font script="Telu" typeface="Gautami"/>
-        <a:font script="Taml" typeface="Latha"/>
-        <a:font script="Syrc" typeface="Estrangelo Edessa"/>
-        <a:font script="Orya" typeface="Kalinga"/>
-        <a:font script="Mlym" typeface="Kartika"/>
-        <a:font script="Laoo" typeface="DokChampa"/>
-        <a:font script="Sinh" typeface="Iskoola Pota"/>
-        <a:font script="Mong" typeface="Mongolian Baiti"/>
-        <a:font script="Viet" typeface="Times New Roman"/>
-        <a:font script="Uigh" typeface="Microsoft Uighur"/>
-      </a:majorFont>
-      <a:minorFont>
-        <a:latin typeface="Calibri"/>
-        <a:ea typeface=""/>
-        <a:cs typeface=""/>
-        <a:font script="Jpan" typeface="ＭＳ Ｐゴシック"/>
-        <a:font script="Hang" typeface="맑은 고딕"/>
-        <a:font script="Hans" typeface="宋体"/>
-        <a:font script="Hant" typeface="新細明體"/>
-        <a:font script="Arab" typeface="Arial"/>
-        <a:font script="Hebr" typeface="Arial"/>
-        <a:font script="Thai" typeface="Cordia New"/>
+        <a:font script="Jpan" typeface="HG創英角ｺﾞｼｯｸUB"/>
+        <a:font script="Hang" typeface="돋움"/>
+        <a:font script="Hans" typeface="隶书"/>
+        <a:font script="Hant" typeface="微軟正黑體"/>
+        <a:font script="Arab" typeface="Tahoma"/>
+        <a:font script="Hebr" typeface="Aharoni"/>
+        <a:font script="Thai" typeface="LilyUPC"/>
         <a:font script="Ethi" typeface="Nyala"/>
         <a:font script="Beng" typeface="Vrinda"/>
         <a:font script="Gujr" typeface="Shruti"/>
@@ -3124,9 +5898,45 @@
         <a:font script="Mong" typeface="Mongolian Baiti"/>
         <a:font script="Viet" typeface="Arial"/>
         <a:font script="Uigh" typeface="Microsoft Uighur"/>
+        <a:font script="Geor" typeface="Sylfaen"/>
+      </a:majorFont>
+      <a:minorFont>
+        <a:latin typeface="Franklin Gothic Book"/>
+        <a:ea typeface=""/>
+        <a:cs typeface=""/>
+        <a:font script="Jpan" typeface="HGｺﾞｼｯｸE"/>
+        <a:font script="Hang" typeface="돋움"/>
+        <a:font script="Hans" typeface="华文楷体"/>
+        <a:font script="Hant" typeface="微軟正黑體"/>
+        <a:font script="Arab" typeface="Tahoma"/>
+        <a:font script="Hebr" typeface="Aharoni"/>
+        <a:font script="Thai" typeface="LilyUPC"/>
+        <a:font script="Ethi" typeface="Nyala"/>
+        <a:font script="Beng" typeface="Vrinda"/>
+        <a:font script="Gujr" typeface="Shruti"/>
+        <a:font script="Khmr" typeface="DaunPenh"/>
+        <a:font script="Knda" typeface="Tunga"/>
+        <a:font script="Guru" typeface="Raavi"/>
+        <a:font script="Cans" typeface="Euphemia"/>
+        <a:font script="Cher" typeface="Plantagenet Cherokee"/>
+        <a:font script="Yiii" typeface="Microsoft Yi Baiti"/>
+        <a:font script="Tibt" typeface="Microsoft Himalaya"/>
+        <a:font script="Thaa" typeface="MV Boli"/>
+        <a:font script="Deva" typeface="Mangal"/>
+        <a:font script="Telu" typeface="Gautami"/>
+        <a:font script="Taml" typeface="Latha"/>
+        <a:font script="Syrc" typeface="Estrangelo Edessa"/>
+        <a:font script="Orya" typeface="Kalinga"/>
+        <a:font script="Mlym" typeface="Kartika"/>
+        <a:font script="Laoo" typeface="DokChampa"/>
+        <a:font script="Sinh" typeface="Iskoola Pota"/>
+        <a:font script="Mong" typeface="Mongolian Baiti"/>
+        <a:font script="Viet" typeface="Tahoma"/>
+        <a:font script="Uigh" typeface="Microsoft Uighur"/>
+        <a:font script="Geor" typeface="Sylfaen"/>
       </a:minorFont>
     </a:fontScheme>
-    <a:fmtScheme name="Oficina">
+    <a:fmtScheme name="Viajes">
       <a:fillStyleLst>
         <a:solidFill>
           <a:schemeClr val="phClr"/>
@@ -3135,56 +5945,77 @@
           <a:gsLst>
             <a:gs pos="0">
               <a:schemeClr val="phClr">
-                <a:tint val="50000"/>
-                <a:satMod val="300000"/>
+                <a:tint val="30000"/>
+                <a:satMod val="250000"/>
               </a:schemeClr>
             </a:gs>
-            <a:gs pos="35000">
+            <a:gs pos="72000">
               <a:schemeClr val="phClr">
-                <a:tint val="37000"/>
-                <a:satMod val="300000"/>
+                <a:tint val="75000"/>
+                <a:satMod val="210000"/>
               </a:schemeClr>
             </a:gs>
             <a:gs pos="100000">
               <a:schemeClr val="phClr">
-                <a:tint val="15000"/>
-                <a:satMod val="350000"/>
+                <a:tint val="85000"/>
+                <a:satMod val="210000"/>
               </a:schemeClr>
             </a:gs>
           </a:gsLst>
-          <a:lin ang="16200000" scaled="1"/>
+          <a:lin ang="5400000" scaled="1"/>
         </a:gradFill>
         <a:gradFill rotWithShape="1">
           <a:gsLst>
             <a:gs pos="0">
               <a:schemeClr val="phClr">
-                <a:shade val="51000"/>
-                <a:satMod val="130000"/>
+                <a:tint val="75000"/>
+                <a:shade val="85000"/>
+                <a:satMod val="230000"/>
+              </a:schemeClr>
+            </a:gs>
+            <a:gs pos="25000">
+              <a:schemeClr val="phClr">
+                <a:tint val="90000"/>
+                <a:shade val="70000"/>
+                <a:satMod val="220000"/>
+              </a:schemeClr>
+            </a:gs>
+            <a:gs pos="50000">
+              <a:schemeClr val="phClr">
+                <a:tint val="90000"/>
+                <a:shade val="58000"/>
+                <a:satMod val="225000"/>
+              </a:schemeClr>
+            </a:gs>
+            <a:gs pos="65000">
+              <a:schemeClr val="phClr">
+                <a:tint val="90000"/>
+                <a:shade val="58000"/>
+                <a:satMod val="225000"/>
               </a:schemeClr>
             </a:gs>
             <a:gs pos="80000">
               <a:schemeClr val="phClr">
-                <a:shade val="93000"/>
-                <a:satMod val="130000"/>
+                <a:tint val="90000"/>
+                <a:shade val="69000"/>
+                <a:satMod val="220000"/>
               </a:schemeClr>
             </a:gs>
             <a:gs pos="100000">
               <a:schemeClr val="phClr">
-                <a:shade val="94000"/>
-                <a:satMod val="135000"/>
+                <a:tint val="77000"/>
+                <a:shade val="80000"/>
+                <a:satMod val="230000"/>
               </a:schemeClr>
             </a:gs>
           </a:gsLst>
-          <a:lin ang="16200000" scaled="0"/>
+          <a:lin ang="5400000" scaled="1"/>
         </a:gradFill>
       </a:fillStyleLst>
       <a:lnStyleLst>
-        <a:ln w="9525" cap="flat" cmpd="sng" algn="ctr">
+        <a:ln w="10000" cap="flat" cmpd="sng" algn="ctr">
           <a:solidFill>
-            <a:schemeClr val="phClr">
-              <a:shade val="95000"/>
-              <a:satMod val="105000"/>
-            </a:schemeClr>
+            <a:schemeClr val="phClr"/>
           </a:solidFill>
           <a:prstDash val="solid"/>
         </a:ln>
@@ -3204,27 +6035,18 @@
       <a:effectStyleLst>
         <a:effectStyle>
           <a:effectLst>
-            <a:outerShdw blurRad="40000" dist="20000" dir="5400000" rotWithShape="0">
-              <a:srgbClr val="000000">
-                <a:alpha val="38000"/>
+            <a:outerShdw blurRad="76200" dist="50800" dir="5400000" rotWithShape="0">
+              <a:srgbClr val="4E3B30">
+                <a:alpha val="60000"/>
               </a:srgbClr>
             </a:outerShdw>
           </a:effectLst>
         </a:effectStyle>
         <a:effectStyle>
           <a:effectLst>
-            <a:outerShdw blurRad="40000" dist="23000" dir="5400000" rotWithShape="0">
-              <a:srgbClr val="000000">
-                <a:alpha val="35000"/>
-              </a:srgbClr>
-            </a:outerShdw>
-          </a:effectLst>
-        </a:effectStyle>
-        <a:effectStyle>
-          <a:effectLst>
-            <a:outerShdw blurRad="40000" dist="23000" dir="5400000" rotWithShape="0">
-              <a:srgbClr val="000000">
-                <a:alpha val="35000"/>
+            <a:outerShdw blurRad="76200" dist="50800" dir="5400000" rotWithShape="0">
+              <a:srgbClr val="4E3B30">
+                <a:alpha val="60000"/>
               </a:srgbClr>
             </a:outerShdw>
           </a:effectLst>
@@ -3232,12 +6054,38 @@
             <a:camera prst="orthographicFront">
               <a:rot lat="0" lon="0" rev="0"/>
             </a:camera>
-            <a:lightRig rig="threePt" dir="t">
-              <a:rot lat="0" lon="0" rev="1200000"/>
+            <a:lightRig rig="threePt" dir="tl">
+              <a:rot lat="0" lon="0" rev="0"/>
             </a:lightRig>
           </a:scene3d>
-          <a:sp3d>
-            <a:bevelT w="63500" h="25400"/>
+          <a:sp3d prstMaterial="metal">
+            <a:bevelT w="10000" h="10000"/>
+          </a:sp3d>
+        </a:effectStyle>
+        <a:effectStyle>
+          <a:effectLst>
+            <a:outerShdw blurRad="76200" dist="50800" dir="5400000" rotWithShape="0">
+              <a:srgbClr val="4E3B30">
+                <a:alpha val="60000"/>
+              </a:srgbClr>
+            </a:outerShdw>
+          </a:effectLst>
+          <a:scene3d>
+            <a:camera prst="obliqueTopLeft" fov="600000">
+              <a:rot lat="0" lon="0" rev="0"/>
+            </a:camera>
+            <a:lightRig rig="balanced" dir="t">
+              <a:rot lat="0" lon="0" rev="19200000"/>
+            </a:lightRig>
+          </a:scene3d>
+          <a:sp3d contourW="12700" prstMaterial="matte">
+            <a:bevelT w="60000" h="50800"/>
+            <a:contourClr>
+              <a:schemeClr val="phClr">
+                <a:shade val="60000"/>
+                <a:satMod val="110000"/>
+              </a:schemeClr>
+            </a:contourClr>
           </a:sp3d>
         </a:effectStyle>
       </a:effectStyleLst>
@@ -3245,51 +6093,38 @@
         <a:solidFill>
           <a:schemeClr val="phClr"/>
         </a:solidFill>
-        <a:gradFill rotWithShape="1">
-          <a:gsLst>
-            <a:gs pos="0">
+        <a:blipFill>
+          <a:blip xmlns:r="http://schemas.openxmlformats.org/officeDocument/2006/relationships" r:embed="rId1">
+            <a:duotone>
               <a:schemeClr val="phClr">
-                <a:tint val="40000"/>
-                <a:satMod val="350000"/>
+                <a:shade val="90000"/>
+                <a:satMod val="150000"/>
               </a:schemeClr>
-            </a:gs>
-            <a:gs pos="40000">
               <a:schemeClr val="phClr">
-                <a:tint val="45000"/>
-                <a:shade val="99000"/>
-                <a:satMod val="350000"/>
+                <a:tint val="88000"/>
+                <a:satMod val="105000"/>
               </a:schemeClr>
-            </a:gs>
-            <a:gs pos="100000">
-              <a:schemeClr val="phClr">
-                <a:shade val="20000"/>
-                <a:satMod val="255000"/>
-              </a:schemeClr>
-            </a:gs>
-          </a:gsLst>
-          <a:path path="circle">
-            <a:fillToRect l="50000" t="-80000" r="50000" b="180000"/>
-          </a:path>
-        </a:gradFill>
-        <a:gradFill rotWithShape="1">
-          <a:gsLst>
-            <a:gs pos="0">
-              <a:schemeClr val="phClr">
-                <a:tint val="80000"/>
-                <a:satMod val="300000"/>
-              </a:schemeClr>
-            </a:gs>
-            <a:gs pos="100000">
+            </a:duotone>
+          </a:blip>
+          <a:tile tx="0" ty="0" sx="95000" sy="95000" flip="none" algn="t"/>
+        </a:blipFill>
+        <a:blipFill>
+          <a:blip xmlns:r="http://schemas.openxmlformats.org/officeDocument/2006/relationships" r:embed="rId2">
+            <a:duotone>
               <a:schemeClr val="phClr">
                 <a:shade val="30000"/>
-                <a:satMod val="200000"/>
+                <a:satMod val="455000"/>
               </a:schemeClr>
-            </a:gs>
-          </a:gsLst>
-          <a:path path="circle">
-            <a:fillToRect l="50000" t="50000" r="50000" b="50000"/>
-          </a:path>
-        </a:gradFill>
+              <a:schemeClr val="phClr">
+                <a:tint val="95000"/>
+                <a:satMod val="120000"/>
+              </a:schemeClr>
+            </a:duotone>
+          </a:blip>
+          <a:stretch>
+            <a:fillRect/>
+          </a:stretch>
+        </a:blipFill>
       </a:bgFillStyleLst>
     </a:fmtScheme>
   </a:themeElements>

--- a/2015-2016/clases/informatica_basica/clase_6/firewall/clase_6_firewall.pptx
+++ b/2015-2016/clases/informatica_basica/clase_6/firewall/clase_6_firewall.pptx
@@ -3292,6 +3292,13 @@
   <p:clrMapOvr>
     <a:masterClrMapping/>
   </p:clrMapOvr>
+  <p:timing>
+    <p:tnLst>
+      <p:par>
+        <p:cTn id="1" dur="indefinite" restart="never" nodeType="tmRoot"/>
+      </p:par>
+    </p:tnLst>
+  </p:timing>
 </p:sld>
 </file>
 
@@ -3467,6 +3474,13 @@
   <p:clrMapOvr>
     <a:masterClrMapping/>
   </p:clrMapOvr>
+  <p:timing>
+    <p:tnLst>
+      <p:par>
+        <p:cTn id="1" dur="indefinite" restart="never" nodeType="tmRoot"/>
+      </p:par>
+    </p:tnLst>
+  </p:timing>
 </p:sld>
 </file>
 
@@ -3664,6 +3678,13 @@
   <p:clrMapOvr>
     <a:masterClrMapping/>
   </p:clrMapOvr>
+  <p:timing>
+    <p:tnLst>
+      <p:par>
+        <p:cTn id="1" dur="indefinite" restart="never" nodeType="tmRoot"/>
+      </p:par>
+    </p:tnLst>
+  </p:timing>
 </p:sld>
 </file>
 
@@ -3906,7 +3927,6 @@
               <a:rPr lang="es-ES" sz="2400" dirty="0"/>
               <a:t>hace lo mismo con la red interna y la DMZ</a:t>
             </a:r>
-            <a:endParaRPr lang="es-ES" sz="2400" dirty="0"/>
           </a:p>
         </p:txBody>
       </p:sp>
@@ -3920,6 +3940,13 @@
   <p:clrMapOvr>
     <a:masterClrMapping/>
   </p:clrMapOvr>
+  <p:timing>
+    <p:tnLst>
+      <p:par>
+        <p:cTn id="1" dur="indefinite" restart="never" nodeType="tmRoot"/>
+      </p:par>
+    </p:tnLst>
+  </p:timing>
 </p:sld>
 </file>
 
@@ -4087,6 +4114,13 @@
   <p:clrMapOvr>
     <a:masterClrMapping/>
   </p:clrMapOvr>
+  <p:timing>
+    <p:tnLst>
+      <p:par>
+        <p:cTn id="1" dur="indefinite" restart="never" nodeType="tmRoot"/>
+      </p:par>
+    </p:tnLst>
+  </p:timing>
 </p:sld>
 </file>
 
@@ -4237,7 +4271,6 @@
               <a:rPr lang="es-ES" dirty="0"/>
               <a:t>banda disponible.</a:t>
             </a:r>
-            <a:endParaRPr lang="es-ES" dirty="0"/>
           </a:p>
         </p:txBody>
       </p:sp>
@@ -4251,6 +4284,13 @@
   <p:clrMapOvr>
     <a:masterClrMapping/>
   </p:clrMapOvr>
+  <p:timing>
+    <p:tnLst>
+      <p:par>
+        <p:cTn id="1" dur="indefinite" restart="never" nodeType="tmRoot"/>
+      </p:par>
+    </p:tnLst>
+  </p:timing>
 </p:sld>
 </file>
 
@@ -4413,7 +4453,6 @@
               <a:rPr lang="es-ES" dirty="0"/>
               <a:t>NO protege de la gente que está dentro de la red interna.</a:t>
             </a:r>
-            <a:endParaRPr lang="es-ES" dirty="0"/>
           </a:p>
         </p:txBody>
       </p:sp>
@@ -4427,6 +4466,13 @@
   <p:clrMapOvr>
     <a:masterClrMapping/>
   </p:clrMapOvr>
+  <p:timing>
+    <p:tnLst>
+      <p:par>
+        <p:cTn id="1" dur="indefinite" restart="never" nodeType="tmRoot"/>
+      </p:par>
+    </p:tnLst>
+  </p:timing>
 </p:sld>
 </file>
 
@@ -4593,7 +4639,6 @@
               <a:rPr lang="es-ES" sz="2400" dirty="0"/>
               <a:t>cada mensaje y bloquea aquellos que no cumplen los criterios de seguridad especificados</a:t>
             </a:r>
-            <a:endParaRPr lang="es-ES" sz="2400" dirty="0"/>
           </a:p>
         </p:txBody>
       </p:sp>
@@ -4607,6 +4652,13 @@
   <p:clrMapOvr>
     <a:masterClrMapping/>
   </p:clrMapOvr>
+  <p:timing>
+    <p:tnLst>
+      <p:par>
+        <p:cTn id="1" dur="indefinite" restart="never" nodeType="tmRoot"/>
+      </p:par>
+    </p:tnLst>
+  </p:timing>
 </p:sld>
 </file>
 
@@ -4673,6 +4725,13 @@
   <p:clrMapOvr>
     <a:masterClrMapping/>
   </p:clrMapOvr>
+  <p:timing>
+    <p:tnLst>
+      <p:par>
+        <p:cTn id="1" dur="indefinite" restart="never" nodeType="tmRoot"/>
+      </p:par>
+    </p:tnLst>
+  </p:timing>
 </p:sld>
 </file>
 
@@ -4906,6 +4965,13 @@
   <p:clrMapOvr>
     <a:masterClrMapping/>
   </p:clrMapOvr>
+  <p:timing>
+    <p:tnLst>
+      <p:par>
+        <p:cTn id="1" dur="indefinite" restart="never" nodeType="tmRoot"/>
+      </p:par>
+    </p:tnLst>
+  </p:timing>
 </p:sld>
 </file>
 
@@ -5078,6 +5144,13 @@
   <p:clrMapOvr>
     <a:masterClrMapping/>
   </p:clrMapOvr>
+  <p:timing>
+    <p:tnLst>
+      <p:par>
+        <p:cTn id="1" dur="indefinite" restart="never" nodeType="tmRoot"/>
+      </p:par>
+    </p:tnLst>
+  </p:timing>
 </p:sld>
 </file>
 
@@ -5252,7 +5325,6 @@
               <a:rPr lang="es-ES" sz="2400" dirty="0"/>
               <a:t>filtrar protocolos de capas superiores tales como FTP, TELNET, DNS, DHCP, HTTP, TCP, UDP y TFTP</a:t>
             </a:r>
-            <a:endParaRPr lang="es-ES" sz="2400" dirty="0"/>
           </a:p>
         </p:txBody>
       </p:sp>
@@ -5296,6 +5368,13 @@
   <p:clrMapOvr>
     <a:masterClrMapping/>
   </p:clrMapOvr>
+  <p:timing>
+    <p:tnLst>
+      <p:par>
+        <p:cTn id="1" dur="indefinite" restart="never" nodeType="tmRoot"/>
+      </p:par>
+    </p:tnLst>
+  </p:timing>
 </p:sld>
 </file>
 
@@ -5362,6 +5441,13 @@
   <p:clrMapOvr>
     <a:masterClrMapping/>
   </p:clrMapOvr>
+  <p:timing>
+    <p:tnLst>
+      <p:par>
+        <p:cTn id="1" dur="indefinite" restart="never" nodeType="tmRoot"/>
+      </p:par>
+    </p:tnLst>
+  </p:timing>
 </p:sld>
 </file>
 
@@ -5613,6 +5699,13 @@
   <p:clrMapOvr>
     <a:masterClrMapping/>
   </p:clrMapOvr>
+  <p:timing>
+    <p:tnLst>
+      <p:par>
+        <p:cTn id="1" dur="indefinite" restart="never" nodeType="tmRoot"/>
+      </p:par>
+    </p:tnLst>
+  </p:timing>
 </p:sld>
 </file>
 
@@ -5820,6 +5913,13 @@
   <p:clrMapOvr>
     <a:masterClrMapping/>
   </p:clrMapOvr>
+  <p:timing>
+    <p:tnLst>
+      <p:par>
+        <p:cTn id="1" dur="indefinite" restart="never" nodeType="tmRoot"/>
+      </p:par>
+    </p:tnLst>
+  </p:timing>
 </p:sld>
 </file>
 
